--- a/presentation/presentation.pptx
+++ b/presentation/presentation.pptx
@@ -9,13 +9,18 @@
     <p:sldId id="257" r:id="rId3"/>
     <p:sldId id="258" r:id="rId4"/>
     <p:sldId id="260" r:id="rId5"/>
-    <p:sldId id="259" r:id="rId6"/>
-    <p:sldId id="261" r:id="rId7"/>
-    <p:sldId id="262" r:id="rId8"/>
-    <p:sldId id="263" r:id="rId9"/>
-    <p:sldId id="265" r:id="rId10"/>
-    <p:sldId id="264" r:id="rId11"/>
-    <p:sldId id="266" r:id="rId12"/>
+    <p:sldId id="268" r:id="rId6"/>
+    <p:sldId id="269" r:id="rId7"/>
+    <p:sldId id="259" r:id="rId8"/>
+    <p:sldId id="270" r:id="rId9"/>
+    <p:sldId id="271" r:id="rId10"/>
+    <p:sldId id="274" r:id="rId11"/>
+    <p:sldId id="273" r:id="rId12"/>
+    <p:sldId id="263" r:id="rId13"/>
+    <p:sldId id="265" r:id="rId14"/>
+    <p:sldId id="276" r:id="rId15"/>
+    <p:sldId id="264" r:id="rId16"/>
+    <p:sldId id="277" r:id="rId17"/>
   </p:sldIdLst>
   <p:sldSz cx="12192000" cy="6858000"/>
   <p:notesSz cx="6858000" cy="9144000"/>
@@ -1153,8 +1158,36 @@
           </a:lstStyle>
           <a:p>
             <a:r>
+              <a:rPr lang="en-US" dirty="0"/>
+              <a:t>Entropy </a:t>
+            </a:r>
+            <a:r>
               <a:rPr lang="en-CH" dirty="0"/>
-              <a:t>Introduction to Random Number Generation</a:t>
+              <a:t>S</a:t>
+            </a:r>
+            <a:r>
+              <a:rPr lang="en-US" dirty="0" err="1"/>
+              <a:t>ources</a:t>
+            </a:r>
+            <a:r>
+              <a:rPr lang="en-US" dirty="0"/>
+              <a:t> for </a:t>
+            </a:r>
+            <a:r>
+              <a:rPr lang="en-CH" dirty="0"/>
+              <a:t>S</a:t>
+            </a:r>
+            <a:r>
+              <a:rPr lang="en-US" dirty="0" err="1"/>
+              <a:t>eeding</a:t>
+            </a:r>
+            <a:r>
+              <a:rPr lang="en-US" dirty="0"/>
+              <a:t> </a:t>
+            </a:r>
+            <a:r>
+              <a:rPr lang="en-CH" dirty="0"/>
+              <a:t>PRNGs</a:t>
             </a:r>
             <a:endParaRPr lang="en-US" dirty="0"/>
           </a:p>
@@ -1480,200 +1513,6 @@
               <a:rPr lang="en-US" dirty="0"/>
               <a:t>Click to edit Master text styles</a:t>
             </a:r>
-          </a:p>
-        </p:txBody>
-      </p:sp>
-      <p:sp>
-        <p:nvSpPr>
-          <p:cNvPr id="6" name="Slide Number Placeholder 5">
-            <a:extLst>
-              <a:ext uri="{FF2B5EF4-FFF2-40B4-BE49-F238E27FC236}">
-                <a16:creationId xmlns:a16="http://schemas.microsoft.com/office/drawing/2014/main" id="{C717344C-9D5F-44BC-985A-8BE6C8D0A473}"/>
-              </a:ext>
-            </a:extLst>
-          </p:cNvPr>
-          <p:cNvSpPr>
-            <a:spLocks noGrp="1"/>
-          </p:cNvSpPr>
-          <p:nvPr>
-            <p:ph type="sldNum" sz="quarter" idx="12"/>
-          </p:nvPr>
-        </p:nvSpPr>
-        <p:spPr/>
-        <p:txBody>
-          <a:bodyPr/>
-          <a:lstStyle/>
-          <a:p>
-            <a:fld id="{2D694F59-D115-45E0-BE81-21B42FF287F9}" type="slidenum">
-              <a:rPr lang="en-US" smtClean="0"/>
-              <a:t>‹#›</a:t>
-            </a:fld>
-            <a:endParaRPr lang="en-US"/>
-          </a:p>
-        </p:txBody>
-      </p:sp>
-      <p:sp>
-        <p:nvSpPr>
-          <p:cNvPr id="7" name="Date Placeholder 3">
-            <a:extLst>
-              <a:ext uri="{FF2B5EF4-FFF2-40B4-BE49-F238E27FC236}">
-                <a16:creationId xmlns:a16="http://schemas.microsoft.com/office/drawing/2014/main" id="{C29DD221-4F87-4F0A-84BB-9A29BFAAF0DB}"/>
-              </a:ext>
-            </a:extLst>
-          </p:cNvPr>
-          <p:cNvSpPr txBox="1">
-            <a:spLocks/>
-          </p:cNvSpPr>
-          <p:nvPr userDrawn="1"/>
-        </p:nvSpPr>
-        <p:spPr>
-          <a:xfrm>
-            <a:off x="831850" y="6356350"/>
-            <a:ext cx="3288812" cy="365125"/>
-          </a:xfrm>
-          <a:prstGeom prst="rect">
-            <a:avLst/>
-          </a:prstGeom>
-        </p:spPr>
-        <p:txBody>
-          <a:bodyPr vert="horz" lIns="91440" tIns="45720" rIns="91440" bIns="45720" rtlCol="0" anchor="ctr"/>
-          <a:lstStyle>
-            <a:defPPr>
-              <a:defRPr lang="en-US"/>
-            </a:defPPr>
-            <a:lvl1pPr marL="0" algn="l" defTabSz="914400" rtl="0" eaLnBrk="1" latinLnBrk="0" hangingPunct="1">
-              <a:defRPr sz="1200" kern="1200">
-                <a:solidFill>
-                  <a:schemeClr val="tx1">
-                    <a:tint val="75000"/>
-                  </a:schemeClr>
-                </a:solidFill>
-                <a:latin typeface="+mn-lt"/>
-                <a:ea typeface="+mn-ea"/>
-                <a:cs typeface="+mn-cs"/>
-              </a:defRPr>
-            </a:lvl1pPr>
-            <a:lvl2pPr marL="457200" algn="l" defTabSz="914400" rtl="0" eaLnBrk="1" latinLnBrk="0" hangingPunct="1">
-              <a:defRPr sz="1800" kern="1200">
-                <a:solidFill>
-                  <a:schemeClr val="tx1"/>
-                </a:solidFill>
-                <a:latin typeface="+mn-lt"/>
-                <a:ea typeface="+mn-ea"/>
-                <a:cs typeface="+mn-cs"/>
-              </a:defRPr>
-            </a:lvl2pPr>
-            <a:lvl3pPr marL="914400" algn="l" defTabSz="914400" rtl="0" eaLnBrk="1" latinLnBrk="0" hangingPunct="1">
-              <a:defRPr sz="1800" kern="1200">
-                <a:solidFill>
-                  <a:schemeClr val="tx1"/>
-                </a:solidFill>
-                <a:latin typeface="+mn-lt"/>
-                <a:ea typeface="+mn-ea"/>
-                <a:cs typeface="+mn-cs"/>
-              </a:defRPr>
-            </a:lvl3pPr>
-            <a:lvl4pPr marL="1371600" algn="l" defTabSz="914400" rtl="0" eaLnBrk="1" latinLnBrk="0" hangingPunct="1">
-              <a:defRPr sz="1800" kern="1200">
-                <a:solidFill>
-                  <a:schemeClr val="tx1"/>
-                </a:solidFill>
-                <a:latin typeface="+mn-lt"/>
-                <a:ea typeface="+mn-ea"/>
-                <a:cs typeface="+mn-cs"/>
-              </a:defRPr>
-            </a:lvl4pPr>
-            <a:lvl5pPr marL="1828800" algn="l" defTabSz="914400" rtl="0" eaLnBrk="1" latinLnBrk="0" hangingPunct="1">
-              <a:defRPr sz="1800" kern="1200">
-                <a:solidFill>
-                  <a:schemeClr val="tx1"/>
-                </a:solidFill>
-                <a:latin typeface="+mn-lt"/>
-                <a:ea typeface="+mn-ea"/>
-                <a:cs typeface="+mn-cs"/>
-              </a:defRPr>
-            </a:lvl5pPr>
-            <a:lvl6pPr marL="2286000" algn="l" defTabSz="914400" rtl="0" eaLnBrk="1" latinLnBrk="0" hangingPunct="1">
-              <a:defRPr sz="1800" kern="1200">
-                <a:solidFill>
-                  <a:schemeClr val="tx1"/>
-                </a:solidFill>
-                <a:latin typeface="+mn-lt"/>
-                <a:ea typeface="+mn-ea"/>
-                <a:cs typeface="+mn-cs"/>
-              </a:defRPr>
-            </a:lvl6pPr>
-            <a:lvl7pPr marL="2743200" algn="l" defTabSz="914400" rtl="0" eaLnBrk="1" latinLnBrk="0" hangingPunct="1">
-              <a:defRPr sz="1800" kern="1200">
-                <a:solidFill>
-                  <a:schemeClr val="tx1"/>
-                </a:solidFill>
-                <a:latin typeface="+mn-lt"/>
-                <a:ea typeface="+mn-ea"/>
-                <a:cs typeface="+mn-cs"/>
-              </a:defRPr>
-            </a:lvl7pPr>
-            <a:lvl8pPr marL="3200400" algn="l" defTabSz="914400" rtl="0" eaLnBrk="1" latinLnBrk="0" hangingPunct="1">
-              <a:defRPr sz="1800" kern="1200">
-                <a:solidFill>
-                  <a:schemeClr val="tx1"/>
-                </a:solidFill>
-                <a:latin typeface="+mn-lt"/>
-                <a:ea typeface="+mn-ea"/>
-                <a:cs typeface="+mn-cs"/>
-              </a:defRPr>
-            </a:lvl8pPr>
-            <a:lvl9pPr marL="3657600" algn="l" defTabSz="914400" rtl="0" eaLnBrk="1" latinLnBrk="0" hangingPunct="1">
-              <a:defRPr sz="1800" kern="1200">
-                <a:solidFill>
-                  <a:schemeClr val="tx1"/>
-                </a:solidFill>
-                <a:latin typeface="+mn-lt"/>
-                <a:ea typeface="+mn-ea"/>
-                <a:cs typeface="+mn-cs"/>
-              </a:defRPr>
-            </a:lvl9pPr>
-          </a:lstStyle>
-          <a:p>
-            <a:r>
-              <a:rPr lang="en-CH" dirty="0"/>
-              <a:t>Entropy Sources and Random Number Generation</a:t>
-            </a:r>
-            <a:endParaRPr lang="en-US" dirty="0"/>
-          </a:p>
-        </p:txBody>
-      </p:sp>
-      <p:sp>
-        <p:nvSpPr>
-          <p:cNvPr id="8" name="Footer Placeholder 4">
-            <a:extLst>
-              <a:ext uri="{FF2B5EF4-FFF2-40B4-BE49-F238E27FC236}">
-                <a16:creationId xmlns:a16="http://schemas.microsoft.com/office/drawing/2014/main" id="{B633BD5D-F0EF-4F40-B531-5D7932FD3F5D}"/>
-              </a:ext>
-            </a:extLst>
-          </p:cNvPr>
-          <p:cNvSpPr>
-            <a:spLocks noGrp="1"/>
-          </p:cNvSpPr>
-          <p:nvPr>
-            <p:ph type="ftr" sz="quarter" idx="11"/>
-          </p:nvPr>
-        </p:nvSpPr>
-        <p:spPr>
-          <a:xfrm>
-            <a:off x="4038600" y="6356350"/>
-            <a:ext cx="4114800" cy="365125"/>
-          </a:xfrm>
-        </p:spPr>
-        <p:txBody>
-          <a:bodyPr/>
-          <a:lstStyle/>
-          <a:p>
-            <a:r>
-              <a:rPr lang="en-CH" dirty="0"/>
-              <a:t>Matthias Thomann</a:t>
-            </a:r>
-            <a:endParaRPr lang="en-US" dirty="0"/>
           </a:p>
         </p:txBody>
       </p:sp>
@@ -3864,28 +3703,10 @@
           <a:p>
             <a:pPr algn="ctr"/>
             <a:r>
-              <a:rPr lang="en-CH" b="0" i="0" dirty="0">
-                <a:effectLst/>
-              </a:rPr>
-              <a:t>Introduction to </a:t>
-            </a:r>
-            <a:r>
               <a:rPr lang="en-US" b="0" i="0" dirty="0">
                 <a:effectLst/>
               </a:rPr>
-              <a:t>Random</a:t>
-            </a:r>
-            <a:r>
-              <a:rPr lang="en-CH" b="0" i="0" dirty="0">
-                <a:effectLst/>
-              </a:rPr>
-              <a:t> </a:t>
-            </a:r>
-            <a:r>
-              <a:rPr lang="en-US" b="0" i="0" dirty="0">
-                <a:effectLst/>
-              </a:rPr>
-              <a:t>Number Generation</a:t>
+              <a:t>Entropy Sources for Seeding Pseudo-Random Number Generators</a:t>
             </a:r>
             <a:endParaRPr lang="en-US" dirty="0"/>
           </a:p>
@@ -3926,7 +3747,7 @@
           <p:cNvPr id="2" name="Title 1">
             <a:extLst>
               <a:ext uri="{FF2B5EF4-FFF2-40B4-BE49-F238E27FC236}">
-                <a16:creationId xmlns:a16="http://schemas.microsoft.com/office/drawing/2014/main" id="{D34AAD95-5E3F-4937-8CD2-E57007B4674C}"/>
+                <a16:creationId xmlns:a16="http://schemas.microsoft.com/office/drawing/2014/main" id="{F6395FC7-0AD5-46D1-9BA5-1728C5D19CB2}"/>
               </a:ext>
             </a:extLst>
           </p:cNvPr>
@@ -3944,7 +3765,7 @@
           <a:p>
             <a:r>
               <a:rPr lang="en-CH" dirty="0"/>
-              <a:t>Randomness Extraction - Period</a:t>
+              <a:t>Entropy Sources – Conditioning</a:t>
             </a:r>
             <a:endParaRPr lang="en-US" dirty="0"/>
           </a:p>
@@ -3955,7 +3776,7 @@
           <p:cNvPr id="3" name="Content Placeholder 2">
             <a:extLst>
               <a:ext uri="{FF2B5EF4-FFF2-40B4-BE49-F238E27FC236}">
-                <a16:creationId xmlns:a16="http://schemas.microsoft.com/office/drawing/2014/main" id="{066AC500-57FE-4CDE-BC01-9B17554FB73B}"/>
+                <a16:creationId xmlns:a16="http://schemas.microsoft.com/office/drawing/2014/main" id="{A5ECDD8E-DEB3-4CB1-94F2-62A487B1B1DA}"/>
               </a:ext>
             </a:extLst>
           </p:cNvPr>
@@ -3971,14 +3792,26 @@
           <a:bodyPr/>
           <a:lstStyle/>
           <a:p>
-            <a:endParaRPr lang="en-US"/>
+            <a:r>
+              <a:rPr lang="en-CH" dirty="0"/>
+              <a:t>Applicable if noise has low entropy</a:t>
+            </a:r>
+          </a:p>
+          <a:p>
+            <a:r>
+              <a:rPr lang="en-CH" dirty="0"/>
+              <a:t>Helps to reach higher entropy</a:t>
+            </a:r>
+          </a:p>
+          <a:p>
+            <a:endParaRPr lang="en-US" dirty="0"/>
           </a:p>
         </p:txBody>
       </p:sp>
     </p:spTree>
     <p:extLst>
       <p:ext uri="{BB962C8B-B14F-4D97-AF65-F5344CB8AC3E}">
-        <p14:creationId xmlns:p14="http://schemas.microsoft.com/office/powerpoint/2010/main" val="1757835248"/>
+        <p14:creationId xmlns:p14="http://schemas.microsoft.com/office/powerpoint/2010/main" val="24288950"/>
       </p:ext>
     </p:extLst>
   </p:cSld>
@@ -4010,7 +3843,7 @@
           <p:cNvPr id="2" name="Title 1">
             <a:extLst>
               <a:ext uri="{FF2B5EF4-FFF2-40B4-BE49-F238E27FC236}">
-                <a16:creationId xmlns:a16="http://schemas.microsoft.com/office/drawing/2014/main" id="{D34AAD95-5E3F-4937-8CD2-E57007B4674C}"/>
+                <a16:creationId xmlns:a16="http://schemas.microsoft.com/office/drawing/2014/main" id="{F6395FC7-0AD5-46D1-9BA5-1728C5D19CB2}"/>
               </a:ext>
             </a:extLst>
           </p:cNvPr>
@@ -4028,7 +3861,7 @@
           <a:p>
             <a:r>
               <a:rPr lang="en-CH" dirty="0"/>
-              <a:t>Randomness Extraction – Seed Space</a:t>
+              <a:t>Entropy Sources – Health tests</a:t>
             </a:r>
             <a:endParaRPr lang="en-US" dirty="0"/>
           </a:p>
@@ -4039,7 +3872,7 @@
           <p:cNvPr id="3" name="Content Placeholder 2">
             <a:extLst>
               <a:ext uri="{FF2B5EF4-FFF2-40B4-BE49-F238E27FC236}">
-                <a16:creationId xmlns:a16="http://schemas.microsoft.com/office/drawing/2014/main" id="{066AC500-57FE-4CDE-BC01-9B17554FB73B}"/>
+                <a16:creationId xmlns:a16="http://schemas.microsoft.com/office/drawing/2014/main" id="{A5ECDD8E-DEB3-4CB1-94F2-62A487B1B1DA}"/>
               </a:ext>
             </a:extLst>
           </p:cNvPr>
@@ -4055,14 +3888,2209 @@
           <a:bodyPr/>
           <a:lstStyle/>
           <a:p>
-            <a:endParaRPr lang="en-US"/>
+            <a:r>
+              <a:rPr lang="en-CH" dirty="0"/>
+              <a:t>Necessity, as entropy source may be fragile</a:t>
+            </a:r>
+          </a:p>
+          <a:p>
+            <a:pPr lvl="1"/>
+            <a:r>
+              <a:rPr lang="en-CH" dirty="0"/>
+              <a:t>Temperature</a:t>
+            </a:r>
+          </a:p>
+          <a:p>
+            <a:pPr lvl="1"/>
+            <a:r>
+              <a:rPr lang="en-CH" dirty="0"/>
+              <a:t>Humidity</a:t>
+            </a:r>
+          </a:p>
+          <a:p>
+            <a:pPr lvl="1"/>
+            <a:r>
+              <a:rPr lang="en-CH" dirty="0"/>
+              <a:t>Electric fields</a:t>
+            </a:r>
+          </a:p>
+          <a:p>
+            <a:r>
+              <a:rPr lang="en-CH" dirty="0"/>
+              <a:t>Deviation detection</a:t>
+            </a:r>
+          </a:p>
+          <a:p>
+            <a:pPr lvl="1"/>
+            <a:r>
+              <a:rPr lang="en-CH" dirty="0"/>
+              <a:t>Decrease in entropy of outputs</a:t>
+            </a:r>
+          </a:p>
+          <a:p>
+            <a:pPr lvl="1"/>
+            <a:r>
+              <a:rPr lang="en-CH" dirty="0"/>
+              <a:t>Noise source failures</a:t>
+            </a:r>
+          </a:p>
+          <a:p>
+            <a:pPr lvl="1"/>
+            <a:r>
+              <a:rPr lang="en-CH" dirty="0"/>
+              <a:t>Hardware failures</a:t>
+            </a:r>
+            <a:endParaRPr lang="en-US" dirty="0"/>
           </a:p>
         </p:txBody>
       </p:sp>
     </p:spTree>
     <p:extLst>
       <p:ext uri="{BB962C8B-B14F-4D97-AF65-F5344CB8AC3E}">
-        <p14:creationId xmlns:p14="http://schemas.microsoft.com/office/powerpoint/2010/main" val="3730374256"/>
+        <p14:creationId xmlns:p14="http://schemas.microsoft.com/office/powerpoint/2010/main" val="1177703257"/>
+      </p:ext>
+    </p:extLst>
+  </p:cSld>
+  <p:clrMapOvr>
+    <a:masterClrMapping/>
+  </p:clrMapOvr>
+</p:sld>
+</file>
+
+<file path=ppt/slides/slide12.xml><?xml version="1.0" encoding="utf-8"?>
+<p:sld xmlns:a="http://schemas.openxmlformats.org/drawingml/2006/main" xmlns:r="http://schemas.openxmlformats.org/officeDocument/2006/relationships" xmlns:p="http://schemas.openxmlformats.org/presentationml/2006/main">
+  <p:cSld>
+    <p:spTree>
+      <p:nvGrpSpPr>
+        <p:cNvPr id="1" name=""/>
+        <p:cNvGrpSpPr/>
+        <p:nvPr/>
+      </p:nvGrpSpPr>
+      <p:grpSpPr>
+        <a:xfrm>
+          <a:off x="0" y="0"/>
+          <a:ext cx="0" cy="0"/>
+          <a:chOff x="0" y="0"/>
+          <a:chExt cx="0" cy="0"/>
+        </a:xfrm>
+      </p:grpSpPr>
+      <p:sp>
+        <p:nvSpPr>
+          <p:cNvPr id="2" name="Title 1">
+            <a:extLst>
+              <a:ext uri="{FF2B5EF4-FFF2-40B4-BE49-F238E27FC236}">
+                <a16:creationId xmlns:a16="http://schemas.microsoft.com/office/drawing/2014/main" id="{99C5CF71-305E-462F-B772-493ECAACCFC6}"/>
+              </a:ext>
+            </a:extLst>
+          </p:cNvPr>
+          <p:cNvSpPr>
+            <a:spLocks noGrp="1"/>
+          </p:cNvSpPr>
+          <p:nvPr>
+            <p:ph type="title"/>
+          </p:nvPr>
+        </p:nvSpPr>
+        <p:spPr/>
+        <p:txBody>
+          <a:bodyPr/>
+          <a:lstStyle/>
+          <a:p>
+            <a:r>
+              <a:rPr lang="en-CH" dirty="0"/>
+              <a:t>Randomness Extraction</a:t>
+            </a:r>
+            <a:endParaRPr lang="en-US" dirty="0"/>
+          </a:p>
+        </p:txBody>
+      </p:sp>
+      <p:sp>
+        <p:nvSpPr>
+          <p:cNvPr id="3" name="Content Placeholder 2">
+            <a:extLst>
+              <a:ext uri="{FF2B5EF4-FFF2-40B4-BE49-F238E27FC236}">
+                <a16:creationId xmlns:a16="http://schemas.microsoft.com/office/drawing/2014/main" id="{C14F97BF-269C-404F-99FA-A81F9B2FCFB4}"/>
+              </a:ext>
+            </a:extLst>
+          </p:cNvPr>
+          <p:cNvSpPr>
+            <a:spLocks noGrp="1"/>
+          </p:cNvSpPr>
+          <p:nvPr>
+            <p:ph idx="1"/>
+          </p:nvPr>
+        </p:nvSpPr>
+        <p:spPr/>
+        <p:txBody>
+          <a:bodyPr/>
+          <a:lstStyle/>
+          <a:p>
+            <a:r>
+              <a:rPr lang="en-CH" dirty="0"/>
+              <a:t>Seed obtained from entropy source</a:t>
+            </a:r>
+          </a:p>
+          <a:p>
+            <a:r>
+              <a:rPr lang="en-CH" dirty="0"/>
+              <a:t>Pseudo-random algorithm</a:t>
+            </a:r>
+          </a:p>
+          <a:p>
+            <a:r>
+              <a:rPr lang="en-CH" dirty="0"/>
+              <a:t>Von Neumann’s middle-square method</a:t>
+            </a:r>
+            <a:endParaRPr lang="en-US" dirty="0"/>
+          </a:p>
+        </p:txBody>
+      </p:sp>
+    </p:spTree>
+    <p:extLst>
+      <p:ext uri="{BB962C8B-B14F-4D97-AF65-F5344CB8AC3E}">
+        <p14:creationId xmlns:p14="http://schemas.microsoft.com/office/powerpoint/2010/main" val="2273462571"/>
+      </p:ext>
+    </p:extLst>
+  </p:cSld>
+  <p:clrMapOvr>
+    <a:masterClrMapping/>
+  </p:clrMapOvr>
+</p:sld>
+</file>
+
+<file path=ppt/slides/slide13.xml><?xml version="1.0" encoding="utf-8"?>
+<p:sld xmlns:a="http://schemas.openxmlformats.org/drawingml/2006/main" xmlns:r="http://schemas.openxmlformats.org/officeDocument/2006/relationships" xmlns:p="http://schemas.openxmlformats.org/presentationml/2006/main">
+  <p:cSld>
+    <p:spTree>
+      <p:nvGrpSpPr>
+        <p:cNvPr id="1" name=""/>
+        <p:cNvGrpSpPr/>
+        <p:nvPr/>
+      </p:nvGrpSpPr>
+      <p:grpSpPr>
+        <a:xfrm>
+          <a:off x="0" y="0"/>
+          <a:ext cx="0" cy="0"/>
+          <a:chOff x="0" y="0"/>
+          <a:chExt cx="0" cy="0"/>
+        </a:xfrm>
+      </p:grpSpPr>
+      <p:sp>
+        <p:nvSpPr>
+          <p:cNvPr id="2" name="Title 1">
+            <a:extLst>
+              <a:ext uri="{FF2B5EF4-FFF2-40B4-BE49-F238E27FC236}">
+                <a16:creationId xmlns:a16="http://schemas.microsoft.com/office/drawing/2014/main" id="{99C5CF71-305E-462F-B772-493ECAACCFC6}"/>
+              </a:ext>
+            </a:extLst>
+          </p:cNvPr>
+          <p:cNvSpPr>
+            <a:spLocks noGrp="1"/>
+          </p:cNvSpPr>
+          <p:nvPr>
+            <p:ph type="title"/>
+          </p:nvPr>
+        </p:nvSpPr>
+        <p:spPr/>
+        <p:txBody>
+          <a:bodyPr/>
+          <a:lstStyle/>
+          <a:p>
+            <a:r>
+              <a:rPr lang="en-CH" dirty="0"/>
+              <a:t>Randomness Extraction - Example</a:t>
+            </a:r>
+            <a:endParaRPr lang="en-US" dirty="0"/>
+          </a:p>
+        </p:txBody>
+      </p:sp>
+      <mc:AlternateContent xmlns:mc="http://schemas.openxmlformats.org/markup-compatibility/2006">
+        <mc:Choice xmlns:a14="http://schemas.microsoft.com/office/drawing/2010/main" Requires="a14">
+          <p:sp>
+            <p:nvSpPr>
+              <p:cNvPr id="3" name="Content Placeholder 2">
+                <a:extLst>
+                  <a:ext uri="{FF2B5EF4-FFF2-40B4-BE49-F238E27FC236}">
+                    <a16:creationId xmlns:a16="http://schemas.microsoft.com/office/drawing/2014/main" id="{C14F97BF-269C-404F-99FA-A81F9B2FCFB4}"/>
+                  </a:ext>
+                </a:extLst>
+              </p:cNvPr>
+              <p:cNvSpPr>
+                <a:spLocks noGrp="1"/>
+              </p:cNvSpPr>
+              <p:nvPr>
+                <p:ph idx="1"/>
+              </p:nvPr>
+            </p:nvSpPr>
+            <p:spPr/>
+            <p:txBody>
+              <a:bodyPr/>
+              <a:lstStyle/>
+              <a:p>
+                <a:r>
+                  <a:rPr lang="en-CH" dirty="0"/>
+                  <a:t>Method </a:t>
+                </a:r>
+                <a14:m>
+                  <m:oMath xmlns:m="http://schemas.openxmlformats.org/officeDocument/2006/math">
+                    <m:r>
+                      <a:rPr lang="en-CH" b="0" i="1" smtClean="0">
+                        <a:latin typeface="Cambria Math" panose="02040503050406030204" pitchFamily="18" charset="0"/>
+                      </a:rPr>
+                      <m:t>𝑀</m:t>
+                    </m:r>
+                    <m:r>
+                      <a:rPr lang="en-CH" b="0" i="1" smtClean="0">
+                        <a:latin typeface="Cambria Math" panose="02040503050406030204" pitchFamily="18" charset="0"/>
+                      </a:rPr>
+                      <m:t>(</m:t>
+                    </m:r>
+                    <m:r>
+                      <a:rPr lang="en-CH" b="0" i="1" smtClean="0">
+                        <a:latin typeface="Cambria Math" panose="02040503050406030204" pitchFamily="18" charset="0"/>
+                      </a:rPr>
+                      <m:t>𝑥</m:t>
+                    </m:r>
+                    <m:r>
+                      <a:rPr lang="en-CH" b="0" i="1" smtClean="0">
+                        <a:latin typeface="Cambria Math" panose="02040503050406030204" pitchFamily="18" charset="0"/>
+                      </a:rPr>
+                      <m:t>)</m:t>
+                    </m:r>
+                  </m:oMath>
+                </a14:m>
+                <a:r>
+                  <a:rPr lang="en-CH" dirty="0"/>
+                  <a:t> takes middle part of number </a:t>
+                </a:r>
+                <a14:m>
+                  <m:oMath xmlns:m="http://schemas.openxmlformats.org/officeDocument/2006/math">
+                    <m:r>
+                      <a:rPr lang="en-CH" b="0" i="1" smtClean="0">
+                        <a:latin typeface="Cambria Math" panose="02040503050406030204" pitchFamily="18" charset="0"/>
+                      </a:rPr>
+                      <m:t>𝑥</m:t>
+                    </m:r>
+                  </m:oMath>
+                </a14:m>
+                <a:endParaRPr lang="en-CH" dirty="0"/>
+              </a:p>
+              <a:p>
+                <a:r>
+                  <a:rPr lang="en-CH" dirty="0"/>
+                  <a:t>Method</a:t>
+                </a:r>
+                <a:r>
+                  <a:rPr lang="en-CH" b="0" dirty="0"/>
+                  <a:t> </a:t>
+                </a:r>
+                <a14:m>
+                  <m:oMath xmlns:m="http://schemas.openxmlformats.org/officeDocument/2006/math">
+                    <m:r>
+                      <a:rPr lang="en-CH" b="0" i="1" smtClean="0">
+                        <a:latin typeface="Cambria Math" panose="02040503050406030204" pitchFamily="18" charset="0"/>
+                      </a:rPr>
+                      <m:t>𝑅𝑁𝐺</m:t>
+                    </m:r>
+                    <m:d>
+                      <m:dPr>
+                        <m:ctrlPr>
+                          <a:rPr lang="en-CH" b="0" i="1" smtClean="0">
+                            <a:latin typeface="Cambria Math" panose="02040503050406030204" pitchFamily="18" charset="0"/>
+                          </a:rPr>
+                        </m:ctrlPr>
+                      </m:dPr>
+                      <m:e>
+                        <m:r>
+                          <a:rPr lang="en-CH" b="0" i="1" smtClean="0">
+                            <a:latin typeface="Cambria Math" panose="02040503050406030204" pitchFamily="18" charset="0"/>
+                          </a:rPr>
+                          <m:t>𝑥</m:t>
+                        </m:r>
+                      </m:e>
+                    </m:d>
+                    <m:r>
+                      <a:rPr lang="en-CH" b="0" i="1" smtClean="0">
+                        <a:latin typeface="Cambria Math" panose="02040503050406030204" pitchFamily="18" charset="0"/>
+                      </a:rPr>
+                      <m:t>=</m:t>
+                    </m:r>
+                    <m:r>
+                      <a:rPr lang="en-CH" b="0" i="1" smtClean="0">
+                        <a:latin typeface="Cambria Math" panose="02040503050406030204" pitchFamily="18" charset="0"/>
+                      </a:rPr>
+                      <m:t>𝑀</m:t>
+                    </m:r>
+                    <m:r>
+                      <a:rPr lang="en-CH" b="0" i="1" smtClean="0">
+                        <a:latin typeface="Cambria Math" panose="02040503050406030204" pitchFamily="18" charset="0"/>
+                      </a:rPr>
+                      <m:t> (</m:t>
+                    </m:r>
+                    <m:r>
+                      <a:rPr lang="en-CH" b="0" i="1" smtClean="0">
+                        <a:latin typeface="Cambria Math" panose="02040503050406030204" pitchFamily="18" charset="0"/>
+                      </a:rPr>
+                      <m:t>𝑥</m:t>
+                    </m:r>
+                    <m:r>
+                      <a:rPr lang="en-CH" b="0" i="1" smtClean="0">
+                        <a:latin typeface="Cambria Math" panose="02040503050406030204" pitchFamily="18" charset="0"/>
+                      </a:rPr>
+                      <m:t> ∗</m:t>
+                    </m:r>
+                    <m:r>
+                      <a:rPr lang="en-CH" b="0" i="1" smtClean="0">
+                        <a:latin typeface="Cambria Math" panose="02040503050406030204" pitchFamily="18" charset="0"/>
+                      </a:rPr>
+                      <m:t>𝑥</m:t>
+                    </m:r>
+                    <m:r>
+                      <a:rPr lang="en-CH" b="0" i="1" smtClean="0">
+                        <a:latin typeface="Cambria Math" panose="02040503050406030204" pitchFamily="18" charset="0"/>
+                      </a:rPr>
+                      <m:t>)</m:t>
+                    </m:r>
+                  </m:oMath>
+                </a14:m>
+                <a:endParaRPr lang="en-CH" dirty="0"/>
+              </a:p>
+              <a:p>
+                <a:pPr marL="514350" indent="-514350">
+                  <a:buFont typeface="+mj-lt"/>
+                  <a:buAutoNum type="arabicPeriod"/>
+                </a:pPr>
+                <a:endParaRPr lang="en-CH" dirty="0"/>
+              </a:p>
+              <a:p>
+                <a:pPr marL="514350" indent="-514350">
+                  <a:buFont typeface="+mj-lt"/>
+                  <a:buAutoNum type="arabicPeriod"/>
+                </a:pPr>
+                <a:r>
+                  <a:rPr lang="en-CH" dirty="0"/>
+                  <a:t>Multiply number by itself</a:t>
+                </a:r>
+              </a:p>
+              <a:p>
+                <a:pPr marL="514350" indent="-514350">
+                  <a:buFont typeface="+mj-lt"/>
+                  <a:buAutoNum type="arabicPeriod"/>
+                </a:pPr>
+                <a:r>
+                  <a:rPr lang="en-CH" dirty="0"/>
+                  <a:t>Take middle part of result</a:t>
+                </a:r>
+              </a:p>
+              <a:p>
+                <a:pPr marL="514350" indent="-514350">
+                  <a:buFont typeface="+mj-lt"/>
+                  <a:buAutoNum type="arabicPeriod"/>
+                </a:pPr>
+                <a:r>
+                  <a:rPr lang="en-CH" dirty="0"/>
+                  <a:t>Add that to the output sequence</a:t>
+                </a:r>
+              </a:p>
+              <a:p>
+                <a:pPr marL="514350" indent="-514350">
+                  <a:buFont typeface="+mj-lt"/>
+                  <a:buAutoNum type="arabicPeriod"/>
+                </a:pPr>
+                <a:r>
+                  <a:rPr lang="en-CH" dirty="0"/>
+                  <a:t>Go to step 1</a:t>
+                </a:r>
+                <a:endParaRPr lang="en-US" dirty="0"/>
+              </a:p>
+            </p:txBody>
+          </p:sp>
+        </mc:Choice>
+        <mc:Fallback>
+          <p:sp>
+            <p:nvSpPr>
+              <p:cNvPr id="3" name="Content Placeholder 2">
+                <a:extLst>
+                  <a:ext uri="{FF2B5EF4-FFF2-40B4-BE49-F238E27FC236}">
+                    <a16:creationId xmlns:a16="http://schemas.microsoft.com/office/drawing/2014/main" id="{C14F97BF-269C-404F-99FA-A81F9B2FCFB4}"/>
+                  </a:ext>
+                </a:extLst>
+              </p:cNvPr>
+              <p:cNvSpPr>
+                <a:spLocks noGrp="1" noRot="1" noChangeAspect="1" noMove="1" noResize="1" noEditPoints="1" noAdjustHandles="1" noChangeArrowheads="1" noChangeShapeType="1" noTextEdit="1"/>
+              </p:cNvSpPr>
+              <p:nvPr>
+                <p:ph idx="1"/>
+              </p:nvPr>
+            </p:nvSpPr>
+            <p:spPr>
+              <a:blipFill>
+                <a:blip r:embed="rId2"/>
+                <a:stretch>
+                  <a:fillRect l="-1333" t="-2241"/>
+                </a:stretch>
+              </a:blipFill>
+            </p:spPr>
+            <p:txBody>
+              <a:bodyPr/>
+              <a:lstStyle/>
+              <a:p>
+                <a:r>
+                  <a:rPr lang="en-US">
+                    <a:noFill/>
+                  </a:rPr>
+                  <a:t> </a:t>
+                </a:r>
+              </a:p>
+            </p:txBody>
+          </p:sp>
+        </mc:Fallback>
+      </mc:AlternateContent>
+    </p:spTree>
+    <p:extLst>
+      <p:ext uri="{BB962C8B-B14F-4D97-AF65-F5344CB8AC3E}">
+        <p14:creationId xmlns:p14="http://schemas.microsoft.com/office/powerpoint/2010/main" val="1909500453"/>
+      </p:ext>
+    </p:extLst>
+  </p:cSld>
+  <p:clrMapOvr>
+    <a:masterClrMapping/>
+  </p:clrMapOvr>
+  <p:timing>
+    <p:tnLst>
+      <p:par>
+        <p:cTn id="1" dur="indefinite" restart="never" nodeType="tmRoot">
+          <p:childTnLst>
+            <p:seq concurrent="1" nextAc="seek">
+              <p:cTn id="2" dur="indefinite" nodeType="mainSeq">
+                <p:childTnLst>
+                  <p:par>
+                    <p:cTn id="3" fill="hold">
+                      <p:stCondLst>
+                        <p:cond delay="indefinite"/>
+                      </p:stCondLst>
+                      <p:childTnLst>
+                        <p:par>
+                          <p:cTn id="4" fill="hold">
+                            <p:stCondLst>
+                              <p:cond delay="0"/>
+                            </p:stCondLst>
+                            <p:childTnLst>
+                              <p:par>
+                                <p:cTn id="5" presetID="1" presetClass="entr" presetSubtype="0" fill="hold" nodeType="clickEffect">
+                                  <p:stCondLst>
+                                    <p:cond delay="0"/>
+                                  </p:stCondLst>
+                                  <p:childTnLst>
+                                    <p:set>
+                                      <p:cBhvr>
+                                        <p:cTn id="6" dur="1" fill="hold">
+                                          <p:stCondLst>
+                                            <p:cond delay="0"/>
+                                          </p:stCondLst>
+                                        </p:cTn>
+                                        <p:tgtEl>
+                                          <p:spTgt spid="3">
+                                            <p:txEl>
+                                              <p:pRg st="3" end="3"/>
+                                            </p:txEl>
+                                          </p:spTgt>
+                                        </p:tgtEl>
+                                        <p:attrNameLst>
+                                          <p:attrName>style.visibility</p:attrName>
+                                        </p:attrNameLst>
+                                      </p:cBhvr>
+                                      <p:to>
+                                        <p:strVal val="visible"/>
+                                      </p:to>
+                                    </p:set>
+                                  </p:childTnLst>
+                                </p:cTn>
+                              </p:par>
+                            </p:childTnLst>
+                          </p:cTn>
+                        </p:par>
+                      </p:childTnLst>
+                    </p:cTn>
+                  </p:par>
+                  <p:par>
+                    <p:cTn id="7" fill="hold">
+                      <p:stCondLst>
+                        <p:cond delay="indefinite"/>
+                      </p:stCondLst>
+                      <p:childTnLst>
+                        <p:par>
+                          <p:cTn id="8" fill="hold">
+                            <p:stCondLst>
+                              <p:cond delay="0"/>
+                            </p:stCondLst>
+                            <p:childTnLst>
+                              <p:par>
+                                <p:cTn id="9" presetID="1" presetClass="entr" presetSubtype="0" fill="hold" nodeType="clickEffect">
+                                  <p:stCondLst>
+                                    <p:cond delay="0"/>
+                                  </p:stCondLst>
+                                  <p:childTnLst>
+                                    <p:set>
+                                      <p:cBhvr>
+                                        <p:cTn id="10" dur="1" fill="hold">
+                                          <p:stCondLst>
+                                            <p:cond delay="0"/>
+                                          </p:stCondLst>
+                                        </p:cTn>
+                                        <p:tgtEl>
+                                          <p:spTgt spid="3">
+                                            <p:txEl>
+                                              <p:pRg st="4" end="4"/>
+                                            </p:txEl>
+                                          </p:spTgt>
+                                        </p:tgtEl>
+                                        <p:attrNameLst>
+                                          <p:attrName>style.visibility</p:attrName>
+                                        </p:attrNameLst>
+                                      </p:cBhvr>
+                                      <p:to>
+                                        <p:strVal val="visible"/>
+                                      </p:to>
+                                    </p:set>
+                                  </p:childTnLst>
+                                </p:cTn>
+                              </p:par>
+                            </p:childTnLst>
+                          </p:cTn>
+                        </p:par>
+                      </p:childTnLst>
+                    </p:cTn>
+                  </p:par>
+                  <p:par>
+                    <p:cTn id="11" fill="hold">
+                      <p:stCondLst>
+                        <p:cond delay="indefinite"/>
+                      </p:stCondLst>
+                      <p:childTnLst>
+                        <p:par>
+                          <p:cTn id="12" fill="hold">
+                            <p:stCondLst>
+                              <p:cond delay="0"/>
+                            </p:stCondLst>
+                            <p:childTnLst>
+                              <p:par>
+                                <p:cTn id="13" presetID="1" presetClass="entr" presetSubtype="0" fill="hold" nodeType="clickEffect">
+                                  <p:stCondLst>
+                                    <p:cond delay="0"/>
+                                  </p:stCondLst>
+                                  <p:childTnLst>
+                                    <p:set>
+                                      <p:cBhvr>
+                                        <p:cTn id="14" dur="1" fill="hold">
+                                          <p:stCondLst>
+                                            <p:cond delay="0"/>
+                                          </p:stCondLst>
+                                        </p:cTn>
+                                        <p:tgtEl>
+                                          <p:spTgt spid="3">
+                                            <p:txEl>
+                                              <p:pRg st="5" end="5"/>
+                                            </p:txEl>
+                                          </p:spTgt>
+                                        </p:tgtEl>
+                                        <p:attrNameLst>
+                                          <p:attrName>style.visibility</p:attrName>
+                                        </p:attrNameLst>
+                                      </p:cBhvr>
+                                      <p:to>
+                                        <p:strVal val="visible"/>
+                                      </p:to>
+                                    </p:set>
+                                  </p:childTnLst>
+                                </p:cTn>
+                              </p:par>
+                            </p:childTnLst>
+                          </p:cTn>
+                        </p:par>
+                      </p:childTnLst>
+                    </p:cTn>
+                  </p:par>
+                  <p:par>
+                    <p:cTn id="15" fill="hold">
+                      <p:stCondLst>
+                        <p:cond delay="indefinite"/>
+                      </p:stCondLst>
+                      <p:childTnLst>
+                        <p:par>
+                          <p:cTn id="16" fill="hold">
+                            <p:stCondLst>
+                              <p:cond delay="0"/>
+                            </p:stCondLst>
+                            <p:childTnLst>
+                              <p:par>
+                                <p:cTn id="17" presetID="1" presetClass="entr" presetSubtype="0" fill="hold" nodeType="clickEffect">
+                                  <p:stCondLst>
+                                    <p:cond delay="0"/>
+                                  </p:stCondLst>
+                                  <p:childTnLst>
+                                    <p:set>
+                                      <p:cBhvr>
+                                        <p:cTn id="18" dur="1" fill="hold">
+                                          <p:stCondLst>
+                                            <p:cond delay="0"/>
+                                          </p:stCondLst>
+                                        </p:cTn>
+                                        <p:tgtEl>
+                                          <p:spTgt spid="3">
+                                            <p:txEl>
+                                              <p:pRg st="6" end="6"/>
+                                            </p:txEl>
+                                          </p:spTgt>
+                                        </p:tgtEl>
+                                        <p:attrNameLst>
+                                          <p:attrName>style.visibility</p:attrName>
+                                        </p:attrNameLst>
+                                      </p:cBhvr>
+                                      <p:to>
+                                        <p:strVal val="visible"/>
+                                      </p:to>
+                                    </p:set>
+                                  </p:childTnLst>
+                                </p:cTn>
+                              </p:par>
+                            </p:childTnLst>
+                          </p:cTn>
+                        </p:par>
+                      </p:childTnLst>
+                    </p:cTn>
+                  </p:par>
+                </p:childTnLst>
+              </p:cTn>
+              <p:prevCondLst>
+                <p:cond evt="onPrev" delay="0">
+                  <p:tgtEl>
+                    <p:sldTgt/>
+                  </p:tgtEl>
+                </p:cond>
+              </p:prevCondLst>
+              <p:nextCondLst>
+                <p:cond evt="onNext" delay="0">
+                  <p:tgtEl>
+                    <p:sldTgt/>
+                  </p:tgtEl>
+                </p:cond>
+              </p:nextCondLst>
+            </p:seq>
+          </p:childTnLst>
+        </p:cTn>
+      </p:par>
+    </p:tnLst>
+  </p:timing>
+</p:sld>
+</file>
+
+<file path=ppt/slides/slide14.xml><?xml version="1.0" encoding="utf-8"?>
+<p:sld xmlns:a="http://schemas.openxmlformats.org/drawingml/2006/main" xmlns:r="http://schemas.openxmlformats.org/officeDocument/2006/relationships" xmlns:p="http://schemas.openxmlformats.org/presentationml/2006/main">
+  <p:cSld>
+    <p:spTree>
+      <p:nvGrpSpPr>
+        <p:cNvPr id="1" name=""/>
+        <p:cNvGrpSpPr/>
+        <p:nvPr/>
+      </p:nvGrpSpPr>
+      <p:grpSpPr>
+        <a:xfrm>
+          <a:off x="0" y="0"/>
+          <a:ext cx="0" cy="0"/>
+          <a:chOff x="0" y="0"/>
+          <a:chExt cx="0" cy="0"/>
+        </a:xfrm>
+      </p:grpSpPr>
+      <p:sp>
+        <p:nvSpPr>
+          <p:cNvPr id="2" name="Title 1">
+            <a:extLst>
+              <a:ext uri="{FF2B5EF4-FFF2-40B4-BE49-F238E27FC236}">
+                <a16:creationId xmlns:a16="http://schemas.microsoft.com/office/drawing/2014/main" id="{99C5CF71-305E-462F-B772-493ECAACCFC6}"/>
+              </a:ext>
+            </a:extLst>
+          </p:cNvPr>
+          <p:cNvSpPr>
+            <a:spLocks noGrp="1"/>
+          </p:cNvSpPr>
+          <p:nvPr>
+            <p:ph type="title"/>
+          </p:nvPr>
+        </p:nvSpPr>
+        <p:spPr/>
+        <p:txBody>
+          <a:bodyPr/>
+          <a:lstStyle/>
+          <a:p>
+            <a:r>
+              <a:rPr lang="en-CH" dirty="0"/>
+              <a:t>Randomness Extraction - Example</a:t>
+            </a:r>
+            <a:endParaRPr lang="en-US" dirty="0"/>
+          </a:p>
+        </p:txBody>
+      </p:sp>
+      <mc:AlternateContent xmlns:mc="http://schemas.openxmlformats.org/markup-compatibility/2006">
+        <mc:Choice xmlns:a14="http://schemas.microsoft.com/office/drawing/2010/main" Requires="a14">
+          <p:sp>
+            <p:nvSpPr>
+              <p:cNvPr id="3" name="Content Placeholder 2">
+                <a:extLst>
+                  <a:ext uri="{FF2B5EF4-FFF2-40B4-BE49-F238E27FC236}">
+                    <a16:creationId xmlns:a16="http://schemas.microsoft.com/office/drawing/2014/main" id="{C14F97BF-269C-404F-99FA-A81F9B2FCFB4}"/>
+                  </a:ext>
+                </a:extLst>
+              </p:cNvPr>
+              <p:cNvSpPr>
+                <a:spLocks noGrp="1"/>
+              </p:cNvSpPr>
+              <p:nvPr>
+                <p:ph idx="1"/>
+              </p:nvPr>
+            </p:nvSpPr>
+            <p:spPr/>
+            <p:txBody>
+              <a:bodyPr/>
+              <a:lstStyle/>
+              <a:p>
+                <a:pPr marL="0" indent="0">
+                  <a:buNone/>
+                </a:pPr>
+                <a:r>
+                  <a:rPr lang="en-CH" b="0" dirty="0"/>
+                  <a:t>Seed </a:t>
+                </a:r>
+                <a14:m>
+                  <m:oMath xmlns:m="http://schemas.openxmlformats.org/officeDocument/2006/math">
+                    <m:r>
+                      <a:rPr lang="en-CH" b="0" i="1" smtClean="0">
+                        <a:latin typeface="Cambria Math" panose="02040503050406030204" pitchFamily="18" charset="0"/>
+                      </a:rPr>
+                      <m:t>𝑥</m:t>
+                    </m:r>
+                    <m:r>
+                      <a:rPr lang="en-CH" b="0" i="1" smtClean="0">
+                        <a:latin typeface="Cambria Math" panose="02040503050406030204" pitchFamily="18" charset="0"/>
+                      </a:rPr>
+                      <m:t>=121</m:t>
+                    </m:r>
+                  </m:oMath>
+                </a14:m>
+                <a:endParaRPr lang="en-CH" b="0" dirty="0"/>
+              </a:p>
+              <a:p>
+                <a:pPr marL="0" indent="0">
+                  <a:buNone/>
+                </a:pPr>
+                <a:endParaRPr lang="en-CH" dirty="0"/>
+              </a:p>
+              <a:p>
+                <a:pPr marL="0" indent="0">
+                  <a:buNone/>
+                </a:pPr>
+                <a14:m>
+                  <m:oMath xmlns:m="http://schemas.openxmlformats.org/officeDocument/2006/math">
+                    <m:r>
+                      <a:rPr lang="en-CH" b="0" i="1" smtClean="0">
+                        <a:latin typeface="Cambria Math" panose="02040503050406030204" pitchFamily="18" charset="0"/>
+                      </a:rPr>
+                      <m:t>𝑅𝑁𝐺</m:t>
+                    </m:r>
+                    <m:d>
+                      <m:dPr>
+                        <m:ctrlPr>
+                          <a:rPr lang="en-CH" b="0" i="1" smtClean="0">
+                            <a:latin typeface="Cambria Math" panose="02040503050406030204" pitchFamily="18" charset="0"/>
+                          </a:rPr>
+                        </m:ctrlPr>
+                      </m:dPr>
+                      <m:e>
+                        <m:r>
+                          <a:rPr lang="en-CH" b="0" i="1" smtClean="0">
+                            <a:latin typeface="Cambria Math" panose="02040503050406030204" pitchFamily="18" charset="0"/>
+                          </a:rPr>
+                          <m:t>𝑥</m:t>
+                        </m:r>
+                      </m:e>
+                    </m:d>
+                    <m:r>
+                      <a:rPr lang="en-CH" b="0" i="1" smtClean="0">
+                        <a:latin typeface="Cambria Math" panose="02040503050406030204" pitchFamily="18" charset="0"/>
+                      </a:rPr>
+                      <m:t>=</m:t>
+                    </m:r>
+                    <m:r>
+                      <a:rPr lang="en-CH" b="0" i="1" smtClean="0">
+                        <a:latin typeface="Cambria Math" panose="02040503050406030204" pitchFamily="18" charset="0"/>
+                      </a:rPr>
+                      <m:t>𝑀</m:t>
+                    </m:r>
+                    <m:d>
+                      <m:dPr>
+                        <m:ctrlPr>
+                          <a:rPr lang="en-CH" b="0" i="1" smtClean="0">
+                            <a:latin typeface="Cambria Math" panose="02040503050406030204" pitchFamily="18" charset="0"/>
+                          </a:rPr>
+                        </m:ctrlPr>
+                      </m:dPr>
+                      <m:e>
+                        <m:r>
+                          <a:rPr lang="en-CH" b="0" i="1" smtClean="0">
+                            <a:latin typeface="Cambria Math" panose="02040503050406030204" pitchFamily="18" charset="0"/>
+                          </a:rPr>
+                          <m:t>𝑥</m:t>
+                        </m:r>
+                        <m:r>
+                          <a:rPr lang="en-CH" b="0" i="1" smtClean="0">
+                            <a:latin typeface="Cambria Math" panose="02040503050406030204" pitchFamily="18" charset="0"/>
+                          </a:rPr>
+                          <m:t> ∗</m:t>
+                        </m:r>
+                        <m:r>
+                          <a:rPr lang="en-CH" b="0" i="1" smtClean="0">
+                            <a:latin typeface="Cambria Math" panose="02040503050406030204" pitchFamily="18" charset="0"/>
+                          </a:rPr>
+                          <m:t>𝑥</m:t>
+                        </m:r>
+                      </m:e>
+                    </m:d>
+                    <m:r>
+                      <a:rPr lang="en-CH" b="0" i="1" smtClean="0">
+                        <a:latin typeface="Cambria Math" panose="02040503050406030204" pitchFamily="18" charset="0"/>
+                      </a:rPr>
+                      <m:t>=</m:t>
+                    </m:r>
+                    <m:r>
+                      <a:rPr lang="en-CH" b="0" i="1" smtClean="0">
+                        <a:latin typeface="Cambria Math" panose="02040503050406030204" pitchFamily="18" charset="0"/>
+                      </a:rPr>
+                      <m:t>𝑀</m:t>
+                    </m:r>
+                    <m:d>
+                      <m:dPr>
+                        <m:ctrlPr>
+                          <a:rPr lang="en-CH" b="0" i="1" smtClean="0">
+                            <a:latin typeface="Cambria Math" panose="02040503050406030204" pitchFamily="18" charset="0"/>
+                          </a:rPr>
+                        </m:ctrlPr>
+                      </m:dPr>
+                      <m:e>
+                        <m:r>
+                          <a:rPr lang="en-CH" b="0" i="1" smtClean="0">
+                            <a:latin typeface="Cambria Math" panose="02040503050406030204" pitchFamily="18" charset="0"/>
+                          </a:rPr>
+                          <m:t>121 ∗121</m:t>
+                        </m:r>
+                      </m:e>
+                    </m:d>
+                    <m:r>
+                      <a:rPr lang="en-CH" b="0" i="1" smtClean="0">
+                        <a:latin typeface="Cambria Math" panose="02040503050406030204" pitchFamily="18" charset="0"/>
+                      </a:rPr>
+                      <m:t>=</m:t>
+                    </m:r>
+                    <m:r>
+                      <a:rPr lang="en-CH" b="0" i="1" smtClean="0">
+                        <a:latin typeface="Cambria Math" panose="02040503050406030204" pitchFamily="18" charset="0"/>
+                      </a:rPr>
+                      <m:t>𝑀</m:t>
+                    </m:r>
+                    <m:r>
+                      <a:rPr lang="en-CH" b="0" i="1" smtClean="0">
+                        <a:latin typeface="Cambria Math" panose="02040503050406030204" pitchFamily="18" charset="0"/>
+                      </a:rPr>
+                      <m:t>(</m:t>
+                    </m:r>
+                  </m:oMath>
+                </a14:m>
+                <a:r>
+                  <a:rPr lang="en-CH" dirty="0"/>
+                  <a:t>14641) = </a:t>
+                </a:r>
+                <a:r>
+                  <a:rPr lang="en-CH" dirty="0">
+                    <a:solidFill>
+                      <a:schemeClr val="bg1">
+                        <a:lumMod val="75000"/>
+                      </a:schemeClr>
+                    </a:solidFill>
+                  </a:rPr>
+                  <a:t>1</a:t>
+                </a:r>
+                <a:r>
+                  <a:rPr lang="en-CH" b="1" dirty="0"/>
+                  <a:t>464</a:t>
+                </a:r>
+                <a:r>
+                  <a:rPr lang="en-CH" dirty="0">
+                    <a:solidFill>
+                      <a:schemeClr val="bg1">
+                        <a:lumMod val="75000"/>
+                      </a:schemeClr>
+                    </a:solidFill>
+                  </a:rPr>
+                  <a:t>1</a:t>
+                </a:r>
+              </a:p>
+              <a:p>
+                <a:pPr marL="0" indent="0">
+                  <a:buNone/>
+                </a:pPr>
+                <a14:m>
+                  <m:oMathPara xmlns:m="http://schemas.openxmlformats.org/officeDocument/2006/math">
+                    <m:oMathParaPr>
+                      <m:jc m:val="left"/>
+                    </m:oMathParaPr>
+                    <m:oMath xmlns:m="http://schemas.openxmlformats.org/officeDocument/2006/math">
+                      <m:r>
+                        <a:rPr lang="en-CH" i="1">
+                          <a:latin typeface="Cambria Math" panose="02040503050406030204" pitchFamily="18" charset="0"/>
+                        </a:rPr>
+                        <m:t>𝑅𝑁𝐺</m:t>
+                      </m:r>
+                      <m:d>
+                        <m:dPr>
+                          <m:ctrlPr>
+                            <a:rPr lang="en-CH" i="1">
+                              <a:latin typeface="Cambria Math" panose="02040503050406030204" pitchFamily="18" charset="0"/>
+                            </a:rPr>
+                          </m:ctrlPr>
+                        </m:dPr>
+                        <m:e>
+                          <m:r>
+                            <a:rPr lang="en-CH" b="0" i="1" smtClean="0">
+                              <a:latin typeface="Cambria Math" panose="02040503050406030204" pitchFamily="18" charset="0"/>
+                            </a:rPr>
+                            <m:t>464</m:t>
+                          </m:r>
+                        </m:e>
+                      </m:d>
+                      <m:r>
+                        <a:rPr lang="en-CH" i="1">
+                          <a:latin typeface="Cambria Math" panose="02040503050406030204" pitchFamily="18" charset="0"/>
+                        </a:rPr>
+                        <m:t>=</m:t>
+                      </m:r>
+                      <m:r>
+                        <a:rPr lang="en-CH" b="0" i="1" smtClean="0">
+                          <a:latin typeface="Cambria Math" panose="02040503050406030204" pitchFamily="18" charset="0"/>
+                        </a:rPr>
+                        <m:t>𝑀</m:t>
+                      </m:r>
+                      <m:d>
+                        <m:dPr>
+                          <m:ctrlPr>
+                            <a:rPr lang="en-CH" b="0" i="1" smtClean="0">
+                              <a:latin typeface="Cambria Math" panose="02040503050406030204" pitchFamily="18" charset="0"/>
+                            </a:rPr>
+                          </m:ctrlPr>
+                        </m:dPr>
+                        <m:e>
+                          <m:r>
+                            <a:rPr lang="en-CH" b="0" i="1" smtClean="0">
+                              <a:latin typeface="Cambria Math" panose="02040503050406030204" pitchFamily="18" charset="0"/>
+                            </a:rPr>
+                            <m:t>215296</m:t>
+                          </m:r>
+                        </m:e>
+                      </m:d>
+                      <m:r>
+                        <a:rPr lang="en-CH" b="0" i="1" smtClean="0">
+                          <a:latin typeface="Cambria Math" panose="02040503050406030204" pitchFamily="18" charset="0"/>
+                        </a:rPr>
+                        <m:t>=529</m:t>
+                      </m:r>
+                    </m:oMath>
+                  </m:oMathPara>
+                </a14:m>
+                <a:endParaRPr lang="en-CH" dirty="0"/>
+              </a:p>
+              <a:p>
+                <a:pPr marL="0" indent="0">
+                  <a:buNone/>
+                </a:pPr>
+                <a14:m>
+                  <m:oMathPara xmlns:m="http://schemas.openxmlformats.org/officeDocument/2006/math">
+                    <m:oMathParaPr>
+                      <m:jc m:val="left"/>
+                    </m:oMathParaPr>
+                    <m:oMath xmlns:m="http://schemas.openxmlformats.org/officeDocument/2006/math">
+                      <m:r>
+                        <a:rPr lang="en-CH" i="1">
+                          <a:latin typeface="Cambria Math" panose="02040503050406030204" pitchFamily="18" charset="0"/>
+                        </a:rPr>
+                        <m:t>𝑅𝑁𝐺</m:t>
+                      </m:r>
+                      <m:d>
+                        <m:dPr>
+                          <m:ctrlPr>
+                            <a:rPr lang="en-CH" i="1">
+                              <a:latin typeface="Cambria Math" panose="02040503050406030204" pitchFamily="18" charset="0"/>
+                            </a:rPr>
+                          </m:ctrlPr>
+                        </m:dPr>
+                        <m:e>
+                          <m:r>
+                            <a:rPr lang="en-CH" b="0" i="1" smtClean="0">
+                              <a:latin typeface="Cambria Math" panose="02040503050406030204" pitchFamily="18" charset="0"/>
+                            </a:rPr>
+                            <m:t>529</m:t>
+                          </m:r>
+                        </m:e>
+                      </m:d>
+                      <m:r>
+                        <a:rPr lang="en-CH" i="1">
+                          <a:latin typeface="Cambria Math" panose="02040503050406030204" pitchFamily="18" charset="0"/>
+                        </a:rPr>
+                        <m:t>=</m:t>
+                      </m:r>
+                      <m:r>
+                        <a:rPr lang="en-CH" i="1">
+                          <a:latin typeface="Cambria Math" panose="02040503050406030204" pitchFamily="18" charset="0"/>
+                        </a:rPr>
+                        <m:t>𝑀</m:t>
+                      </m:r>
+                      <m:d>
+                        <m:dPr>
+                          <m:ctrlPr>
+                            <a:rPr lang="en-CH" i="1">
+                              <a:latin typeface="Cambria Math" panose="02040503050406030204" pitchFamily="18" charset="0"/>
+                            </a:rPr>
+                          </m:ctrlPr>
+                        </m:dPr>
+                        <m:e>
+                          <m:r>
+                            <a:rPr lang="en-CH" b="0" i="1" smtClean="0">
+                              <a:latin typeface="Cambria Math" panose="02040503050406030204" pitchFamily="18" charset="0"/>
+                            </a:rPr>
+                            <m:t>279841</m:t>
+                          </m:r>
+                        </m:e>
+                      </m:d>
+                      <m:r>
+                        <a:rPr lang="en-CH" i="1">
+                          <a:latin typeface="Cambria Math" panose="02040503050406030204" pitchFamily="18" charset="0"/>
+                        </a:rPr>
+                        <m:t>=</m:t>
+                      </m:r>
+                      <m:r>
+                        <a:rPr lang="en-CH" b="0" i="1" smtClean="0">
+                          <a:latin typeface="Cambria Math" panose="02040503050406030204" pitchFamily="18" charset="0"/>
+                        </a:rPr>
+                        <m:t>984</m:t>
+                      </m:r>
+                    </m:oMath>
+                  </m:oMathPara>
+                </a14:m>
+                <a:endParaRPr lang="en-CH" dirty="0"/>
+              </a:p>
+              <a:p>
+                <a:pPr marL="0" indent="0">
+                  <a:buNone/>
+                </a:pPr>
+                <a:endParaRPr lang="en-CH" dirty="0"/>
+              </a:p>
+              <a:p>
+                <a:pPr marL="0" indent="0">
+                  <a:buNone/>
+                </a:pPr>
+                <a:endParaRPr lang="en-CH" dirty="0"/>
+              </a:p>
+              <a:p>
+                <a:pPr marL="0" indent="0">
+                  <a:buNone/>
+                </a:pPr>
+                <a:r>
+                  <a:rPr lang="en-CH" dirty="0"/>
+                  <a:t>Resulting sequence: 464529984</a:t>
+                </a:r>
+              </a:p>
+            </p:txBody>
+          </p:sp>
+        </mc:Choice>
+        <mc:Fallback>
+          <p:sp>
+            <p:nvSpPr>
+              <p:cNvPr id="3" name="Content Placeholder 2">
+                <a:extLst>
+                  <a:ext uri="{FF2B5EF4-FFF2-40B4-BE49-F238E27FC236}">
+                    <a16:creationId xmlns:a16="http://schemas.microsoft.com/office/drawing/2014/main" id="{C14F97BF-269C-404F-99FA-A81F9B2FCFB4}"/>
+                  </a:ext>
+                </a:extLst>
+              </p:cNvPr>
+              <p:cNvSpPr>
+                <a:spLocks noGrp="1" noRot="1" noChangeAspect="1" noMove="1" noResize="1" noEditPoints="1" noAdjustHandles="1" noChangeArrowheads="1" noChangeShapeType="1" noTextEdit="1"/>
+              </p:cNvSpPr>
+              <p:nvPr>
+                <p:ph idx="1"/>
+              </p:nvPr>
+            </p:nvSpPr>
+            <p:spPr>
+              <a:blipFill>
+                <a:blip r:embed="rId2"/>
+                <a:stretch>
+                  <a:fillRect l="-1217" t="-1821"/>
+                </a:stretch>
+              </a:blipFill>
+            </p:spPr>
+            <p:txBody>
+              <a:bodyPr/>
+              <a:lstStyle/>
+              <a:p>
+                <a:r>
+                  <a:rPr lang="en-US">
+                    <a:noFill/>
+                  </a:rPr>
+                  <a:t> </a:t>
+                </a:r>
+              </a:p>
+            </p:txBody>
+          </p:sp>
+        </mc:Fallback>
+      </mc:AlternateContent>
+      <p:sp>
+        <p:nvSpPr>
+          <p:cNvPr id="4" name="Rectangle 3">
+            <a:extLst>
+              <a:ext uri="{FF2B5EF4-FFF2-40B4-BE49-F238E27FC236}">
+                <a16:creationId xmlns:a16="http://schemas.microsoft.com/office/drawing/2014/main" id="{4315E694-5444-42FB-9084-95A34B53CCC2}"/>
+              </a:ext>
+            </a:extLst>
+          </p:cNvPr>
+          <p:cNvSpPr/>
+          <p:nvPr/>
+        </p:nvSpPr>
+        <p:spPr>
+          <a:xfrm>
+            <a:off x="4117751" y="2654710"/>
+            <a:ext cx="2601614" cy="696124"/>
+          </a:xfrm>
+          <a:prstGeom prst="rect">
+            <a:avLst/>
+          </a:prstGeom>
+          <a:solidFill>
+            <a:schemeClr val="bg1"/>
+          </a:solidFill>
+          <a:ln>
+            <a:solidFill>
+              <a:schemeClr val="bg1"/>
+            </a:solidFill>
+          </a:ln>
+        </p:spPr>
+        <p:style>
+          <a:lnRef idx="2">
+            <a:schemeClr val="accent1">
+              <a:shade val="50000"/>
+            </a:schemeClr>
+          </a:lnRef>
+          <a:fillRef idx="1">
+            <a:schemeClr val="accent1"/>
+          </a:fillRef>
+          <a:effectRef idx="0">
+            <a:schemeClr val="accent1"/>
+          </a:effectRef>
+          <a:fontRef idx="minor">
+            <a:schemeClr val="lt1"/>
+          </a:fontRef>
+        </p:style>
+        <p:txBody>
+          <a:bodyPr rtlCol="0" anchor="ctr"/>
+          <a:lstStyle/>
+          <a:p>
+            <a:pPr algn="ctr"/>
+            <a:endParaRPr lang="en-US"/>
+          </a:p>
+        </p:txBody>
+      </p:sp>
+      <p:sp>
+        <p:nvSpPr>
+          <p:cNvPr id="5" name="Rectangle 4">
+            <a:extLst>
+              <a:ext uri="{FF2B5EF4-FFF2-40B4-BE49-F238E27FC236}">
+                <a16:creationId xmlns:a16="http://schemas.microsoft.com/office/drawing/2014/main" id="{BC112BF1-D665-4656-BF76-413EB0357379}"/>
+              </a:ext>
+            </a:extLst>
+          </p:cNvPr>
+          <p:cNvSpPr/>
+          <p:nvPr/>
+        </p:nvSpPr>
+        <p:spPr>
+          <a:xfrm>
+            <a:off x="6784259" y="2654710"/>
+            <a:ext cx="1864196" cy="696124"/>
+          </a:xfrm>
+          <a:prstGeom prst="rect">
+            <a:avLst/>
+          </a:prstGeom>
+          <a:solidFill>
+            <a:schemeClr val="bg1"/>
+          </a:solidFill>
+          <a:ln>
+            <a:solidFill>
+              <a:schemeClr val="bg1"/>
+            </a:solidFill>
+          </a:ln>
+        </p:spPr>
+        <p:style>
+          <a:lnRef idx="2">
+            <a:schemeClr val="accent1">
+              <a:shade val="50000"/>
+            </a:schemeClr>
+          </a:lnRef>
+          <a:fillRef idx="1">
+            <a:schemeClr val="accent1"/>
+          </a:fillRef>
+          <a:effectRef idx="0">
+            <a:schemeClr val="accent1"/>
+          </a:effectRef>
+          <a:fontRef idx="minor">
+            <a:schemeClr val="lt1"/>
+          </a:fontRef>
+        </p:style>
+        <p:txBody>
+          <a:bodyPr rtlCol="0" anchor="ctr"/>
+          <a:lstStyle/>
+          <a:p>
+            <a:pPr algn="ctr"/>
+            <a:endParaRPr lang="en-US"/>
+          </a:p>
+        </p:txBody>
+      </p:sp>
+      <p:sp>
+        <p:nvSpPr>
+          <p:cNvPr id="6" name="Rectangle 5">
+            <a:extLst>
+              <a:ext uri="{FF2B5EF4-FFF2-40B4-BE49-F238E27FC236}">
+                <a16:creationId xmlns:a16="http://schemas.microsoft.com/office/drawing/2014/main" id="{831C1C13-C43B-441F-AFDA-2C36E714FC8F}"/>
+              </a:ext>
+            </a:extLst>
+          </p:cNvPr>
+          <p:cNvSpPr/>
+          <p:nvPr/>
+        </p:nvSpPr>
+        <p:spPr>
+          <a:xfrm>
+            <a:off x="8648455" y="2654710"/>
+            <a:ext cx="2323362" cy="696124"/>
+          </a:xfrm>
+          <a:prstGeom prst="rect">
+            <a:avLst/>
+          </a:prstGeom>
+          <a:solidFill>
+            <a:schemeClr val="bg1"/>
+          </a:solidFill>
+          <a:ln>
+            <a:solidFill>
+              <a:schemeClr val="bg1"/>
+            </a:solidFill>
+          </a:ln>
+        </p:spPr>
+        <p:style>
+          <a:lnRef idx="2">
+            <a:schemeClr val="accent1">
+              <a:shade val="50000"/>
+            </a:schemeClr>
+          </a:lnRef>
+          <a:fillRef idx="1">
+            <a:schemeClr val="accent1"/>
+          </a:fillRef>
+          <a:effectRef idx="0">
+            <a:schemeClr val="accent1"/>
+          </a:effectRef>
+          <a:fontRef idx="minor">
+            <a:schemeClr val="lt1"/>
+          </a:fontRef>
+        </p:style>
+        <p:txBody>
+          <a:bodyPr rtlCol="0" anchor="ctr"/>
+          <a:lstStyle/>
+          <a:p>
+            <a:pPr algn="ctr"/>
+            <a:endParaRPr lang="en-US"/>
+          </a:p>
+        </p:txBody>
+      </p:sp>
+      <p:sp>
+        <p:nvSpPr>
+          <p:cNvPr id="7" name="Rectangle 6">
+            <a:extLst>
+              <a:ext uri="{FF2B5EF4-FFF2-40B4-BE49-F238E27FC236}">
+                <a16:creationId xmlns:a16="http://schemas.microsoft.com/office/drawing/2014/main" id="{4143792E-94F1-4B59-870A-34D9FB29B03A}"/>
+              </a:ext>
+            </a:extLst>
+          </p:cNvPr>
+          <p:cNvSpPr/>
+          <p:nvPr/>
+        </p:nvSpPr>
+        <p:spPr>
+          <a:xfrm>
+            <a:off x="900635" y="3274142"/>
+            <a:ext cx="5022317" cy="471948"/>
+          </a:xfrm>
+          <a:prstGeom prst="rect">
+            <a:avLst/>
+          </a:prstGeom>
+          <a:solidFill>
+            <a:schemeClr val="bg1"/>
+          </a:solidFill>
+          <a:ln>
+            <a:solidFill>
+              <a:schemeClr val="bg1"/>
+            </a:solidFill>
+          </a:ln>
+        </p:spPr>
+        <p:style>
+          <a:lnRef idx="2">
+            <a:schemeClr val="accent1">
+              <a:shade val="50000"/>
+            </a:schemeClr>
+          </a:lnRef>
+          <a:fillRef idx="1">
+            <a:schemeClr val="accent1"/>
+          </a:fillRef>
+          <a:effectRef idx="0">
+            <a:schemeClr val="accent1"/>
+          </a:effectRef>
+          <a:fontRef idx="minor">
+            <a:schemeClr val="lt1"/>
+          </a:fontRef>
+        </p:style>
+        <p:txBody>
+          <a:bodyPr rtlCol="0" anchor="ctr"/>
+          <a:lstStyle/>
+          <a:p>
+            <a:pPr algn="ctr"/>
+            <a:endParaRPr lang="en-US"/>
+          </a:p>
+        </p:txBody>
+      </p:sp>
+      <p:sp>
+        <p:nvSpPr>
+          <p:cNvPr id="8" name="Rectangle 7">
+            <a:extLst>
+              <a:ext uri="{FF2B5EF4-FFF2-40B4-BE49-F238E27FC236}">
+                <a16:creationId xmlns:a16="http://schemas.microsoft.com/office/drawing/2014/main" id="{DB8882CA-E89E-44A1-8D5E-A5B098981103}"/>
+              </a:ext>
+            </a:extLst>
+          </p:cNvPr>
+          <p:cNvSpPr/>
+          <p:nvPr/>
+        </p:nvSpPr>
+        <p:spPr>
+          <a:xfrm>
+            <a:off x="900634" y="3645053"/>
+            <a:ext cx="5022317" cy="471948"/>
+          </a:xfrm>
+          <a:prstGeom prst="rect">
+            <a:avLst/>
+          </a:prstGeom>
+          <a:solidFill>
+            <a:schemeClr val="bg1"/>
+          </a:solidFill>
+          <a:ln>
+            <a:solidFill>
+              <a:schemeClr val="bg1"/>
+            </a:solidFill>
+          </a:ln>
+        </p:spPr>
+        <p:style>
+          <a:lnRef idx="2">
+            <a:schemeClr val="accent1">
+              <a:shade val="50000"/>
+            </a:schemeClr>
+          </a:lnRef>
+          <a:fillRef idx="1">
+            <a:schemeClr val="accent1"/>
+          </a:fillRef>
+          <a:effectRef idx="0">
+            <a:schemeClr val="accent1"/>
+          </a:effectRef>
+          <a:fontRef idx="minor">
+            <a:schemeClr val="lt1"/>
+          </a:fontRef>
+        </p:style>
+        <p:txBody>
+          <a:bodyPr rtlCol="0" anchor="ctr"/>
+          <a:lstStyle/>
+          <a:p>
+            <a:pPr algn="ctr"/>
+            <a:endParaRPr lang="en-US"/>
+          </a:p>
+        </p:txBody>
+      </p:sp>
+      <p:sp>
+        <p:nvSpPr>
+          <p:cNvPr id="9" name="Rectangle 8">
+            <a:extLst>
+              <a:ext uri="{FF2B5EF4-FFF2-40B4-BE49-F238E27FC236}">
+                <a16:creationId xmlns:a16="http://schemas.microsoft.com/office/drawing/2014/main" id="{9862A67B-3F0F-4A38-B165-49EBEA95AB04}"/>
+              </a:ext>
+            </a:extLst>
+          </p:cNvPr>
+          <p:cNvSpPr/>
+          <p:nvPr/>
+        </p:nvSpPr>
+        <p:spPr>
+          <a:xfrm>
+            <a:off x="3940768" y="4990855"/>
+            <a:ext cx="560439" cy="654828"/>
+          </a:xfrm>
+          <a:prstGeom prst="rect">
+            <a:avLst/>
+          </a:prstGeom>
+          <a:solidFill>
+            <a:schemeClr val="bg1"/>
+          </a:solidFill>
+          <a:ln>
+            <a:solidFill>
+              <a:schemeClr val="bg1"/>
+            </a:solidFill>
+          </a:ln>
+        </p:spPr>
+        <p:style>
+          <a:lnRef idx="2">
+            <a:schemeClr val="accent1">
+              <a:shade val="50000"/>
+            </a:schemeClr>
+          </a:lnRef>
+          <a:fillRef idx="1">
+            <a:schemeClr val="accent1"/>
+          </a:fillRef>
+          <a:effectRef idx="0">
+            <a:schemeClr val="accent1"/>
+          </a:effectRef>
+          <a:fontRef idx="minor">
+            <a:schemeClr val="lt1"/>
+          </a:fontRef>
+        </p:style>
+        <p:txBody>
+          <a:bodyPr rtlCol="0" anchor="ctr"/>
+          <a:lstStyle/>
+          <a:p>
+            <a:pPr algn="ctr"/>
+            <a:endParaRPr lang="en-US"/>
+          </a:p>
+        </p:txBody>
+      </p:sp>
+      <p:sp>
+        <p:nvSpPr>
+          <p:cNvPr id="10" name="Rectangle 9">
+            <a:extLst>
+              <a:ext uri="{FF2B5EF4-FFF2-40B4-BE49-F238E27FC236}">
+                <a16:creationId xmlns:a16="http://schemas.microsoft.com/office/drawing/2014/main" id="{A46EC238-3652-422D-85BD-E7C32F71D756}"/>
+              </a:ext>
+            </a:extLst>
+          </p:cNvPr>
+          <p:cNvSpPr/>
+          <p:nvPr/>
+        </p:nvSpPr>
+        <p:spPr>
+          <a:xfrm>
+            <a:off x="4501207" y="4990855"/>
+            <a:ext cx="507345" cy="654828"/>
+          </a:xfrm>
+          <a:prstGeom prst="rect">
+            <a:avLst/>
+          </a:prstGeom>
+          <a:solidFill>
+            <a:schemeClr val="bg1"/>
+          </a:solidFill>
+          <a:ln>
+            <a:solidFill>
+              <a:schemeClr val="bg1"/>
+            </a:solidFill>
+          </a:ln>
+        </p:spPr>
+        <p:style>
+          <a:lnRef idx="2">
+            <a:schemeClr val="accent1">
+              <a:shade val="50000"/>
+            </a:schemeClr>
+          </a:lnRef>
+          <a:fillRef idx="1">
+            <a:schemeClr val="accent1"/>
+          </a:fillRef>
+          <a:effectRef idx="0">
+            <a:schemeClr val="accent1"/>
+          </a:effectRef>
+          <a:fontRef idx="minor">
+            <a:schemeClr val="lt1"/>
+          </a:fontRef>
+        </p:style>
+        <p:txBody>
+          <a:bodyPr rtlCol="0" anchor="ctr"/>
+          <a:lstStyle/>
+          <a:p>
+            <a:pPr algn="ctr"/>
+            <a:endParaRPr lang="en-US"/>
+          </a:p>
+        </p:txBody>
+      </p:sp>
+      <p:sp>
+        <p:nvSpPr>
+          <p:cNvPr id="11" name="Rectangle 10">
+            <a:extLst>
+              <a:ext uri="{FF2B5EF4-FFF2-40B4-BE49-F238E27FC236}">
+                <a16:creationId xmlns:a16="http://schemas.microsoft.com/office/drawing/2014/main" id="{06285E49-D5C9-4091-9A99-EF06A410D134}"/>
+              </a:ext>
+            </a:extLst>
+          </p:cNvPr>
+          <p:cNvSpPr/>
+          <p:nvPr/>
+        </p:nvSpPr>
+        <p:spPr>
+          <a:xfrm>
+            <a:off x="5008552" y="4990855"/>
+            <a:ext cx="560439" cy="654828"/>
+          </a:xfrm>
+          <a:prstGeom prst="rect">
+            <a:avLst/>
+          </a:prstGeom>
+          <a:solidFill>
+            <a:schemeClr val="bg1"/>
+          </a:solidFill>
+          <a:ln>
+            <a:solidFill>
+              <a:schemeClr val="bg1"/>
+            </a:solidFill>
+          </a:ln>
+        </p:spPr>
+        <p:style>
+          <a:lnRef idx="2">
+            <a:schemeClr val="accent1">
+              <a:shade val="50000"/>
+            </a:schemeClr>
+          </a:lnRef>
+          <a:fillRef idx="1">
+            <a:schemeClr val="accent1"/>
+          </a:fillRef>
+          <a:effectRef idx="0">
+            <a:schemeClr val="accent1"/>
+          </a:effectRef>
+          <a:fontRef idx="minor">
+            <a:schemeClr val="lt1"/>
+          </a:fontRef>
+        </p:style>
+        <p:txBody>
+          <a:bodyPr rtlCol="0" anchor="ctr"/>
+          <a:lstStyle/>
+          <a:p>
+            <a:pPr algn="ctr"/>
+            <a:endParaRPr lang="en-US"/>
+          </a:p>
+        </p:txBody>
+      </p:sp>
+    </p:spTree>
+    <p:extLst>
+      <p:ext uri="{BB962C8B-B14F-4D97-AF65-F5344CB8AC3E}">
+        <p14:creationId xmlns:p14="http://schemas.microsoft.com/office/powerpoint/2010/main" val="3974161104"/>
+      </p:ext>
+    </p:extLst>
+  </p:cSld>
+  <p:clrMapOvr>
+    <a:masterClrMapping/>
+  </p:clrMapOvr>
+  <p:timing>
+    <p:tnLst>
+      <p:par>
+        <p:cTn id="1" dur="indefinite" restart="never" nodeType="tmRoot">
+          <p:childTnLst>
+            <p:seq concurrent="1" nextAc="seek">
+              <p:cTn id="2" dur="indefinite" nodeType="mainSeq">
+                <p:childTnLst>
+                  <p:par>
+                    <p:cTn id="3" fill="hold">
+                      <p:stCondLst>
+                        <p:cond delay="indefinite"/>
+                      </p:stCondLst>
+                      <p:childTnLst>
+                        <p:par>
+                          <p:cTn id="4" fill="hold">
+                            <p:stCondLst>
+                              <p:cond delay="0"/>
+                            </p:stCondLst>
+                            <p:childTnLst>
+                              <p:par>
+                                <p:cTn id="5" presetID="1" presetClass="exit" presetSubtype="0" fill="hold" grpId="0" nodeType="clickEffect">
+                                  <p:stCondLst>
+                                    <p:cond delay="0"/>
+                                  </p:stCondLst>
+                                  <p:childTnLst>
+                                    <p:set>
+                                      <p:cBhvr>
+                                        <p:cTn id="6" dur="1" fill="hold">
+                                          <p:stCondLst>
+                                            <p:cond delay="0"/>
+                                          </p:stCondLst>
+                                        </p:cTn>
+                                        <p:tgtEl>
+                                          <p:spTgt spid="4"/>
+                                        </p:tgtEl>
+                                        <p:attrNameLst>
+                                          <p:attrName>style.visibility</p:attrName>
+                                        </p:attrNameLst>
+                                      </p:cBhvr>
+                                      <p:to>
+                                        <p:strVal val="hidden"/>
+                                      </p:to>
+                                    </p:set>
+                                  </p:childTnLst>
+                                </p:cTn>
+                              </p:par>
+                            </p:childTnLst>
+                          </p:cTn>
+                        </p:par>
+                      </p:childTnLst>
+                    </p:cTn>
+                  </p:par>
+                  <p:par>
+                    <p:cTn id="7" fill="hold">
+                      <p:stCondLst>
+                        <p:cond delay="indefinite"/>
+                      </p:stCondLst>
+                      <p:childTnLst>
+                        <p:par>
+                          <p:cTn id="8" fill="hold">
+                            <p:stCondLst>
+                              <p:cond delay="0"/>
+                            </p:stCondLst>
+                            <p:childTnLst>
+                              <p:par>
+                                <p:cTn id="9" presetID="1" presetClass="exit" presetSubtype="0" fill="hold" grpId="0" nodeType="clickEffect">
+                                  <p:stCondLst>
+                                    <p:cond delay="0"/>
+                                  </p:stCondLst>
+                                  <p:childTnLst>
+                                    <p:set>
+                                      <p:cBhvr>
+                                        <p:cTn id="10" dur="1" fill="hold">
+                                          <p:stCondLst>
+                                            <p:cond delay="0"/>
+                                          </p:stCondLst>
+                                        </p:cTn>
+                                        <p:tgtEl>
+                                          <p:spTgt spid="5"/>
+                                        </p:tgtEl>
+                                        <p:attrNameLst>
+                                          <p:attrName>style.visibility</p:attrName>
+                                        </p:attrNameLst>
+                                      </p:cBhvr>
+                                      <p:to>
+                                        <p:strVal val="hidden"/>
+                                      </p:to>
+                                    </p:set>
+                                  </p:childTnLst>
+                                </p:cTn>
+                              </p:par>
+                            </p:childTnLst>
+                          </p:cTn>
+                        </p:par>
+                      </p:childTnLst>
+                    </p:cTn>
+                  </p:par>
+                  <p:par>
+                    <p:cTn id="11" fill="hold">
+                      <p:stCondLst>
+                        <p:cond delay="indefinite"/>
+                      </p:stCondLst>
+                      <p:childTnLst>
+                        <p:par>
+                          <p:cTn id="12" fill="hold">
+                            <p:stCondLst>
+                              <p:cond delay="0"/>
+                            </p:stCondLst>
+                            <p:childTnLst>
+                              <p:par>
+                                <p:cTn id="13" presetID="1" presetClass="exit" presetSubtype="0" fill="hold" grpId="0" nodeType="clickEffect">
+                                  <p:stCondLst>
+                                    <p:cond delay="0"/>
+                                  </p:stCondLst>
+                                  <p:childTnLst>
+                                    <p:set>
+                                      <p:cBhvr>
+                                        <p:cTn id="14" dur="1" fill="hold">
+                                          <p:stCondLst>
+                                            <p:cond delay="0"/>
+                                          </p:stCondLst>
+                                        </p:cTn>
+                                        <p:tgtEl>
+                                          <p:spTgt spid="6"/>
+                                        </p:tgtEl>
+                                        <p:attrNameLst>
+                                          <p:attrName>style.visibility</p:attrName>
+                                        </p:attrNameLst>
+                                      </p:cBhvr>
+                                      <p:to>
+                                        <p:strVal val="hidden"/>
+                                      </p:to>
+                                    </p:set>
+                                  </p:childTnLst>
+                                </p:cTn>
+                              </p:par>
+                            </p:childTnLst>
+                          </p:cTn>
+                        </p:par>
+                      </p:childTnLst>
+                    </p:cTn>
+                  </p:par>
+                  <p:par>
+                    <p:cTn id="15" fill="hold">
+                      <p:stCondLst>
+                        <p:cond delay="indefinite"/>
+                      </p:stCondLst>
+                      <p:childTnLst>
+                        <p:par>
+                          <p:cTn id="16" fill="hold">
+                            <p:stCondLst>
+                              <p:cond delay="0"/>
+                            </p:stCondLst>
+                            <p:childTnLst>
+                              <p:par>
+                                <p:cTn id="17" presetID="1" presetClass="exit" presetSubtype="0" fill="hold" grpId="0" nodeType="clickEffect">
+                                  <p:stCondLst>
+                                    <p:cond delay="0"/>
+                                  </p:stCondLst>
+                                  <p:childTnLst>
+                                    <p:set>
+                                      <p:cBhvr>
+                                        <p:cTn id="18" dur="1" fill="hold">
+                                          <p:stCondLst>
+                                            <p:cond delay="0"/>
+                                          </p:stCondLst>
+                                        </p:cTn>
+                                        <p:tgtEl>
+                                          <p:spTgt spid="9"/>
+                                        </p:tgtEl>
+                                        <p:attrNameLst>
+                                          <p:attrName>style.visibility</p:attrName>
+                                        </p:attrNameLst>
+                                      </p:cBhvr>
+                                      <p:to>
+                                        <p:strVal val="hidden"/>
+                                      </p:to>
+                                    </p:set>
+                                  </p:childTnLst>
+                                </p:cTn>
+                              </p:par>
+                            </p:childTnLst>
+                          </p:cTn>
+                        </p:par>
+                      </p:childTnLst>
+                    </p:cTn>
+                  </p:par>
+                  <p:par>
+                    <p:cTn id="19" fill="hold">
+                      <p:stCondLst>
+                        <p:cond delay="indefinite"/>
+                      </p:stCondLst>
+                      <p:childTnLst>
+                        <p:par>
+                          <p:cTn id="20" fill="hold">
+                            <p:stCondLst>
+                              <p:cond delay="0"/>
+                            </p:stCondLst>
+                            <p:childTnLst>
+                              <p:par>
+                                <p:cTn id="21" presetID="1" presetClass="exit" presetSubtype="0" fill="hold" grpId="0" nodeType="clickEffect">
+                                  <p:stCondLst>
+                                    <p:cond delay="0"/>
+                                  </p:stCondLst>
+                                  <p:childTnLst>
+                                    <p:set>
+                                      <p:cBhvr>
+                                        <p:cTn id="22" dur="1" fill="hold">
+                                          <p:stCondLst>
+                                            <p:cond delay="0"/>
+                                          </p:stCondLst>
+                                        </p:cTn>
+                                        <p:tgtEl>
+                                          <p:spTgt spid="7"/>
+                                        </p:tgtEl>
+                                        <p:attrNameLst>
+                                          <p:attrName>style.visibility</p:attrName>
+                                        </p:attrNameLst>
+                                      </p:cBhvr>
+                                      <p:to>
+                                        <p:strVal val="hidden"/>
+                                      </p:to>
+                                    </p:set>
+                                  </p:childTnLst>
+                                </p:cTn>
+                              </p:par>
+                            </p:childTnLst>
+                          </p:cTn>
+                        </p:par>
+                      </p:childTnLst>
+                    </p:cTn>
+                  </p:par>
+                  <p:par>
+                    <p:cTn id="23" fill="hold">
+                      <p:stCondLst>
+                        <p:cond delay="indefinite"/>
+                      </p:stCondLst>
+                      <p:childTnLst>
+                        <p:par>
+                          <p:cTn id="24" fill="hold">
+                            <p:stCondLst>
+                              <p:cond delay="0"/>
+                            </p:stCondLst>
+                            <p:childTnLst>
+                              <p:par>
+                                <p:cTn id="25" presetID="1" presetClass="exit" presetSubtype="0" fill="hold" grpId="0" nodeType="clickEffect">
+                                  <p:stCondLst>
+                                    <p:cond delay="0"/>
+                                  </p:stCondLst>
+                                  <p:childTnLst>
+                                    <p:set>
+                                      <p:cBhvr>
+                                        <p:cTn id="26" dur="1" fill="hold">
+                                          <p:stCondLst>
+                                            <p:cond delay="0"/>
+                                          </p:stCondLst>
+                                        </p:cTn>
+                                        <p:tgtEl>
+                                          <p:spTgt spid="10"/>
+                                        </p:tgtEl>
+                                        <p:attrNameLst>
+                                          <p:attrName>style.visibility</p:attrName>
+                                        </p:attrNameLst>
+                                      </p:cBhvr>
+                                      <p:to>
+                                        <p:strVal val="hidden"/>
+                                      </p:to>
+                                    </p:set>
+                                  </p:childTnLst>
+                                </p:cTn>
+                              </p:par>
+                            </p:childTnLst>
+                          </p:cTn>
+                        </p:par>
+                      </p:childTnLst>
+                    </p:cTn>
+                  </p:par>
+                  <p:par>
+                    <p:cTn id="27" fill="hold">
+                      <p:stCondLst>
+                        <p:cond delay="indefinite"/>
+                      </p:stCondLst>
+                      <p:childTnLst>
+                        <p:par>
+                          <p:cTn id="28" fill="hold">
+                            <p:stCondLst>
+                              <p:cond delay="0"/>
+                            </p:stCondLst>
+                            <p:childTnLst>
+                              <p:par>
+                                <p:cTn id="29" presetID="1" presetClass="exit" presetSubtype="0" fill="hold" grpId="0" nodeType="clickEffect">
+                                  <p:stCondLst>
+                                    <p:cond delay="0"/>
+                                  </p:stCondLst>
+                                  <p:childTnLst>
+                                    <p:set>
+                                      <p:cBhvr>
+                                        <p:cTn id="30" dur="1" fill="hold">
+                                          <p:stCondLst>
+                                            <p:cond delay="0"/>
+                                          </p:stCondLst>
+                                        </p:cTn>
+                                        <p:tgtEl>
+                                          <p:spTgt spid="8"/>
+                                        </p:tgtEl>
+                                        <p:attrNameLst>
+                                          <p:attrName>style.visibility</p:attrName>
+                                        </p:attrNameLst>
+                                      </p:cBhvr>
+                                      <p:to>
+                                        <p:strVal val="hidden"/>
+                                      </p:to>
+                                    </p:set>
+                                  </p:childTnLst>
+                                </p:cTn>
+                              </p:par>
+                            </p:childTnLst>
+                          </p:cTn>
+                        </p:par>
+                      </p:childTnLst>
+                    </p:cTn>
+                  </p:par>
+                  <p:par>
+                    <p:cTn id="31" fill="hold">
+                      <p:stCondLst>
+                        <p:cond delay="indefinite"/>
+                      </p:stCondLst>
+                      <p:childTnLst>
+                        <p:par>
+                          <p:cTn id="32" fill="hold">
+                            <p:stCondLst>
+                              <p:cond delay="0"/>
+                            </p:stCondLst>
+                            <p:childTnLst>
+                              <p:par>
+                                <p:cTn id="33" presetID="1" presetClass="exit" presetSubtype="0" fill="hold" grpId="0" nodeType="clickEffect">
+                                  <p:stCondLst>
+                                    <p:cond delay="0"/>
+                                  </p:stCondLst>
+                                  <p:childTnLst>
+                                    <p:set>
+                                      <p:cBhvr>
+                                        <p:cTn id="34" dur="1" fill="hold">
+                                          <p:stCondLst>
+                                            <p:cond delay="0"/>
+                                          </p:stCondLst>
+                                        </p:cTn>
+                                        <p:tgtEl>
+                                          <p:spTgt spid="11"/>
+                                        </p:tgtEl>
+                                        <p:attrNameLst>
+                                          <p:attrName>style.visibility</p:attrName>
+                                        </p:attrNameLst>
+                                      </p:cBhvr>
+                                      <p:to>
+                                        <p:strVal val="hidden"/>
+                                      </p:to>
+                                    </p:set>
+                                  </p:childTnLst>
+                                </p:cTn>
+                              </p:par>
+                            </p:childTnLst>
+                          </p:cTn>
+                        </p:par>
+                      </p:childTnLst>
+                    </p:cTn>
+                  </p:par>
+                </p:childTnLst>
+              </p:cTn>
+              <p:prevCondLst>
+                <p:cond evt="onPrev" delay="0">
+                  <p:tgtEl>
+                    <p:sldTgt/>
+                  </p:tgtEl>
+                </p:cond>
+              </p:prevCondLst>
+              <p:nextCondLst>
+                <p:cond evt="onNext" delay="0">
+                  <p:tgtEl>
+                    <p:sldTgt/>
+                  </p:tgtEl>
+                </p:cond>
+              </p:nextCondLst>
+            </p:seq>
+          </p:childTnLst>
+        </p:cTn>
+      </p:par>
+    </p:tnLst>
+    <p:bldLst>
+      <p:bldP spid="4" grpId="0" animBg="1"/>
+      <p:bldP spid="5" grpId="0" animBg="1"/>
+      <p:bldP spid="6" grpId="0" animBg="1"/>
+      <p:bldP spid="7" grpId="0" animBg="1"/>
+      <p:bldP spid="8" grpId="0" animBg="1"/>
+      <p:bldP spid="9" grpId="0" animBg="1"/>
+      <p:bldP spid="10" grpId="0" animBg="1"/>
+      <p:bldP spid="11" grpId="0" animBg="1"/>
+    </p:bldLst>
+  </p:timing>
+</p:sld>
+</file>
+
+<file path=ppt/slides/slide15.xml><?xml version="1.0" encoding="utf-8"?>
+<p:sld xmlns:a="http://schemas.openxmlformats.org/drawingml/2006/main" xmlns:r="http://schemas.openxmlformats.org/officeDocument/2006/relationships" xmlns:p="http://schemas.openxmlformats.org/presentationml/2006/main">
+  <p:cSld>
+    <p:spTree>
+      <p:nvGrpSpPr>
+        <p:cNvPr id="1" name=""/>
+        <p:cNvGrpSpPr/>
+        <p:nvPr/>
+      </p:nvGrpSpPr>
+      <p:grpSpPr>
+        <a:xfrm>
+          <a:off x="0" y="0"/>
+          <a:ext cx="0" cy="0"/>
+          <a:chOff x="0" y="0"/>
+          <a:chExt cx="0" cy="0"/>
+        </a:xfrm>
+      </p:grpSpPr>
+      <p:sp>
+        <p:nvSpPr>
+          <p:cNvPr id="2" name="Title 1">
+            <a:extLst>
+              <a:ext uri="{FF2B5EF4-FFF2-40B4-BE49-F238E27FC236}">
+                <a16:creationId xmlns:a16="http://schemas.microsoft.com/office/drawing/2014/main" id="{D34AAD95-5E3F-4937-8CD2-E57007B4674C}"/>
+              </a:ext>
+            </a:extLst>
+          </p:cNvPr>
+          <p:cNvSpPr>
+            <a:spLocks noGrp="1"/>
+          </p:cNvSpPr>
+          <p:nvPr>
+            <p:ph type="title"/>
+          </p:nvPr>
+        </p:nvSpPr>
+        <p:spPr/>
+        <p:txBody>
+          <a:bodyPr/>
+          <a:lstStyle/>
+          <a:p>
+            <a:r>
+              <a:rPr lang="en-CH" dirty="0"/>
+              <a:t>Randomness Extraction - Period</a:t>
+            </a:r>
+            <a:endParaRPr lang="en-US" dirty="0"/>
+          </a:p>
+        </p:txBody>
+      </p:sp>
+      <p:sp>
+        <p:nvSpPr>
+          <p:cNvPr id="3" name="Content Placeholder 2">
+            <a:extLst>
+              <a:ext uri="{FF2B5EF4-FFF2-40B4-BE49-F238E27FC236}">
+                <a16:creationId xmlns:a16="http://schemas.microsoft.com/office/drawing/2014/main" id="{066AC500-57FE-4CDE-BC01-9B17554FB73B}"/>
+              </a:ext>
+            </a:extLst>
+          </p:cNvPr>
+          <p:cNvSpPr>
+            <a:spLocks noGrp="1"/>
+          </p:cNvSpPr>
+          <p:nvPr>
+            <p:ph idx="1"/>
+          </p:nvPr>
+        </p:nvSpPr>
+        <p:spPr/>
+        <p:txBody>
+          <a:bodyPr/>
+          <a:lstStyle/>
+          <a:p>
+            <a:r>
+              <a:rPr lang="en-CH" dirty="0"/>
+              <a:t>Repeating after 121 is found again</a:t>
+            </a:r>
+          </a:p>
+          <a:p>
+            <a:r>
+              <a:rPr lang="en-CH" dirty="0"/>
+              <a:t>Period is length of maximum runs until repetition</a:t>
+            </a:r>
+          </a:p>
+          <a:p>
+            <a:r>
+              <a:rPr lang="en-CH" dirty="0"/>
+              <a:t>Period in example is 1000</a:t>
+            </a:r>
+          </a:p>
+          <a:p>
+            <a:r>
+              <a:rPr lang="en-CH" dirty="0"/>
+              <a:t>Seed length determines period</a:t>
+            </a:r>
+          </a:p>
+        </p:txBody>
+      </p:sp>
+    </p:spTree>
+    <p:extLst>
+      <p:ext uri="{BB962C8B-B14F-4D97-AF65-F5344CB8AC3E}">
+        <p14:creationId xmlns:p14="http://schemas.microsoft.com/office/powerpoint/2010/main" val="1757835248"/>
+      </p:ext>
+    </p:extLst>
+  </p:cSld>
+  <p:clrMapOvr>
+    <a:masterClrMapping/>
+  </p:clrMapOvr>
+</p:sld>
+</file>
+
+<file path=ppt/slides/slide16.xml><?xml version="1.0" encoding="utf-8"?>
+<p:sld xmlns:a="http://schemas.openxmlformats.org/drawingml/2006/main" xmlns:r="http://schemas.openxmlformats.org/officeDocument/2006/relationships" xmlns:p="http://schemas.openxmlformats.org/presentationml/2006/main">
+  <p:cSld>
+    <p:spTree>
+      <p:nvGrpSpPr>
+        <p:cNvPr id="1" name=""/>
+        <p:cNvGrpSpPr/>
+        <p:nvPr/>
+      </p:nvGrpSpPr>
+      <p:grpSpPr>
+        <a:xfrm>
+          <a:off x="0" y="0"/>
+          <a:ext cx="0" cy="0"/>
+          <a:chOff x="0" y="0"/>
+          <a:chExt cx="0" cy="0"/>
+        </a:xfrm>
+      </p:grpSpPr>
+      <p:sp>
+        <p:nvSpPr>
+          <p:cNvPr id="2" name="Title 1">
+            <a:extLst>
+              <a:ext uri="{FF2B5EF4-FFF2-40B4-BE49-F238E27FC236}">
+                <a16:creationId xmlns:a16="http://schemas.microsoft.com/office/drawing/2014/main" id="{F95D81F0-6B65-4961-9794-B6B6CEC15090}"/>
+              </a:ext>
+            </a:extLst>
+          </p:cNvPr>
+          <p:cNvSpPr>
+            <a:spLocks noGrp="1"/>
+          </p:cNvSpPr>
+          <p:nvPr>
+            <p:ph type="title"/>
+          </p:nvPr>
+        </p:nvSpPr>
+        <p:spPr/>
+        <p:txBody>
+          <a:bodyPr/>
+          <a:lstStyle/>
+          <a:p>
+            <a:r>
+              <a:rPr lang="en-CH" dirty="0"/>
+              <a:t>Conclusion</a:t>
+            </a:r>
+            <a:endParaRPr lang="en-US" dirty="0"/>
+          </a:p>
+        </p:txBody>
+      </p:sp>
+      <p:sp>
+        <p:nvSpPr>
+          <p:cNvPr id="3" name="Content Placeholder 2">
+            <a:extLst>
+              <a:ext uri="{FF2B5EF4-FFF2-40B4-BE49-F238E27FC236}">
+                <a16:creationId xmlns:a16="http://schemas.microsoft.com/office/drawing/2014/main" id="{C2F04472-1558-4DCC-AA50-BF62CC62C6FC}"/>
+              </a:ext>
+            </a:extLst>
+          </p:cNvPr>
+          <p:cNvSpPr>
+            <a:spLocks noGrp="1"/>
+          </p:cNvSpPr>
+          <p:nvPr>
+            <p:ph idx="1"/>
+          </p:nvPr>
+        </p:nvSpPr>
+        <p:spPr/>
+        <p:txBody>
+          <a:bodyPr/>
+          <a:lstStyle/>
+          <a:p>
+            <a:r>
+              <a:rPr lang="en-CH" dirty="0"/>
+              <a:t>Ongoing research topic</a:t>
+            </a:r>
+          </a:p>
+          <a:p>
+            <a:r>
+              <a:rPr lang="en-CH" dirty="0"/>
+              <a:t>Entropy source samples can be officially validated</a:t>
+            </a:r>
+          </a:p>
+          <a:p>
+            <a:r>
+              <a:rPr lang="en-CH" dirty="0"/>
+              <a:t>What is the perfect entropy source?</a:t>
+            </a:r>
+          </a:p>
+          <a:p>
+            <a:endParaRPr lang="en-CH" dirty="0"/>
+          </a:p>
+        </p:txBody>
+      </p:sp>
+    </p:spTree>
+    <p:extLst>
+      <p:ext uri="{BB962C8B-B14F-4D97-AF65-F5344CB8AC3E}">
+        <p14:creationId xmlns:p14="http://schemas.microsoft.com/office/powerpoint/2010/main" val="1564151467"/>
       </p:ext>
     </p:extLst>
   </p:cSld>
@@ -4145,18 +6173,41 @@
             </a:r>
           </a:p>
           <a:p>
+            <a:pPr lvl="1"/>
+            <a:r>
+              <a:rPr lang="en-CH" dirty="0"/>
+              <a:t>Motivation</a:t>
+            </a:r>
+          </a:p>
+          <a:p>
+            <a:pPr lvl="1"/>
+            <a:r>
+              <a:rPr lang="en-CH" dirty="0"/>
+              <a:t>Goals</a:t>
+            </a:r>
+          </a:p>
+          <a:p>
+            <a:r>
+              <a:rPr lang="en-CH" dirty="0"/>
+              <a:t>Research Results</a:t>
+            </a:r>
+          </a:p>
+          <a:p>
+            <a:pPr lvl="1"/>
             <a:r>
               <a:rPr lang="en-CH" dirty="0"/>
               <a:t>Information Entropy</a:t>
             </a:r>
           </a:p>
           <a:p>
+            <a:pPr lvl="1"/>
             <a:r>
               <a:rPr lang="en-CH" dirty="0"/>
               <a:t>Entropy Sources</a:t>
             </a:r>
           </a:p>
           <a:p>
+            <a:pPr lvl="1"/>
             <a:r>
               <a:rPr lang="en-CH" dirty="0"/>
               <a:t>Randomness Extraction</a:t>
@@ -4216,14 +6267,19 @@
             <p:ph type="title"/>
           </p:nvPr>
         </p:nvSpPr>
-        <p:spPr/>
+        <p:spPr>
+          <a:xfrm>
+            <a:off x="838200" y="365125"/>
+            <a:ext cx="5131947" cy="1325563"/>
+          </a:xfrm>
+        </p:spPr>
         <p:txBody>
           <a:bodyPr/>
           <a:lstStyle/>
           <a:p>
             <a:r>
               <a:rPr lang="en-CH" dirty="0"/>
-              <a:t>Introduction</a:t>
+              <a:t>Motivation</a:t>
             </a:r>
             <a:endParaRPr lang="en-US" dirty="0"/>
           </a:p>
@@ -4245,11 +6301,293 @@
             <p:ph idx="1"/>
           </p:nvPr>
         </p:nvSpPr>
-        <p:spPr/>
+        <p:spPr>
+          <a:xfrm>
+            <a:off x="838200" y="1825625"/>
+            <a:ext cx="5131947" cy="4351338"/>
+          </a:xfrm>
+        </p:spPr>
         <p:txBody>
           <a:bodyPr/>
           <a:lstStyle/>
           <a:p>
+            <a:r>
+              <a:rPr lang="en-CH" dirty="0"/>
+              <a:t>Random number generation</a:t>
+            </a:r>
+          </a:p>
+          <a:p>
+            <a:r>
+              <a:rPr lang="en-CH" dirty="0"/>
+              <a:t>Personal interest</a:t>
+            </a:r>
+          </a:p>
+          <a:p>
+            <a:r>
+              <a:rPr lang="en-CH" dirty="0"/>
+              <a:t>Connection to security</a:t>
+            </a:r>
+            <a:endParaRPr lang="en-US" dirty="0"/>
+          </a:p>
+        </p:txBody>
+      </p:sp>
+      <p:sp>
+        <p:nvSpPr>
+          <p:cNvPr id="4" name="Title 1">
+            <a:extLst>
+              <a:ext uri="{FF2B5EF4-FFF2-40B4-BE49-F238E27FC236}">
+                <a16:creationId xmlns:a16="http://schemas.microsoft.com/office/drawing/2014/main" id="{5BCA32DF-06D7-4B1B-A7D2-CF32E9F6F075}"/>
+              </a:ext>
+            </a:extLst>
+          </p:cNvPr>
+          <p:cNvSpPr txBox="1">
+            <a:spLocks/>
+          </p:cNvSpPr>
+          <p:nvPr/>
+        </p:nvSpPr>
+        <p:spPr>
+          <a:xfrm>
+            <a:off x="5970147" y="365125"/>
+            <a:ext cx="5131947" cy="1325563"/>
+          </a:xfrm>
+          <a:prstGeom prst="rect">
+            <a:avLst/>
+          </a:prstGeom>
+        </p:spPr>
+        <p:txBody>
+          <a:bodyPr vert="horz" lIns="91440" tIns="45720" rIns="91440" bIns="45720" rtlCol="0" anchor="ctr">
+            <a:normAutofit/>
+          </a:bodyPr>
+          <a:lstStyle>
+            <a:lvl1pPr algn="l" defTabSz="914400" rtl="0" eaLnBrk="1" latinLnBrk="0" hangingPunct="1">
+              <a:lnSpc>
+                <a:spcPct val="90000"/>
+              </a:lnSpc>
+              <a:spcBef>
+                <a:spcPct val="0"/>
+              </a:spcBef>
+              <a:buNone/>
+              <a:defRPr sz="4400" kern="1200">
+                <a:solidFill>
+                  <a:schemeClr val="tx1"/>
+                </a:solidFill>
+                <a:latin typeface="CMU Sans Serif" panose="02000603000000000000" pitchFamily="2" charset="0"/>
+                <a:ea typeface="CMU Sans Serif" panose="02000603000000000000" pitchFamily="2" charset="0"/>
+                <a:cs typeface="CMU Sans Serif" panose="02000603000000000000" pitchFamily="2" charset="0"/>
+              </a:defRPr>
+            </a:lvl1pPr>
+          </a:lstStyle>
+          <a:p>
+            <a:r>
+              <a:rPr lang="en-CH" dirty="0"/>
+              <a:t>Goals</a:t>
+            </a:r>
+            <a:endParaRPr lang="en-US" dirty="0"/>
+          </a:p>
+        </p:txBody>
+      </p:sp>
+      <p:sp>
+        <p:nvSpPr>
+          <p:cNvPr id="5" name="Content Placeholder 2">
+            <a:extLst>
+              <a:ext uri="{FF2B5EF4-FFF2-40B4-BE49-F238E27FC236}">
+                <a16:creationId xmlns:a16="http://schemas.microsoft.com/office/drawing/2014/main" id="{81330D53-8E9A-41E1-8320-52EFFEE12174}"/>
+              </a:ext>
+            </a:extLst>
+          </p:cNvPr>
+          <p:cNvSpPr txBox="1">
+            <a:spLocks/>
+          </p:cNvSpPr>
+          <p:nvPr/>
+        </p:nvSpPr>
+        <p:spPr>
+          <a:xfrm>
+            <a:off x="5970147" y="1825625"/>
+            <a:ext cx="5131947" cy="4351338"/>
+          </a:xfrm>
+          <a:prstGeom prst="rect">
+            <a:avLst/>
+          </a:prstGeom>
+        </p:spPr>
+        <p:txBody>
+          <a:bodyPr vert="horz" lIns="91440" tIns="45720" rIns="91440" bIns="45720" rtlCol="0">
+            <a:normAutofit/>
+          </a:bodyPr>
+          <a:lstStyle>
+            <a:lvl1pPr marL="228600" indent="-228600" algn="l" defTabSz="914400" rtl="0" eaLnBrk="1" latinLnBrk="0" hangingPunct="1">
+              <a:lnSpc>
+                <a:spcPct val="90000"/>
+              </a:lnSpc>
+              <a:spcBef>
+                <a:spcPts val="1000"/>
+              </a:spcBef>
+              <a:buFont typeface="Arial" panose="020B0604020202020204" pitchFamily="34" charset="0"/>
+              <a:buChar char="•"/>
+              <a:defRPr sz="2800" kern="1200">
+                <a:solidFill>
+                  <a:schemeClr val="tx1"/>
+                </a:solidFill>
+                <a:latin typeface="CMU Sans Serif" panose="02000603000000000000" pitchFamily="2" charset="0"/>
+                <a:ea typeface="CMU Sans Serif" panose="02000603000000000000" pitchFamily="2" charset="0"/>
+                <a:cs typeface="CMU Sans Serif" panose="02000603000000000000" pitchFamily="2" charset="0"/>
+              </a:defRPr>
+            </a:lvl1pPr>
+            <a:lvl2pPr marL="685800" indent="-228600" algn="l" defTabSz="914400" rtl="0" eaLnBrk="1" latinLnBrk="0" hangingPunct="1">
+              <a:lnSpc>
+                <a:spcPct val="90000"/>
+              </a:lnSpc>
+              <a:spcBef>
+                <a:spcPts val="500"/>
+              </a:spcBef>
+              <a:buFont typeface="Arial" panose="020B0604020202020204" pitchFamily="34" charset="0"/>
+              <a:buChar char="•"/>
+              <a:defRPr sz="2400" kern="1200">
+                <a:solidFill>
+                  <a:schemeClr val="tx1"/>
+                </a:solidFill>
+                <a:latin typeface="CMU Sans Serif" panose="02000603000000000000" pitchFamily="2" charset="0"/>
+                <a:ea typeface="CMU Sans Serif" panose="02000603000000000000" pitchFamily="2" charset="0"/>
+                <a:cs typeface="CMU Sans Serif" panose="02000603000000000000" pitchFamily="2" charset="0"/>
+              </a:defRPr>
+            </a:lvl2pPr>
+            <a:lvl3pPr marL="1143000" indent="-228600" algn="l" defTabSz="914400" rtl="0" eaLnBrk="1" latinLnBrk="0" hangingPunct="1">
+              <a:lnSpc>
+                <a:spcPct val="90000"/>
+              </a:lnSpc>
+              <a:spcBef>
+                <a:spcPts val="500"/>
+              </a:spcBef>
+              <a:buFont typeface="Arial" panose="020B0604020202020204" pitchFamily="34" charset="0"/>
+              <a:buChar char="•"/>
+              <a:defRPr sz="2000" kern="1200">
+                <a:solidFill>
+                  <a:schemeClr val="tx1"/>
+                </a:solidFill>
+                <a:latin typeface="CMU Sans Serif" panose="02000603000000000000" pitchFamily="2" charset="0"/>
+                <a:ea typeface="CMU Sans Serif" panose="02000603000000000000" pitchFamily="2" charset="0"/>
+                <a:cs typeface="CMU Sans Serif" panose="02000603000000000000" pitchFamily="2" charset="0"/>
+              </a:defRPr>
+            </a:lvl3pPr>
+            <a:lvl4pPr marL="1600200" indent="-228600" algn="l" defTabSz="914400" rtl="0" eaLnBrk="1" latinLnBrk="0" hangingPunct="1">
+              <a:lnSpc>
+                <a:spcPct val="90000"/>
+              </a:lnSpc>
+              <a:spcBef>
+                <a:spcPts val="500"/>
+              </a:spcBef>
+              <a:buFont typeface="Arial" panose="020B0604020202020204" pitchFamily="34" charset="0"/>
+              <a:buChar char="•"/>
+              <a:defRPr sz="1800" kern="1200">
+                <a:solidFill>
+                  <a:schemeClr val="tx1"/>
+                </a:solidFill>
+                <a:latin typeface="CMU Sans Serif" panose="02000603000000000000" pitchFamily="2" charset="0"/>
+                <a:ea typeface="CMU Sans Serif" panose="02000603000000000000" pitchFamily="2" charset="0"/>
+                <a:cs typeface="CMU Sans Serif" panose="02000603000000000000" pitchFamily="2" charset="0"/>
+              </a:defRPr>
+            </a:lvl4pPr>
+            <a:lvl5pPr marL="2057400" indent="-228600" algn="l" defTabSz="914400" rtl="0" eaLnBrk="1" latinLnBrk="0" hangingPunct="1">
+              <a:lnSpc>
+                <a:spcPct val="90000"/>
+              </a:lnSpc>
+              <a:spcBef>
+                <a:spcPts val="500"/>
+              </a:spcBef>
+              <a:buFont typeface="Arial" panose="020B0604020202020204" pitchFamily="34" charset="0"/>
+              <a:buChar char="•"/>
+              <a:defRPr sz="1800" kern="1200">
+                <a:solidFill>
+                  <a:schemeClr val="tx1"/>
+                </a:solidFill>
+                <a:latin typeface="CMU Sans Serif" panose="02000603000000000000" pitchFamily="2" charset="0"/>
+                <a:ea typeface="CMU Sans Serif" panose="02000603000000000000" pitchFamily="2" charset="0"/>
+                <a:cs typeface="CMU Sans Serif" panose="02000603000000000000" pitchFamily="2" charset="0"/>
+              </a:defRPr>
+            </a:lvl5pPr>
+            <a:lvl6pPr marL="2514600" indent="-228600" algn="l" defTabSz="914400" rtl="0" eaLnBrk="1" latinLnBrk="0" hangingPunct="1">
+              <a:lnSpc>
+                <a:spcPct val="90000"/>
+              </a:lnSpc>
+              <a:spcBef>
+                <a:spcPts val="500"/>
+              </a:spcBef>
+              <a:buFont typeface="Arial" panose="020B0604020202020204" pitchFamily="34" charset="0"/>
+              <a:buChar char="•"/>
+              <a:defRPr sz="1800" kern="1200">
+                <a:solidFill>
+                  <a:schemeClr val="tx1"/>
+                </a:solidFill>
+                <a:latin typeface="+mn-lt"/>
+                <a:ea typeface="+mn-ea"/>
+                <a:cs typeface="+mn-cs"/>
+              </a:defRPr>
+            </a:lvl6pPr>
+            <a:lvl7pPr marL="2971800" indent="-228600" algn="l" defTabSz="914400" rtl="0" eaLnBrk="1" latinLnBrk="0" hangingPunct="1">
+              <a:lnSpc>
+                <a:spcPct val="90000"/>
+              </a:lnSpc>
+              <a:spcBef>
+                <a:spcPts val="500"/>
+              </a:spcBef>
+              <a:buFont typeface="Arial" panose="020B0604020202020204" pitchFamily="34" charset="0"/>
+              <a:buChar char="•"/>
+              <a:defRPr sz="1800" kern="1200">
+                <a:solidFill>
+                  <a:schemeClr val="tx1"/>
+                </a:solidFill>
+                <a:latin typeface="+mn-lt"/>
+                <a:ea typeface="+mn-ea"/>
+                <a:cs typeface="+mn-cs"/>
+              </a:defRPr>
+            </a:lvl7pPr>
+            <a:lvl8pPr marL="3429000" indent="-228600" algn="l" defTabSz="914400" rtl="0" eaLnBrk="1" latinLnBrk="0" hangingPunct="1">
+              <a:lnSpc>
+                <a:spcPct val="90000"/>
+              </a:lnSpc>
+              <a:spcBef>
+                <a:spcPts val="500"/>
+              </a:spcBef>
+              <a:buFont typeface="Arial" panose="020B0604020202020204" pitchFamily="34" charset="0"/>
+              <a:buChar char="•"/>
+              <a:defRPr sz="1800" kern="1200">
+                <a:solidFill>
+                  <a:schemeClr val="tx1"/>
+                </a:solidFill>
+                <a:latin typeface="+mn-lt"/>
+                <a:ea typeface="+mn-ea"/>
+                <a:cs typeface="+mn-cs"/>
+              </a:defRPr>
+            </a:lvl8pPr>
+            <a:lvl9pPr marL="3886200" indent="-228600" algn="l" defTabSz="914400" rtl="0" eaLnBrk="1" latinLnBrk="0" hangingPunct="1">
+              <a:lnSpc>
+                <a:spcPct val="90000"/>
+              </a:lnSpc>
+              <a:spcBef>
+                <a:spcPts val="500"/>
+              </a:spcBef>
+              <a:buFont typeface="Arial" panose="020B0604020202020204" pitchFamily="34" charset="0"/>
+              <a:buChar char="•"/>
+              <a:defRPr sz="1800" kern="1200">
+                <a:solidFill>
+                  <a:schemeClr val="tx1"/>
+                </a:solidFill>
+                <a:latin typeface="+mn-lt"/>
+                <a:ea typeface="+mn-ea"/>
+                <a:cs typeface="+mn-cs"/>
+              </a:defRPr>
+            </a:lvl9pPr>
+          </a:lstStyle>
+          <a:p>
+            <a:r>
+              <a:rPr lang="en-CH" dirty="0"/>
+              <a:t>How are random numbers generated?</a:t>
+            </a:r>
+          </a:p>
+          <a:p>
+            <a:r>
+              <a:rPr lang="en-CH" dirty="0"/>
+              <a:t>What makes a good entropy source?</a:t>
+            </a:r>
             <a:endParaRPr lang="en-US" dirty="0"/>
           </a:p>
         </p:txBody>
@@ -4334,7 +6672,31 @@
           <a:bodyPr/>
           <a:lstStyle/>
           <a:p>
-            <a:endParaRPr lang="en-US"/>
+            <a:r>
+              <a:rPr lang="en-CH" dirty="0"/>
+              <a:t>Informational value = how much is deemed surprising</a:t>
+            </a:r>
+          </a:p>
+          <a:p>
+            <a:r>
+              <a:rPr lang="en-CH" dirty="0"/>
+              <a:t>Quantifying unpredictability</a:t>
+            </a:r>
+          </a:p>
+          <a:p>
+            <a:pPr lvl="1"/>
+            <a:r>
+              <a:rPr lang="en-CH" dirty="0"/>
+              <a:t>Shannon-entropy</a:t>
+            </a:r>
+          </a:p>
+          <a:p>
+            <a:pPr lvl="1"/>
+            <a:r>
+              <a:rPr lang="en-CH" dirty="0"/>
+              <a:t>Min-entropy</a:t>
+            </a:r>
+            <a:endParaRPr lang="en-US" dirty="0"/>
           </a:p>
         </p:txBody>
       </p:sp>
@@ -4373,7 +6735,7 @@
           <p:cNvPr id="2" name="Title 1">
             <a:extLst>
               <a:ext uri="{FF2B5EF4-FFF2-40B4-BE49-F238E27FC236}">
-                <a16:creationId xmlns:a16="http://schemas.microsoft.com/office/drawing/2014/main" id="{CFC5BF42-E956-4EFB-A45B-48BBC6BDC1BB}"/>
+                <a16:creationId xmlns:a16="http://schemas.microsoft.com/office/drawing/2014/main" id="{91F662C9-07A1-463B-8AF9-E27F525A9EB4}"/>
               </a:ext>
             </a:extLst>
           </p:cNvPr>
@@ -4391,47 +6753,470 @@
           <a:p>
             <a:r>
               <a:rPr lang="en-CH" dirty="0"/>
-              <a:t>Entropy Sources</a:t>
+              <a:t>Shannon-Entropy</a:t>
             </a:r>
             <a:endParaRPr lang="en-US" dirty="0"/>
           </a:p>
         </p:txBody>
       </p:sp>
-      <p:sp>
-        <p:nvSpPr>
-          <p:cNvPr id="3" name="Content Placeholder 2">
-            <a:extLst>
-              <a:ext uri="{FF2B5EF4-FFF2-40B4-BE49-F238E27FC236}">
-                <a16:creationId xmlns:a16="http://schemas.microsoft.com/office/drawing/2014/main" id="{CB7EEC44-898C-40B9-AC93-1620AF687C05}"/>
-              </a:ext>
-            </a:extLst>
-          </p:cNvPr>
-          <p:cNvSpPr>
-            <a:spLocks noGrp="1"/>
-          </p:cNvSpPr>
+      <p:pic>
+        <p:nvPicPr>
+          <p:cNvPr id="7" name="Content Placeholder 6">
+            <a:extLst>
+              <a:ext uri="{FF2B5EF4-FFF2-40B4-BE49-F238E27FC236}">
+                <a16:creationId xmlns:a16="http://schemas.microsoft.com/office/drawing/2014/main" id="{7C2BE684-C0D8-4980-A010-E47166DC0969}"/>
+              </a:ext>
+            </a:extLst>
+          </p:cNvPr>
+          <p:cNvPicPr>
+            <a:picLocks noGrp="1" noChangeAspect="1"/>
+          </p:cNvPicPr>
           <p:nvPr>
             <p:ph idx="1"/>
           </p:nvPr>
-        </p:nvSpPr>
-        <p:spPr/>
-        <p:txBody>
-          <a:bodyPr/>
-          <a:lstStyle/>
-          <a:p>
-            <a:endParaRPr lang="en-US"/>
-          </a:p>
-        </p:txBody>
-      </p:sp>
+        </p:nvPicPr>
+        <p:blipFill>
+          <a:blip r:embed="rId2"/>
+          <a:stretch>
+            <a:fillRect/>
+          </a:stretch>
+        </p:blipFill>
+        <p:spPr>
+          <a:xfrm>
+            <a:off x="838200" y="3390661"/>
+            <a:ext cx="5367542" cy="1302801"/>
+          </a:xfrm>
+        </p:spPr>
+      </p:pic>
+      <p:pic>
+        <p:nvPicPr>
+          <p:cNvPr id="5" name="Picture 4">
+            <a:extLst>
+              <a:ext uri="{FF2B5EF4-FFF2-40B4-BE49-F238E27FC236}">
+                <a16:creationId xmlns:a16="http://schemas.microsoft.com/office/drawing/2014/main" id="{A86EA93F-3CA4-4852-96A9-B6B158C049F5}"/>
+              </a:ext>
+            </a:extLst>
+          </p:cNvPr>
+          <p:cNvPicPr>
+            <a:picLocks noChangeAspect="1"/>
+          </p:cNvPicPr>
+          <p:nvPr/>
+        </p:nvPicPr>
+        <p:blipFill>
+          <a:blip r:embed="rId3"/>
+          <a:stretch>
+            <a:fillRect/>
+          </a:stretch>
+        </p:blipFill>
+        <p:spPr>
+          <a:xfrm>
+            <a:off x="838200" y="1690688"/>
+            <a:ext cx="3880553" cy="1371022"/>
+          </a:xfrm>
+          <a:prstGeom prst="rect">
+            <a:avLst/>
+          </a:prstGeom>
+        </p:spPr>
+      </p:pic>
+      <p:grpSp>
+        <p:nvGrpSpPr>
+          <p:cNvPr id="17" name="Group 16">
+            <a:extLst>
+              <a:ext uri="{FF2B5EF4-FFF2-40B4-BE49-F238E27FC236}">
+                <a16:creationId xmlns:a16="http://schemas.microsoft.com/office/drawing/2014/main" id="{7E98B300-8B26-4072-B89A-C86BEE5D39F7}"/>
+              </a:ext>
+            </a:extLst>
+          </p:cNvPr>
+          <p:cNvGrpSpPr/>
+          <p:nvPr/>
+        </p:nvGrpSpPr>
+        <p:grpSpPr>
+          <a:xfrm>
+            <a:off x="6733584" y="3390661"/>
+            <a:ext cx="4257473" cy="1750912"/>
+            <a:chOff x="7222534" y="3390661"/>
+            <a:chExt cx="4257473" cy="1750912"/>
+          </a:xfrm>
+        </p:grpSpPr>
+        <p:pic>
+          <p:nvPicPr>
+            <p:cNvPr id="9" name="Picture 8">
+              <a:extLst>
+                <a:ext uri="{FF2B5EF4-FFF2-40B4-BE49-F238E27FC236}">
+                  <a16:creationId xmlns:a16="http://schemas.microsoft.com/office/drawing/2014/main" id="{756BD1DF-8167-448F-BEB2-53D1E994C6ED}"/>
+                </a:ext>
+              </a:extLst>
+            </p:cNvPr>
+            <p:cNvPicPr>
+              <a:picLocks noChangeAspect="1"/>
+            </p:cNvPicPr>
+            <p:nvPr/>
+          </p:nvPicPr>
+          <p:blipFill>
+            <a:blip r:embed="rId4"/>
+            <a:stretch>
+              <a:fillRect/>
+            </a:stretch>
+          </p:blipFill>
+          <p:spPr>
+            <a:xfrm>
+              <a:off x="7222535" y="3390661"/>
+              <a:ext cx="3813459" cy="330791"/>
+            </a:xfrm>
+            <a:prstGeom prst="rect">
+              <a:avLst/>
+            </a:prstGeom>
+          </p:spPr>
+        </p:pic>
+        <p:pic>
+          <p:nvPicPr>
+            <p:cNvPr id="11" name="Picture 10">
+              <a:extLst>
+                <a:ext uri="{FF2B5EF4-FFF2-40B4-BE49-F238E27FC236}">
+                  <a16:creationId xmlns:a16="http://schemas.microsoft.com/office/drawing/2014/main" id="{1B71251D-2F14-4D60-BB0C-5AA47EFBB414}"/>
+                </a:ext>
+              </a:extLst>
+            </p:cNvPr>
+            <p:cNvPicPr>
+              <a:picLocks noChangeAspect="1"/>
+            </p:cNvPicPr>
+            <p:nvPr/>
+          </p:nvPicPr>
+          <p:blipFill>
+            <a:blip r:embed="rId5"/>
+            <a:stretch>
+              <a:fillRect/>
+            </a:stretch>
+          </p:blipFill>
+          <p:spPr>
+            <a:xfrm>
+              <a:off x="7222535" y="3914559"/>
+              <a:ext cx="3813459" cy="255004"/>
+            </a:xfrm>
+            <a:prstGeom prst="rect">
+              <a:avLst/>
+            </a:prstGeom>
+          </p:spPr>
+        </p:pic>
+        <p:pic>
+          <p:nvPicPr>
+            <p:cNvPr id="12" name="Picture 11">
+              <a:extLst>
+                <a:ext uri="{FF2B5EF4-FFF2-40B4-BE49-F238E27FC236}">
+                  <a16:creationId xmlns:a16="http://schemas.microsoft.com/office/drawing/2014/main" id="{952BF218-2D14-4328-BB8D-8F722719A5E6}"/>
+                </a:ext>
+              </a:extLst>
+            </p:cNvPr>
+            <p:cNvPicPr>
+              <a:picLocks noChangeAspect="1"/>
+            </p:cNvPicPr>
+            <p:nvPr/>
+          </p:nvPicPr>
+          <p:blipFill>
+            <a:blip r:embed="rId5"/>
+            <a:stretch>
+              <a:fillRect/>
+            </a:stretch>
+          </p:blipFill>
+          <p:spPr>
+            <a:xfrm>
+              <a:off x="7222534" y="4438458"/>
+              <a:ext cx="3813459" cy="255004"/>
+            </a:xfrm>
+            <a:prstGeom prst="rect">
+              <a:avLst/>
+            </a:prstGeom>
+          </p:spPr>
+        </p:pic>
+        <p:cxnSp>
+          <p:nvCxnSpPr>
+            <p:cNvPr id="14" name="Straight Connector 13">
+              <a:extLst>
+                <a:ext uri="{FF2B5EF4-FFF2-40B4-BE49-F238E27FC236}">
+                  <a16:creationId xmlns:a16="http://schemas.microsoft.com/office/drawing/2014/main" id="{905B762B-AA02-4FB6-948E-F7D4C98BAB55}"/>
+                </a:ext>
+              </a:extLst>
+            </p:cNvPr>
+            <p:cNvCxnSpPr/>
+            <p:nvPr/>
+          </p:nvCxnSpPr>
+          <p:spPr>
+            <a:xfrm flipH="1">
+              <a:off x="10509069" y="4826726"/>
+              <a:ext cx="607422" cy="0"/>
+            </a:xfrm>
+            <a:prstGeom prst="line">
+              <a:avLst/>
+            </a:prstGeom>
+          </p:spPr>
+          <p:style>
+            <a:lnRef idx="1">
+              <a:schemeClr val="dk1"/>
+            </a:lnRef>
+            <a:fillRef idx="0">
+              <a:schemeClr val="dk1"/>
+            </a:fillRef>
+            <a:effectRef idx="0">
+              <a:schemeClr val="dk1"/>
+            </a:effectRef>
+            <a:fontRef idx="minor">
+              <a:schemeClr val="tx1"/>
+            </a:fontRef>
+          </p:style>
+        </p:cxnSp>
+        <p:pic>
+          <p:nvPicPr>
+            <p:cNvPr id="16" name="Picture 15">
+              <a:extLst>
+                <a:ext uri="{FF2B5EF4-FFF2-40B4-BE49-F238E27FC236}">
+                  <a16:creationId xmlns:a16="http://schemas.microsoft.com/office/drawing/2014/main" id="{158661C2-F426-4AA7-A3D9-15993A4E1B0D}"/>
+                </a:ext>
+              </a:extLst>
+            </p:cNvPr>
+            <p:cNvPicPr>
+              <a:picLocks noChangeAspect="1"/>
+            </p:cNvPicPr>
+            <p:nvPr/>
+          </p:nvPicPr>
+          <p:blipFill>
+            <a:blip r:embed="rId6"/>
+            <a:stretch>
+              <a:fillRect/>
+            </a:stretch>
+          </p:blipFill>
+          <p:spPr>
+            <a:xfrm>
+              <a:off x="10752974" y="4886569"/>
+              <a:ext cx="727033" cy="255004"/>
+            </a:xfrm>
+            <a:prstGeom prst="rect">
+              <a:avLst/>
+            </a:prstGeom>
+          </p:spPr>
+        </p:pic>
+      </p:grpSp>
+      <p:pic>
+        <p:nvPicPr>
+          <p:cNvPr id="1026" name="Picture 2" descr="Coin toss - Free hands and gestures icons">
+            <a:extLst>
+              <a:ext uri="{FF2B5EF4-FFF2-40B4-BE49-F238E27FC236}">
+                <a16:creationId xmlns:a16="http://schemas.microsoft.com/office/drawing/2014/main" id="{FC022E83-91CC-428F-AFD0-D8A10F7AA3FD}"/>
+              </a:ext>
+            </a:extLst>
+          </p:cNvPr>
+          <p:cNvPicPr>
+            <a:picLocks noChangeAspect="1" noChangeArrowheads="1"/>
+          </p:cNvPicPr>
+          <p:nvPr/>
+        </p:nvPicPr>
+        <p:blipFill>
+          <a:blip r:embed="rId7">
+            <a:extLst>
+              <a:ext uri="{28A0092B-C50C-407E-A947-70E740481C1C}">
+                <a14:useLocalDpi xmlns:a14="http://schemas.microsoft.com/office/drawing/2010/main" val="0"/>
+              </a:ext>
+            </a:extLst>
+          </a:blip>
+          <a:srcRect/>
+          <a:stretch>
+            <a:fillRect/>
+          </a:stretch>
+        </p:blipFill>
+        <p:spPr bwMode="auto">
+          <a:xfrm>
+            <a:off x="5308163" y="535570"/>
+            <a:ext cx="654487" cy="654487"/>
+          </a:xfrm>
+          <a:prstGeom prst="rect">
+            <a:avLst/>
+          </a:prstGeom>
+          <a:noFill/>
+          <a:extLst>
+            <a:ext uri="{909E8E84-426E-40DD-AFC4-6F175D3DCCD1}">
+              <a14:hiddenFill xmlns:a14="http://schemas.microsoft.com/office/drawing/2010/main">
+                <a:solidFill>
+                  <a:srgbClr val="FFFFFF"/>
+                </a:solidFill>
+              </a14:hiddenFill>
+            </a:ext>
+          </a:extLst>
+        </p:spPr>
+      </p:pic>
     </p:spTree>
     <p:extLst>
       <p:ext uri="{BB962C8B-B14F-4D97-AF65-F5344CB8AC3E}">
-        <p14:creationId xmlns:p14="http://schemas.microsoft.com/office/powerpoint/2010/main" val="193221686"/>
+        <p14:creationId xmlns:p14="http://schemas.microsoft.com/office/powerpoint/2010/main" val="312504663"/>
       </p:ext>
     </p:extLst>
   </p:cSld>
   <p:clrMapOvr>
     <a:masterClrMapping/>
   </p:clrMapOvr>
+  <p:timing>
+    <p:tnLst>
+      <p:par>
+        <p:cTn id="1" dur="indefinite" restart="never" nodeType="tmRoot">
+          <p:childTnLst>
+            <p:seq concurrent="1" nextAc="seek">
+              <p:cTn id="2" dur="indefinite" nodeType="mainSeq">
+                <p:childTnLst>
+                  <p:par>
+                    <p:cTn id="3" fill="hold">
+                      <p:stCondLst>
+                        <p:cond delay="indefinite"/>
+                      </p:stCondLst>
+                      <p:childTnLst>
+                        <p:par>
+                          <p:cTn id="4" fill="hold">
+                            <p:stCondLst>
+                              <p:cond delay="0"/>
+                            </p:stCondLst>
+                            <p:childTnLst>
+                              <p:par>
+                                <p:cTn id="5" presetID="1" presetClass="entr" presetSubtype="0" fill="hold" nodeType="clickEffect">
+                                  <p:stCondLst>
+                                    <p:cond delay="0"/>
+                                  </p:stCondLst>
+                                  <p:childTnLst>
+                                    <p:set>
+                                      <p:cBhvr>
+                                        <p:cTn id="6" dur="1" fill="hold">
+                                          <p:stCondLst>
+                                            <p:cond delay="0"/>
+                                          </p:stCondLst>
+                                        </p:cTn>
+                                        <p:tgtEl>
+                                          <p:spTgt spid="1026"/>
+                                        </p:tgtEl>
+                                        <p:attrNameLst>
+                                          <p:attrName>style.visibility</p:attrName>
+                                        </p:attrNameLst>
+                                      </p:cBhvr>
+                                      <p:to>
+                                        <p:strVal val="visible"/>
+                                      </p:to>
+                                    </p:set>
+                                  </p:childTnLst>
+                                </p:cTn>
+                              </p:par>
+                            </p:childTnLst>
+                          </p:cTn>
+                        </p:par>
+                      </p:childTnLst>
+                    </p:cTn>
+                  </p:par>
+                  <p:par>
+                    <p:cTn id="7" fill="hold">
+                      <p:stCondLst>
+                        <p:cond delay="indefinite"/>
+                      </p:stCondLst>
+                      <p:childTnLst>
+                        <p:par>
+                          <p:cTn id="8" fill="hold">
+                            <p:stCondLst>
+                              <p:cond delay="0"/>
+                            </p:stCondLst>
+                            <p:childTnLst>
+                              <p:par>
+                                <p:cTn id="9" presetID="1" presetClass="entr" presetSubtype="0" fill="hold" nodeType="clickEffect">
+                                  <p:stCondLst>
+                                    <p:cond delay="0"/>
+                                  </p:stCondLst>
+                                  <p:childTnLst>
+                                    <p:set>
+                                      <p:cBhvr>
+                                        <p:cTn id="10" dur="1" fill="hold">
+                                          <p:stCondLst>
+                                            <p:cond delay="0"/>
+                                          </p:stCondLst>
+                                        </p:cTn>
+                                        <p:tgtEl>
+                                          <p:spTgt spid="7"/>
+                                        </p:tgtEl>
+                                        <p:attrNameLst>
+                                          <p:attrName>style.visibility</p:attrName>
+                                        </p:attrNameLst>
+                                      </p:cBhvr>
+                                      <p:to>
+                                        <p:strVal val="visible"/>
+                                      </p:to>
+                                    </p:set>
+                                  </p:childTnLst>
+                                </p:cTn>
+                              </p:par>
+                            </p:childTnLst>
+                          </p:cTn>
+                        </p:par>
+                      </p:childTnLst>
+                    </p:cTn>
+                  </p:par>
+                  <p:par>
+                    <p:cTn id="11" fill="hold">
+                      <p:stCondLst>
+                        <p:cond delay="indefinite"/>
+                      </p:stCondLst>
+                      <p:childTnLst>
+                        <p:par>
+                          <p:cTn id="12" fill="hold">
+                            <p:stCondLst>
+                              <p:cond delay="0"/>
+                            </p:stCondLst>
+                            <p:childTnLst>
+                              <p:par>
+                                <p:cTn id="13" presetID="1" presetClass="entr" presetSubtype="0" fill="hold" nodeType="clickEffect">
+                                  <p:stCondLst>
+                                    <p:cond delay="0"/>
+                                  </p:stCondLst>
+                                  <p:childTnLst>
+                                    <p:set>
+                                      <p:cBhvr>
+                                        <p:cTn id="14" dur="1" fill="hold">
+                                          <p:stCondLst>
+                                            <p:cond delay="0"/>
+                                          </p:stCondLst>
+                                        </p:cTn>
+                                        <p:tgtEl>
+                                          <p:spTgt spid="17"/>
+                                        </p:tgtEl>
+                                        <p:attrNameLst>
+                                          <p:attrName>style.visibility</p:attrName>
+                                        </p:attrNameLst>
+                                      </p:cBhvr>
+                                      <p:to>
+                                        <p:strVal val="visible"/>
+                                      </p:to>
+                                    </p:set>
+                                  </p:childTnLst>
+                                </p:cTn>
+                              </p:par>
+                            </p:childTnLst>
+                          </p:cTn>
+                        </p:par>
+                      </p:childTnLst>
+                    </p:cTn>
+                  </p:par>
+                </p:childTnLst>
+              </p:cTn>
+              <p:prevCondLst>
+                <p:cond evt="onPrev" delay="0">
+                  <p:tgtEl>
+                    <p:sldTgt/>
+                  </p:tgtEl>
+                </p:cond>
+              </p:prevCondLst>
+              <p:nextCondLst>
+                <p:cond evt="onNext" delay="0">
+                  <p:tgtEl>
+                    <p:sldTgt/>
+                  </p:tgtEl>
+                </p:cond>
+              </p:nextCondLst>
+            </p:seq>
+          </p:childTnLst>
+        </p:cTn>
+      </p:par>
+    </p:tnLst>
+  </p:timing>
 </p:sld>
 </file>
 
@@ -4457,7 +7242,7 @@
           <p:cNvPr id="2" name="Title 1">
             <a:extLst>
               <a:ext uri="{FF2B5EF4-FFF2-40B4-BE49-F238E27FC236}">
-                <a16:creationId xmlns:a16="http://schemas.microsoft.com/office/drawing/2014/main" id="{6088EA69-A2A4-4E4D-9D37-41EC10A63663}"/>
+                <a16:creationId xmlns:a16="http://schemas.microsoft.com/office/drawing/2014/main" id="{91F662C9-07A1-463B-8AF9-E27F525A9EB4}"/>
               </a:ext>
             </a:extLst>
           </p:cNvPr>
@@ -4475,47 +7260,238 @@
           <a:p>
             <a:r>
               <a:rPr lang="en-CH" dirty="0"/>
-              <a:t>Measuring Entropy Sources</a:t>
+              <a:t>Min-Entropy</a:t>
             </a:r>
             <a:endParaRPr lang="en-US" dirty="0"/>
           </a:p>
         </p:txBody>
       </p:sp>
-      <p:sp>
-        <p:nvSpPr>
-          <p:cNvPr id="3" name="Content Placeholder 2">
-            <a:extLst>
-              <a:ext uri="{FF2B5EF4-FFF2-40B4-BE49-F238E27FC236}">
-                <a16:creationId xmlns:a16="http://schemas.microsoft.com/office/drawing/2014/main" id="{66CEC8DD-9476-47C6-9CEB-C6C7E2645D53}"/>
-              </a:ext>
-            </a:extLst>
-          </p:cNvPr>
-          <p:cNvSpPr>
-            <a:spLocks noGrp="1"/>
-          </p:cNvSpPr>
+      <p:pic>
+        <p:nvPicPr>
+          <p:cNvPr id="7" name="Content Placeholder 6">
+            <a:extLst>
+              <a:ext uri="{FF2B5EF4-FFF2-40B4-BE49-F238E27FC236}">
+                <a16:creationId xmlns:a16="http://schemas.microsoft.com/office/drawing/2014/main" id="{7C2BE684-C0D8-4980-A010-E47166DC0969}"/>
+              </a:ext>
+            </a:extLst>
+          </p:cNvPr>
+          <p:cNvPicPr>
+            <a:picLocks noGrp="1" noChangeAspect="1"/>
+          </p:cNvPicPr>
           <p:nvPr>
             <p:ph idx="1"/>
           </p:nvPr>
-        </p:nvSpPr>
-        <p:spPr/>
-        <p:txBody>
-          <a:bodyPr/>
-          <a:lstStyle/>
-          <a:p>
-            <a:endParaRPr lang="en-US"/>
-          </a:p>
-        </p:txBody>
-      </p:sp>
+        </p:nvPicPr>
+        <p:blipFill>
+          <a:blip r:embed="rId2"/>
+          <a:stretch>
+            <a:fillRect/>
+          </a:stretch>
+        </p:blipFill>
+        <p:spPr>
+          <a:xfrm>
+            <a:off x="838200" y="3390661"/>
+            <a:ext cx="5367542" cy="1302801"/>
+          </a:xfrm>
+        </p:spPr>
+      </p:pic>
+      <p:pic>
+        <p:nvPicPr>
+          <p:cNvPr id="5" name="Picture 4">
+            <a:extLst>
+              <a:ext uri="{FF2B5EF4-FFF2-40B4-BE49-F238E27FC236}">
+                <a16:creationId xmlns:a16="http://schemas.microsoft.com/office/drawing/2014/main" id="{A86EA93F-3CA4-4852-96A9-B6B158C049F5}"/>
+              </a:ext>
+            </a:extLst>
+          </p:cNvPr>
+          <p:cNvPicPr>
+            <a:picLocks noChangeAspect="1"/>
+          </p:cNvPicPr>
+          <p:nvPr/>
+        </p:nvPicPr>
+        <p:blipFill>
+          <a:blip r:embed="rId3">
+            <a:extLst>
+              <a:ext uri="{28A0092B-C50C-407E-A947-70E740481C1C}">
+                <a14:useLocalDpi xmlns:a14="http://schemas.microsoft.com/office/drawing/2010/main" val="0"/>
+              </a:ext>
+            </a:extLst>
+          </a:blip>
+          <a:srcRect/>
+          <a:stretch/>
+        </p:blipFill>
+        <p:spPr>
+          <a:xfrm>
+            <a:off x="838200" y="1956546"/>
+            <a:ext cx="3880553" cy="839305"/>
+          </a:xfrm>
+          <a:prstGeom prst="rect">
+            <a:avLst/>
+          </a:prstGeom>
+        </p:spPr>
+      </p:pic>
+      <p:pic>
+        <p:nvPicPr>
+          <p:cNvPr id="4" name="Picture 3">
+            <a:extLst>
+              <a:ext uri="{FF2B5EF4-FFF2-40B4-BE49-F238E27FC236}">
+                <a16:creationId xmlns:a16="http://schemas.microsoft.com/office/drawing/2014/main" id="{71AFB14F-0691-49FD-B17A-87F359D823E0}"/>
+              </a:ext>
+            </a:extLst>
+          </p:cNvPr>
+          <p:cNvPicPr>
+            <a:picLocks noChangeAspect="1"/>
+          </p:cNvPicPr>
+          <p:nvPr/>
+        </p:nvPicPr>
+        <p:blipFill>
+          <a:blip r:embed="rId4"/>
+          <a:stretch>
+            <a:fillRect/>
+          </a:stretch>
+        </p:blipFill>
+        <p:spPr>
+          <a:xfrm>
+            <a:off x="6781800" y="3313515"/>
+            <a:ext cx="3860800" cy="436084"/>
+          </a:xfrm>
+          <a:prstGeom prst="rect">
+            <a:avLst/>
+          </a:prstGeom>
+        </p:spPr>
+      </p:pic>
+      <p:pic>
+        <p:nvPicPr>
+          <p:cNvPr id="18" name="Picture 2" descr="Coin toss - Free hands and gestures icons">
+            <a:extLst>
+              <a:ext uri="{FF2B5EF4-FFF2-40B4-BE49-F238E27FC236}">
+                <a16:creationId xmlns:a16="http://schemas.microsoft.com/office/drawing/2014/main" id="{3B344862-A9E6-48DE-80B1-D40A050EB078}"/>
+              </a:ext>
+            </a:extLst>
+          </p:cNvPr>
+          <p:cNvPicPr>
+            <a:picLocks noChangeAspect="1" noChangeArrowheads="1"/>
+          </p:cNvPicPr>
+          <p:nvPr/>
+        </p:nvPicPr>
+        <p:blipFill>
+          <a:blip r:embed="rId5">
+            <a:extLst>
+              <a:ext uri="{28A0092B-C50C-407E-A947-70E740481C1C}">
+                <a14:useLocalDpi xmlns:a14="http://schemas.microsoft.com/office/drawing/2010/main" val="0"/>
+              </a:ext>
+            </a:extLst>
+          </a:blip>
+          <a:srcRect/>
+          <a:stretch>
+            <a:fillRect/>
+          </a:stretch>
+        </p:blipFill>
+        <p:spPr bwMode="auto">
+          <a:xfrm>
+            <a:off x="5308163" y="535570"/>
+            <a:ext cx="654487" cy="654487"/>
+          </a:xfrm>
+          <a:prstGeom prst="rect">
+            <a:avLst/>
+          </a:prstGeom>
+          <a:noFill/>
+          <a:extLst>
+            <a:ext uri="{909E8E84-426E-40DD-AFC4-6F175D3DCCD1}">
+              <a14:hiddenFill xmlns:a14="http://schemas.microsoft.com/office/drawing/2010/main">
+                <a:solidFill>
+                  <a:srgbClr val="FFFFFF"/>
+                </a:solidFill>
+              </a14:hiddenFill>
+            </a:ext>
+          </a:extLst>
+        </p:spPr>
+      </p:pic>
     </p:spTree>
     <p:extLst>
       <p:ext uri="{BB962C8B-B14F-4D97-AF65-F5344CB8AC3E}">
-        <p14:creationId xmlns:p14="http://schemas.microsoft.com/office/powerpoint/2010/main" val="1663096650"/>
+        <p14:creationId xmlns:p14="http://schemas.microsoft.com/office/powerpoint/2010/main" val="719772911"/>
       </p:ext>
     </p:extLst>
   </p:cSld>
   <p:clrMapOvr>
     <a:masterClrMapping/>
   </p:clrMapOvr>
+  <p:timing>
+    <p:tnLst>
+      <p:par>
+        <p:cTn id="1" dur="indefinite" restart="never" nodeType="tmRoot">
+          <p:childTnLst>
+            <p:seq concurrent="1" nextAc="seek">
+              <p:cTn id="2" dur="indefinite" nodeType="mainSeq">
+                <p:childTnLst>
+                  <p:par>
+                    <p:cTn id="3" fill="hold">
+                      <p:stCondLst>
+                        <p:cond delay="indefinite"/>
+                      </p:stCondLst>
+                      <p:childTnLst>
+                        <p:par>
+                          <p:cTn id="4" fill="hold">
+                            <p:stCondLst>
+                              <p:cond delay="0"/>
+                            </p:stCondLst>
+                            <p:childTnLst>
+                              <p:par>
+                                <p:cTn id="5" presetID="1" presetClass="entr" presetSubtype="0" fill="hold" nodeType="clickEffect">
+                                  <p:stCondLst>
+                                    <p:cond delay="0"/>
+                                  </p:stCondLst>
+                                  <p:childTnLst>
+                                    <p:set>
+                                      <p:cBhvr>
+                                        <p:cTn id="6" dur="1" fill="hold">
+                                          <p:stCondLst>
+                                            <p:cond delay="0"/>
+                                          </p:stCondLst>
+                                        </p:cTn>
+                                        <p:tgtEl>
+                                          <p:spTgt spid="4"/>
+                                        </p:tgtEl>
+                                        <p:attrNameLst>
+                                          <p:attrName>style.visibility</p:attrName>
+                                        </p:attrNameLst>
+                                      </p:cBhvr>
+                                      <p:to>
+                                        <p:strVal val="visible"/>
+                                      </p:to>
+                                    </p:set>
+                                  </p:childTnLst>
+                                </p:cTn>
+                              </p:par>
+                            </p:childTnLst>
+                          </p:cTn>
+                        </p:par>
+                      </p:childTnLst>
+                    </p:cTn>
+                  </p:par>
+                </p:childTnLst>
+              </p:cTn>
+              <p:prevCondLst>
+                <p:cond evt="onPrev" delay="0">
+                  <p:tgtEl>
+                    <p:sldTgt/>
+                  </p:tgtEl>
+                </p:cond>
+              </p:prevCondLst>
+              <p:nextCondLst>
+                <p:cond evt="onNext" delay="0">
+                  <p:tgtEl>
+                    <p:sldTgt/>
+                  </p:tgtEl>
+                </p:cond>
+              </p:nextCondLst>
+            </p:seq>
+          </p:childTnLst>
+        </p:cTn>
+      </p:par>
+    </p:tnLst>
+  </p:timing>
 </p:sld>
 </file>
 
@@ -4541,7 +7517,7 @@
           <p:cNvPr id="2" name="Title 1">
             <a:extLst>
               <a:ext uri="{FF2B5EF4-FFF2-40B4-BE49-F238E27FC236}">
-                <a16:creationId xmlns:a16="http://schemas.microsoft.com/office/drawing/2014/main" id="{31736057-43CD-41C2-A78C-BB760267C473}"/>
+                <a16:creationId xmlns:a16="http://schemas.microsoft.com/office/drawing/2014/main" id="{CFC5BF42-E956-4EFB-A45B-48BBC6BDC1BB}"/>
               </a:ext>
             </a:extLst>
           </p:cNvPr>
@@ -4559,41 +7535,51 @@
           <a:p>
             <a:r>
               <a:rPr lang="en-CH" dirty="0"/>
-              <a:t>Entropy Source Validation</a:t>
+              <a:t>Entropy Sources</a:t>
             </a:r>
             <a:endParaRPr lang="en-US" dirty="0"/>
           </a:p>
         </p:txBody>
       </p:sp>
-      <p:sp>
-        <p:nvSpPr>
-          <p:cNvPr id="3" name="Content Placeholder 2">
-            <a:extLst>
-              <a:ext uri="{FF2B5EF4-FFF2-40B4-BE49-F238E27FC236}">
-                <a16:creationId xmlns:a16="http://schemas.microsoft.com/office/drawing/2014/main" id="{69B4B02D-7F60-4D8B-ACF6-57DFCF874D0F}"/>
-              </a:ext>
-            </a:extLst>
-          </p:cNvPr>
-          <p:cNvSpPr>
-            <a:spLocks noGrp="1"/>
-          </p:cNvSpPr>
+      <p:pic>
+        <p:nvPicPr>
+          <p:cNvPr id="8" name="Content Placeholder 7" descr="Diagram&#10;&#10;Description automatically generated">
+            <a:extLst>
+              <a:ext uri="{FF2B5EF4-FFF2-40B4-BE49-F238E27FC236}">
+                <a16:creationId xmlns:a16="http://schemas.microsoft.com/office/drawing/2014/main" id="{DD8760ED-44B9-422A-8A76-3DB15B2C4DF8}"/>
+              </a:ext>
+            </a:extLst>
+          </p:cNvPr>
+          <p:cNvPicPr>
+            <a:picLocks noGrp="1" noChangeAspect="1"/>
+          </p:cNvPicPr>
           <p:nvPr>
             <p:ph idx="1"/>
           </p:nvPr>
-        </p:nvSpPr>
-        <p:spPr/>
-        <p:txBody>
-          <a:bodyPr/>
-          <a:lstStyle/>
-          <a:p>
-            <a:endParaRPr lang="en-US"/>
-          </a:p>
-        </p:txBody>
-      </p:sp>
+        </p:nvPicPr>
+        <p:blipFill>
+          <a:blip r:embed="rId2">
+            <a:extLst>
+              <a:ext uri="{28A0092B-C50C-407E-A947-70E740481C1C}">
+                <a14:useLocalDpi xmlns:a14="http://schemas.microsoft.com/office/drawing/2010/main" val="0"/>
+              </a:ext>
+            </a:extLst>
+          </a:blip>
+          <a:stretch>
+            <a:fillRect/>
+          </a:stretch>
+        </p:blipFill>
+        <p:spPr>
+          <a:xfrm>
+            <a:off x="3308289" y="1397727"/>
+            <a:ext cx="5575422" cy="4062546"/>
+          </a:xfrm>
+        </p:spPr>
+      </p:pic>
     </p:spTree>
     <p:extLst>
       <p:ext uri="{BB962C8B-B14F-4D97-AF65-F5344CB8AC3E}">
-        <p14:creationId xmlns:p14="http://schemas.microsoft.com/office/powerpoint/2010/main" val="3116634940"/>
+        <p14:creationId xmlns:p14="http://schemas.microsoft.com/office/powerpoint/2010/main" val="193221686"/>
       </p:ext>
     </p:extLst>
   </p:cSld>
@@ -4625,7 +7611,7 @@
           <p:cNvPr id="2" name="Title 1">
             <a:extLst>
               <a:ext uri="{FF2B5EF4-FFF2-40B4-BE49-F238E27FC236}">
-                <a16:creationId xmlns:a16="http://schemas.microsoft.com/office/drawing/2014/main" id="{99C5CF71-305E-462F-B772-493ECAACCFC6}"/>
+                <a16:creationId xmlns:a16="http://schemas.microsoft.com/office/drawing/2014/main" id="{32C95B2E-249A-4F8A-94F4-B7BEEC91E84B}"/>
               </a:ext>
             </a:extLst>
           </p:cNvPr>
@@ -4643,7 +7629,7 @@
           <a:p>
             <a:r>
               <a:rPr lang="en-CH" dirty="0"/>
-              <a:t>Randomness Extraction</a:t>
+              <a:t>Entropy Sources – Noise</a:t>
             </a:r>
             <a:endParaRPr lang="en-US" dirty="0"/>
           </a:p>
@@ -4654,7 +7640,7 @@
           <p:cNvPr id="3" name="Content Placeholder 2">
             <a:extLst>
               <a:ext uri="{FF2B5EF4-FFF2-40B4-BE49-F238E27FC236}">
-                <a16:creationId xmlns:a16="http://schemas.microsoft.com/office/drawing/2014/main" id="{C14F97BF-269C-404F-99FA-A81F9B2FCFB4}"/>
+                <a16:creationId xmlns:a16="http://schemas.microsoft.com/office/drawing/2014/main" id="{8E0662B3-CD3C-42C6-A613-A29844C59400}"/>
               </a:ext>
             </a:extLst>
           </p:cNvPr>
@@ -4670,14 +7656,69 @@
           <a:bodyPr/>
           <a:lstStyle/>
           <a:p>
-            <a:endParaRPr lang="en-US"/>
+            <a:r>
+              <a:rPr lang="en-CH" dirty="0"/>
+              <a:t>Measuring user dependent </a:t>
+            </a:r>
+            <a:r>
+              <a:rPr lang="en-CH" dirty="0" err="1"/>
+              <a:t>behavior</a:t>
+            </a:r>
+            <a:endParaRPr lang="en-CH" dirty="0"/>
+          </a:p>
+          <a:p>
+            <a:pPr lvl="1"/>
+            <a:r>
+              <a:rPr lang="en-CH" dirty="0"/>
+              <a:t>Mouse movement</a:t>
+            </a:r>
+          </a:p>
+          <a:p>
+            <a:pPr lvl="1"/>
+            <a:r>
+              <a:rPr lang="en-US" dirty="0"/>
+              <a:t>K</a:t>
+            </a:r>
+            <a:r>
+              <a:rPr lang="en-CH" dirty="0" err="1"/>
+              <a:t>eyboard</a:t>
+            </a:r>
+            <a:r>
+              <a:rPr lang="en-CH" dirty="0"/>
+              <a:t> stroke timings</a:t>
+            </a:r>
+          </a:p>
+          <a:p>
+            <a:r>
+              <a:rPr lang="en-CH" dirty="0"/>
+              <a:t>Timing of past events</a:t>
+            </a:r>
+          </a:p>
+          <a:p>
+            <a:pPr lvl="1"/>
+            <a:r>
+              <a:rPr lang="en-CH" dirty="0"/>
+              <a:t>Last disk operation</a:t>
+            </a:r>
+          </a:p>
+          <a:p>
+            <a:r>
+              <a:rPr lang="en-CH" dirty="0"/>
+              <a:t>Thermal noise</a:t>
+            </a:r>
+          </a:p>
+          <a:p>
+            <a:r>
+              <a:rPr lang="en-CH" dirty="0"/>
+              <a:t>Temperature</a:t>
+            </a:r>
           </a:p>
         </p:txBody>
       </p:sp>
     </p:spTree>
     <p:extLst>
       <p:ext uri="{BB962C8B-B14F-4D97-AF65-F5344CB8AC3E}">
-        <p14:creationId xmlns:p14="http://schemas.microsoft.com/office/powerpoint/2010/main" val="2273462571"/>
+        <p14:creationId xmlns:p14="http://schemas.microsoft.com/office/powerpoint/2010/main" val="4027087014"/>
       </p:ext>
     </p:extLst>
   </p:cSld>
@@ -4709,7 +7750,7 @@
           <p:cNvPr id="2" name="Title 1">
             <a:extLst>
               <a:ext uri="{FF2B5EF4-FFF2-40B4-BE49-F238E27FC236}">
-                <a16:creationId xmlns:a16="http://schemas.microsoft.com/office/drawing/2014/main" id="{99C5CF71-305E-462F-B772-493ECAACCFC6}"/>
+                <a16:creationId xmlns:a16="http://schemas.microsoft.com/office/drawing/2014/main" id="{F6395FC7-0AD5-46D1-9BA5-1728C5D19CB2}"/>
               </a:ext>
             </a:extLst>
           </p:cNvPr>
@@ -4727,7 +7768,7 @@
           <a:p>
             <a:r>
               <a:rPr lang="en-CH" dirty="0"/>
-              <a:t>Randomness Extraction - Example</a:t>
+              <a:t>Entropy Sources – Digitizing</a:t>
             </a:r>
             <a:endParaRPr lang="en-US" dirty="0"/>
           </a:p>
@@ -4738,7 +7779,7 @@
           <p:cNvPr id="3" name="Content Placeholder 2">
             <a:extLst>
               <a:ext uri="{FF2B5EF4-FFF2-40B4-BE49-F238E27FC236}">
-                <a16:creationId xmlns:a16="http://schemas.microsoft.com/office/drawing/2014/main" id="{C14F97BF-269C-404F-99FA-A81F9B2FCFB4}"/>
+                <a16:creationId xmlns:a16="http://schemas.microsoft.com/office/drawing/2014/main" id="{A5ECDD8E-DEB3-4CB1-94F2-62A487B1B1DA}"/>
               </a:ext>
             </a:extLst>
           </p:cNvPr>
@@ -4754,14 +7795,30 @@
           <a:bodyPr/>
           <a:lstStyle/>
           <a:p>
-            <a:endParaRPr lang="en-US"/>
+            <a:r>
+              <a:rPr lang="en-CH" dirty="0"/>
+              <a:t>Quality</a:t>
+            </a:r>
+          </a:p>
+          <a:p>
+            <a:r>
+              <a:rPr lang="en-CH" dirty="0"/>
+              <a:t>Performance</a:t>
+            </a:r>
+          </a:p>
+          <a:p>
+            <a:r>
+              <a:rPr lang="en-CH" dirty="0"/>
+              <a:t>Additional noise sources</a:t>
+            </a:r>
+            <a:endParaRPr lang="en-US" dirty="0"/>
           </a:p>
         </p:txBody>
       </p:sp>
     </p:spTree>
     <p:extLst>
       <p:ext uri="{BB962C8B-B14F-4D97-AF65-F5344CB8AC3E}">
-        <p14:creationId xmlns:p14="http://schemas.microsoft.com/office/powerpoint/2010/main" val="1909500453"/>
+        <p14:creationId xmlns:p14="http://schemas.microsoft.com/office/powerpoint/2010/main" val="1946705058"/>
       </p:ext>
     </p:extLst>
   </p:cSld>

--- a/presentation/presentation.pptx
+++ b/presentation/presentation.pptx
@@ -1158,38 +1158,74 @@
           </a:lstStyle>
           <a:p>
             <a:r>
-              <a:rPr lang="en-US" dirty="0"/>
+              <a:rPr lang="en-US" dirty="0">
+                <a:latin typeface="CMU Sans Serif" panose="02000603000000000000" pitchFamily="2" charset="0"/>
+                <a:ea typeface="CMU Sans Serif" panose="02000603000000000000" pitchFamily="2" charset="0"/>
+                <a:cs typeface="CMU Sans Serif" panose="02000603000000000000" pitchFamily="2" charset="0"/>
+              </a:rPr>
               <a:t>Entropy </a:t>
             </a:r>
             <a:r>
-              <a:rPr lang="en-CH" dirty="0"/>
+              <a:rPr lang="en-CH" dirty="0">
+                <a:latin typeface="CMU Sans Serif" panose="02000603000000000000" pitchFamily="2" charset="0"/>
+                <a:ea typeface="CMU Sans Serif" panose="02000603000000000000" pitchFamily="2" charset="0"/>
+                <a:cs typeface="CMU Sans Serif" panose="02000603000000000000" pitchFamily="2" charset="0"/>
+              </a:rPr>
               <a:t>S</a:t>
             </a:r>
             <a:r>
-              <a:rPr lang="en-US" dirty="0" err="1"/>
+              <a:rPr lang="en-US" dirty="0" err="1">
+                <a:latin typeface="CMU Sans Serif" panose="02000603000000000000" pitchFamily="2" charset="0"/>
+                <a:ea typeface="CMU Sans Serif" panose="02000603000000000000" pitchFamily="2" charset="0"/>
+                <a:cs typeface="CMU Sans Serif" panose="02000603000000000000" pitchFamily="2" charset="0"/>
+              </a:rPr>
               <a:t>ources</a:t>
             </a:r>
             <a:r>
-              <a:rPr lang="en-US" dirty="0"/>
+              <a:rPr lang="en-US" dirty="0">
+                <a:latin typeface="CMU Sans Serif" panose="02000603000000000000" pitchFamily="2" charset="0"/>
+                <a:ea typeface="CMU Sans Serif" panose="02000603000000000000" pitchFamily="2" charset="0"/>
+                <a:cs typeface="CMU Sans Serif" panose="02000603000000000000" pitchFamily="2" charset="0"/>
+              </a:rPr>
               <a:t> for </a:t>
             </a:r>
             <a:r>
-              <a:rPr lang="en-CH" dirty="0"/>
+              <a:rPr lang="en-CH" dirty="0">
+                <a:latin typeface="CMU Sans Serif" panose="02000603000000000000" pitchFamily="2" charset="0"/>
+                <a:ea typeface="CMU Sans Serif" panose="02000603000000000000" pitchFamily="2" charset="0"/>
+                <a:cs typeface="CMU Sans Serif" panose="02000603000000000000" pitchFamily="2" charset="0"/>
+              </a:rPr>
               <a:t>S</a:t>
             </a:r>
             <a:r>
-              <a:rPr lang="en-US" dirty="0" err="1"/>
+              <a:rPr lang="en-US" dirty="0" err="1">
+                <a:latin typeface="CMU Sans Serif" panose="02000603000000000000" pitchFamily="2" charset="0"/>
+                <a:ea typeface="CMU Sans Serif" panose="02000603000000000000" pitchFamily="2" charset="0"/>
+                <a:cs typeface="CMU Sans Serif" panose="02000603000000000000" pitchFamily="2" charset="0"/>
+              </a:rPr>
               <a:t>eeding</a:t>
             </a:r>
             <a:r>
-              <a:rPr lang="en-US" dirty="0"/>
+              <a:rPr lang="en-US" dirty="0">
+                <a:latin typeface="CMU Sans Serif" panose="02000603000000000000" pitchFamily="2" charset="0"/>
+                <a:ea typeface="CMU Sans Serif" panose="02000603000000000000" pitchFamily="2" charset="0"/>
+                <a:cs typeface="CMU Sans Serif" panose="02000603000000000000" pitchFamily="2" charset="0"/>
+              </a:rPr>
               <a:t> </a:t>
             </a:r>
             <a:r>
-              <a:rPr lang="en-CH" dirty="0"/>
+              <a:rPr lang="en-CH" dirty="0">
+                <a:latin typeface="CMU Sans Serif" panose="02000603000000000000" pitchFamily="2" charset="0"/>
+                <a:ea typeface="CMU Sans Serif" panose="02000603000000000000" pitchFamily="2" charset="0"/>
+                <a:cs typeface="CMU Sans Serif" panose="02000603000000000000" pitchFamily="2" charset="0"/>
+              </a:rPr>
               <a:t>PRNGs</a:t>
             </a:r>
-            <a:endParaRPr lang="en-US" dirty="0"/>
+            <a:endParaRPr lang="en-US" dirty="0">
+              <a:latin typeface="CMU Sans Serif" panose="02000603000000000000" pitchFamily="2" charset="0"/>
+              <a:ea typeface="CMU Sans Serif" panose="02000603000000000000" pitchFamily="2" charset="0"/>
+              <a:cs typeface="CMU Sans Serif" panose="02000603000000000000" pitchFamily="2" charset="0"/>
+            </a:endParaRPr>
           </a:p>
         </p:txBody>
       </p:sp>
@@ -1317,10 +1353,18 @@
           </a:lstStyle>
           <a:p>
             <a:r>
-              <a:rPr lang="en-CH"/>
+              <a:rPr lang="en-CH">
+                <a:latin typeface="CMU Sans Serif" panose="02000603000000000000" pitchFamily="2" charset="0"/>
+                <a:ea typeface="CMU Sans Serif" panose="02000603000000000000" pitchFamily="2" charset="0"/>
+                <a:cs typeface="CMU Sans Serif" panose="02000603000000000000" pitchFamily="2" charset="0"/>
+              </a:rPr>
               <a:t>Matthias Thomann</a:t>
             </a:r>
-            <a:endParaRPr lang="en-US" dirty="0"/>
+            <a:endParaRPr lang="en-US" dirty="0">
+              <a:latin typeface="CMU Sans Serif" panose="02000603000000000000" pitchFamily="2" charset="0"/>
+              <a:ea typeface="CMU Sans Serif" panose="02000603000000000000" pitchFamily="2" charset="0"/>
+              <a:cs typeface="CMU Sans Serif" panose="02000603000000000000" pitchFamily="2" charset="0"/>
+            </a:endParaRPr>
           </a:p>
         </p:txBody>
       </p:sp>
@@ -3808,6 +3852,116 @@
           </a:p>
         </p:txBody>
       </p:sp>
+      <p:sp>
+        <p:nvSpPr>
+          <p:cNvPr id="4" name="Rectangle 3">
+            <a:extLst>
+              <a:ext uri="{FF2B5EF4-FFF2-40B4-BE49-F238E27FC236}">
+                <a16:creationId xmlns:a16="http://schemas.microsoft.com/office/drawing/2014/main" id="{4002A566-0B52-4692-88ED-29B0E692D513}"/>
+              </a:ext>
+            </a:extLst>
+          </p:cNvPr>
+          <p:cNvSpPr/>
+          <p:nvPr/>
+        </p:nvSpPr>
+        <p:spPr>
+          <a:xfrm>
+            <a:off x="0" y="0"/>
+            <a:ext cx="12192000" cy="209427"/>
+          </a:xfrm>
+          <a:prstGeom prst="rect">
+            <a:avLst/>
+          </a:prstGeom>
+          <a:solidFill>
+            <a:schemeClr val="tx1">
+              <a:lumMod val="50000"/>
+              <a:lumOff val="50000"/>
+            </a:schemeClr>
+          </a:solidFill>
+          <a:ln>
+            <a:noFill/>
+          </a:ln>
+        </p:spPr>
+        <p:style>
+          <a:lnRef idx="2">
+            <a:schemeClr val="accent1">
+              <a:shade val="50000"/>
+            </a:schemeClr>
+          </a:lnRef>
+          <a:fillRef idx="1">
+            <a:schemeClr val="accent1"/>
+          </a:fillRef>
+          <a:effectRef idx="0">
+            <a:schemeClr val="accent1"/>
+          </a:effectRef>
+          <a:fontRef idx="minor">
+            <a:schemeClr val="lt1"/>
+          </a:fontRef>
+        </p:style>
+        <p:txBody>
+          <a:bodyPr rtlCol="0" anchor="ctr"/>
+          <a:lstStyle/>
+          <a:p>
+            <a:pPr algn="ctr"/>
+            <a:endParaRPr lang="en-US"/>
+          </a:p>
+        </p:txBody>
+      </p:sp>
+      <p:sp>
+        <p:nvSpPr>
+          <p:cNvPr id="5" name="Rectangle 4">
+            <a:extLst>
+              <a:ext uri="{FF2B5EF4-FFF2-40B4-BE49-F238E27FC236}">
+                <a16:creationId xmlns:a16="http://schemas.microsoft.com/office/drawing/2014/main" id="{234097A6-33E6-45E4-9D56-AE0B2F530FDE}"/>
+              </a:ext>
+            </a:extLst>
+          </p:cNvPr>
+          <p:cNvSpPr/>
+          <p:nvPr/>
+        </p:nvSpPr>
+        <p:spPr>
+          <a:xfrm>
+            <a:off x="0" y="-1"/>
+            <a:ext cx="6836400" cy="209427"/>
+          </a:xfrm>
+          <a:prstGeom prst="rect">
+            <a:avLst/>
+          </a:prstGeom>
+          <a:solidFill>
+            <a:schemeClr val="accent4">
+              <a:lumMod val="60000"/>
+              <a:lumOff val="40000"/>
+            </a:schemeClr>
+          </a:solidFill>
+          <a:ln>
+            <a:noFill/>
+          </a:ln>
+        </p:spPr>
+        <p:style>
+          <a:lnRef idx="2">
+            <a:schemeClr val="accent1">
+              <a:shade val="50000"/>
+            </a:schemeClr>
+          </a:lnRef>
+          <a:fillRef idx="1">
+            <a:schemeClr val="accent1"/>
+          </a:fillRef>
+          <a:effectRef idx="0">
+            <a:schemeClr val="accent1"/>
+          </a:effectRef>
+          <a:fontRef idx="minor">
+            <a:schemeClr val="lt1"/>
+          </a:fontRef>
+        </p:style>
+        <p:txBody>
+          <a:bodyPr rtlCol="0" anchor="ctr"/>
+          <a:lstStyle/>
+          <a:p>
+            <a:pPr algn="ctr"/>
+            <a:endParaRPr lang="en-US"/>
+          </a:p>
+        </p:txBody>
+      </p:sp>
     </p:spTree>
     <p:extLst>
       <p:ext uri="{BB962C8B-B14F-4D97-AF65-F5344CB8AC3E}">
@@ -3944,6 +4098,116 @@
           </a:p>
         </p:txBody>
       </p:sp>
+      <p:sp>
+        <p:nvSpPr>
+          <p:cNvPr id="4" name="Rectangle 3">
+            <a:extLst>
+              <a:ext uri="{FF2B5EF4-FFF2-40B4-BE49-F238E27FC236}">
+                <a16:creationId xmlns:a16="http://schemas.microsoft.com/office/drawing/2014/main" id="{DEA04D9B-2923-4511-A147-B5A95BCBD948}"/>
+              </a:ext>
+            </a:extLst>
+          </p:cNvPr>
+          <p:cNvSpPr/>
+          <p:nvPr/>
+        </p:nvSpPr>
+        <p:spPr>
+          <a:xfrm>
+            <a:off x="0" y="0"/>
+            <a:ext cx="12192000" cy="209427"/>
+          </a:xfrm>
+          <a:prstGeom prst="rect">
+            <a:avLst/>
+          </a:prstGeom>
+          <a:solidFill>
+            <a:schemeClr val="tx1">
+              <a:lumMod val="50000"/>
+              <a:lumOff val="50000"/>
+            </a:schemeClr>
+          </a:solidFill>
+          <a:ln>
+            <a:noFill/>
+          </a:ln>
+        </p:spPr>
+        <p:style>
+          <a:lnRef idx="2">
+            <a:schemeClr val="accent1">
+              <a:shade val="50000"/>
+            </a:schemeClr>
+          </a:lnRef>
+          <a:fillRef idx="1">
+            <a:schemeClr val="accent1"/>
+          </a:fillRef>
+          <a:effectRef idx="0">
+            <a:schemeClr val="accent1"/>
+          </a:effectRef>
+          <a:fontRef idx="minor">
+            <a:schemeClr val="lt1"/>
+          </a:fontRef>
+        </p:style>
+        <p:txBody>
+          <a:bodyPr rtlCol="0" anchor="ctr"/>
+          <a:lstStyle/>
+          <a:p>
+            <a:pPr algn="ctr"/>
+            <a:endParaRPr lang="en-US"/>
+          </a:p>
+        </p:txBody>
+      </p:sp>
+      <p:sp>
+        <p:nvSpPr>
+          <p:cNvPr id="5" name="Rectangle 4">
+            <a:extLst>
+              <a:ext uri="{FF2B5EF4-FFF2-40B4-BE49-F238E27FC236}">
+                <a16:creationId xmlns:a16="http://schemas.microsoft.com/office/drawing/2014/main" id="{784F982C-CD6D-46E8-A243-93C7F3B0FED2}"/>
+              </a:ext>
+            </a:extLst>
+          </p:cNvPr>
+          <p:cNvSpPr/>
+          <p:nvPr/>
+        </p:nvSpPr>
+        <p:spPr>
+          <a:xfrm>
+            <a:off x="0" y="-1"/>
+            <a:ext cx="7596000" cy="209427"/>
+          </a:xfrm>
+          <a:prstGeom prst="rect">
+            <a:avLst/>
+          </a:prstGeom>
+          <a:solidFill>
+            <a:schemeClr val="accent4">
+              <a:lumMod val="60000"/>
+              <a:lumOff val="40000"/>
+            </a:schemeClr>
+          </a:solidFill>
+          <a:ln>
+            <a:noFill/>
+          </a:ln>
+        </p:spPr>
+        <p:style>
+          <a:lnRef idx="2">
+            <a:schemeClr val="accent1">
+              <a:shade val="50000"/>
+            </a:schemeClr>
+          </a:lnRef>
+          <a:fillRef idx="1">
+            <a:schemeClr val="accent1"/>
+          </a:fillRef>
+          <a:effectRef idx="0">
+            <a:schemeClr val="accent1"/>
+          </a:effectRef>
+          <a:fontRef idx="minor">
+            <a:schemeClr val="lt1"/>
+          </a:fontRef>
+        </p:style>
+        <p:txBody>
+          <a:bodyPr rtlCol="0" anchor="ctr"/>
+          <a:lstStyle/>
+          <a:p>
+            <a:pPr algn="ctr"/>
+            <a:endParaRPr lang="en-US"/>
+          </a:p>
+        </p:txBody>
+      </p:sp>
     </p:spTree>
     <p:extLst>
       <p:ext uri="{BB962C8B-B14F-4D97-AF65-F5344CB8AC3E}">
@@ -3954,6 +4218,178 @@
   <p:clrMapOvr>
     <a:masterClrMapping/>
   </p:clrMapOvr>
+  <p:timing>
+    <p:tnLst>
+      <p:par>
+        <p:cTn id="1" dur="indefinite" restart="never" nodeType="tmRoot">
+          <p:childTnLst>
+            <p:seq concurrent="1" nextAc="seek">
+              <p:cTn id="2" dur="indefinite" nodeType="mainSeq">
+                <p:childTnLst>
+                  <p:par>
+                    <p:cTn id="3" fill="hold">
+                      <p:stCondLst>
+                        <p:cond delay="indefinite"/>
+                      </p:stCondLst>
+                      <p:childTnLst>
+                        <p:par>
+                          <p:cTn id="4" fill="hold">
+                            <p:stCondLst>
+                              <p:cond delay="0"/>
+                            </p:stCondLst>
+                            <p:childTnLst>
+                              <p:par>
+                                <p:cTn id="5" presetID="1" presetClass="entr" presetSubtype="0" fill="hold" nodeType="clickEffect">
+                                  <p:stCondLst>
+                                    <p:cond delay="0"/>
+                                  </p:stCondLst>
+                                  <p:childTnLst>
+                                    <p:set>
+                                      <p:cBhvr>
+                                        <p:cTn id="6" dur="1" fill="hold">
+                                          <p:stCondLst>
+                                            <p:cond delay="0"/>
+                                          </p:stCondLst>
+                                        </p:cTn>
+                                        <p:tgtEl>
+                                          <p:spTgt spid="3">
+                                            <p:txEl>
+                                              <p:pRg st="4" end="4"/>
+                                            </p:txEl>
+                                          </p:spTgt>
+                                        </p:tgtEl>
+                                        <p:attrNameLst>
+                                          <p:attrName>style.visibility</p:attrName>
+                                        </p:attrNameLst>
+                                      </p:cBhvr>
+                                      <p:to>
+                                        <p:strVal val="visible"/>
+                                      </p:to>
+                                    </p:set>
+                                  </p:childTnLst>
+                                </p:cTn>
+                              </p:par>
+                              <p:par>
+                                <p:cTn id="7" presetID="1" presetClass="entr" presetSubtype="0" fill="hold" nodeType="withEffect">
+                                  <p:stCondLst>
+                                    <p:cond delay="0"/>
+                                  </p:stCondLst>
+                                  <p:childTnLst>
+                                    <p:set>
+                                      <p:cBhvr>
+                                        <p:cTn id="8" dur="1" fill="hold">
+                                          <p:stCondLst>
+                                            <p:cond delay="0"/>
+                                          </p:stCondLst>
+                                        </p:cTn>
+                                        <p:tgtEl>
+                                          <p:spTgt spid="3">
+                                            <p:txEl>
+                                              <p:pRg st="5" end="5"/>
+                                            </p:txEl>
+                                          </p:spTgt>
+                                        </p:tgtEl>
+                                        <p:attrNameLst>
+                                          <p:attrName>style.visibility</p:attrName>
+                                        </p:attrNameLst>
+                                      </p:cBhvr>
+                                      <p:to>
+                                        <p:strVal val="visible"/>
+                                      </p:to>
+                                    </p:set>
+                                  </p:childTnLst>
+                                </p:cTn>
+                              </p:par>
+                              <p:par>
+                                <p:cTn id="9" presetID="1" presetClass="entr" presetSubtype="0" fill="hold" nodeType="withEffect">
+                                  <p:stCondLst>
+                                    <p:cond delay="0"/>
+                                  </p:stCondLst>
+                                  <p:childTnLst>
+                                    <p:set>
+                                      <p:cBhvr>
+                                        <p:cTn id="10" dur="1" fill="hold">
+                                          <p:stCondLst>
+                                            <p:cond delay="0"/>
+                                          </p:stCondLst>
+                                        </p:cTn>
+                                        <p:tgtEl>
+                                          <p:spTgt spid="3">
+                                            <p:txEl>
+                                              <p:pRg st="6" end="6"/>
+                                            </p:txEl>
+                                          </p:spTgt>
+                                        </p:tgtEl>
+                                        <p:attrNameLst>
+                                          <p:attrName>style.visibility</p:attrName>
+                                        </p:attrNameLst>
+                                      </p:cBhvr>
+                                      <p:to>
+                                        <p:strVal val="visible"/>
+                                      </p:to>
+                                    </p:set>
+                                  </p:childTnLst>
+                                </p:cTn>
+                              </p:par>
+                              <p:par>
+                                <p:cTn id="11" presetID="1" presetClass="entr" presetSubtype="0" fill="hold" nodeType="withEffect">
+                                  <p:stCondLst>
+                                    <p:cond delay="0"/>
+                                  </p:stCondLst>
+                                  <p:childTnLst>
+                                    <p:set>
+                                      <p:cBhvr>
+                                        <p:cTn id="12" dur="1" fill="hold">
+                                          <p:stCondLst>
+                                            <p:cond delay="0"/>
+                                          </p:stCondLst>
+                                        </p:cTn>
+                                        <p:tgtEl>
+                                          <p:spTgt spid="3">
+                                            <p:txEl>
+                                              <p:pRg st="7" end="7"/>
+                                            </p:txEl>
+                                          </p:spTgt>
+                                        </p:tgtEl>
+                                        <p:attrNameLst>
+                                          <p:attrName>style.visibility</p:attrName>
+                                        </p:attrNameLst>
+                                      </p:cBhvr>
+                                      <p:to>
+                                        <p:strVal val="visible"/>
+                                      </p:to>
+                                    </p:set>
+                                  </p:childTnLst>
+                                </p:cTn>
+                              </p:par>
+                            </p:childTnLst>
+                          </p:cTn>
+                        </p:par>
+                      </p:childTnLst>
+                    </p:cTn>
+                  </p:par>
+                </p:childTnLst>
+              </p:cTn>
+              <p:prevCondLst>
+                <p:cond evt="onPrev" delay="0">
+                  <p:tgtEl>
+                    <p:sldTgt/>
+                  </p:tgtEl>
+                </p:cond>
+              </p:prevCondLst>
+              <p:nextCondLst>
+                <p:cond evt="onNext" delay="0">
+                  <p:tgtEl>
+                    <p:sldTgt/>
+                  </p:tgtEl>
+                </p:cond>
+              </p:nextCondLst>
+            </p:seq>
+          </p:childTnLst>
+        </p:cTn>
+      </p:par>
+    </p:tnLst>
+  </p:timing>
 </p:sld>
 </file>
 
@@ -4041,6 +4477,116 @@
               <a:t>Von Neumann’s middle-square method</a:t>
             </a:r>
             <a:endParaRPr lang="en-US" dirty="0"/>
+          </a:p>
+        </p:txBody>
+      </p:sp>
+      <p:sp>
+        <p:nvSpPr>
+          <p:cNvPr id="4" name="Rectangle 3">
+            <a:extLst>
+              <a:ext uri="{FF2B5EF4-FFF2-40B4-BE49-F238E27FC236}">
+                <a16:creationId xmlns:a16="http://schemas.microsoft.com/office/drawing/2014/main" id="{E7CB17C3-F699-4E42-9ABC-EEDBEACABFC8}"/>
+              </a:ext>
+            </a:extLst>
+          </p:cNvPr>
+          <p:cNvSpPr/>
+          <p:nvPr/>
+        </p:nvSpPr>
+        <p:spPr>
+          <a:xfrm>
+            <a:off x="0" y="0"/>
+            <a:ext cx="12192000" cy="209427"/>
+          </a:xfrm>
+          <a:prstGeom prst="rect">
+            <a:avLst/>
+          </a:prstGeom>
+          <a:solidFill>
+            <a:schemeClr val="tx1">
+              <a:lumMod val="50000"/>
+              <a:lumOff val="50000"/>
+            </a:schemeClr>
+          </a:solidFill>
+          <a:ln>
+            <a:noFill/>
+          </a:ln>
+        </p:spPr>
+        <p:style>
+          <a:lnRef idx="2">
+            <a:schemeClr val="accent1">
+              <a:shade val="50000"/>
+            </a:schemeClr>
+          </a:lnRef>
+          <a:fillRef idx="1">
+            <a:schemeClr val="accent1"/>
+          </a:fillRef>
+          <a:effectRef idx="0">
+            <a:schemeClr val="accent1"/>
+          </a:effectRef>
+          <a:fontRef idx="minor">
+            <a:schemeClr val="lt1"/>
+          </a:fontRef>
+        </p:style>
+        <p:txBody>
+          <a:bodyPr rtlCol="0" anchor="ctr"/>
+          <a:lstStyle/>
+          <a:p>
+            <a:pPr algn="ctr"/>
+            <a:endParaRPr lang="en-US"/>
+          </a:p>
+        </p:txBody>
+      </p:sp>
+      <p:sp>
+        <p:nvSpPr>
+          <p:cNvPr id="5" name="Rectangle 4">
+            <a:extLst>
+              <a:ext uri="{FF2B5EF4-FFF2-40B4-BE49-F238E27FC236}">
+                <a16:creationId xmlns:a16="http://schemas.microsoft.com/office/drawing/2014/main" id="{20A69E7A-A99D-4C78-8D9A-8B2EC42058D2}"/>
+              </a:ext>
+            </a:extLst>
+          </p:cNvPr>
+          <p:cNvSpPr/>
+          <p:nvPr/>
+        </p:nvSpPr>
+        <p:spPr>
+          <a:xfrm>
+            <a:off x="0" y="-1"/>
+            <a:ext cx="8355600" cy="209427"/>
+          </a:xfrm>
+          <a:prstGeom prst="rect">
+            <a:avLst/>
+          </a:prstGeom>
+          <a:solidFill>
+            <a:schemeClr val="accent4">
+              <a:lumMod val="60000"/>
+              <a:lumOff val="40000"/>
+            </a:schemeClr>
+          </a:solidFill>
+          <a:ln>
+            <a:noFill/>
+          </a:ln>
+        </p:spPr>
+        <p:style>
+          <a:lnRef idx="2">
+            <a:schemeClr val="accent1">
+              <a:shade val="50000"/>
+            </a:schemeClr>
+          </a:lnRef>
+          <a:fillRef idx="1">
+            <a:schemeClr val="accent1"/>
+          </a:fillRef>
+          <a:effectRef idx="0">
+            <a:schemeClr val="accent1"/>
+          </a:effectRef>
+          <a:fontRef idx="minor">
+            <a:schemeClr val="lt1"/>
+          </a:fontRef>
+        </p:style>
+        <p:txBody>
+          <a:bodyPr rtlCol="0" anchor="ctr"/>
+          <a:lstStyle/>
+          <a:p>
+            <a:pPr algn="ctr"/>
+            <a:endParaRPr lang="en-US"/>
           </a:p>
         </p:txBody>
       </p:sp>
@@ -4103,8 +4649,8 @@
           </a:p>
         </p:txBody>
       </p:sp>
-      <mc:AlternateContent xmlns:mc="http://schemas.openxmlformats.org/markup-compatibility/2006">
-        <mc:Choice xmlns:a14="http://schemas.microsoft.com/office/drawing/2010/main" Requires="a14">
+      <mc:AlternateContent xmlns:mc="http://schemas.openxmlformats.org/markup-compatibility/2006" xmlns:a14="http://schemas.microsoft.com/office/drawing/2010/main">
+        <mc:Choice Requires="a14">
           <p:sp>
             <p:nvSpPr>
               <p:cNvPr id="3" name="Content Placeholder 2">
@@ -4305,7 +4851,7 @@
             </p:txBody>
           </p:sp>
         </mc:Choice>
-        <mc:Fallback>
+        <mc:Fallback xmlns="">
           <p:sp>
             <p:nvSpPr>
               <p:cNvPr id="3" name="Content Placeholder 2">
@@ -4345,6 +4891,116 @@
           </p:sp>
         </mc:Fallback>
       </mc:AlternateContent>
+      <p:sp>
+        <p:nvSpPr>
+          <p:cNvPr id="4" name="Rectangle 3">
+            <a:extLst>
+              <a:ext uri="{FF2B5EF4-FFF2-40B4-BE49-F238E27FC236}">
+                <a16:creationId xmlns:a16="http://schemas.microsoft.com/office/drawing/2014/main" id="{ED0562BA-5FAD-47FC-912D-6B8AB32DFED6}"/>
+              </a:ext>
+            </a:extLst>
+          </p:cNvPr>
+          <p:cNvSpPr/>
+          <p:nvPr/>
+        </p:nvSpPr>
+        <p:spPr>
+          <a:xfrm>
+            <a:off x="0" y="0"/>
+            <a:ext cx="12192000" cy="209427"/>
+          </a:xfrm>
+          <a:prstGeom prst="rect">
+            <a:avLst/>
+          </a:prstGeom>
+          <a:solidFill>
+            <a:schemeClr val="tx1">
+              <a:lumMod val="50000"/>
+              <a:lumOff val="50000"/>
+            </a:schemeClr>
+          </a:solidFill>
+          <a:ln>
+            <a:noFill/>
+          </a:ln>
+        </p:spPr>
+        <p:style>
+          <a:lnRef idx="2">
+            <a:schemeClr val="accent1">
+              <a:shade val="50000"/>
+            </a:schemeClr>
+          </a:lnRef>
+          <a:fillRef idx="1">
+            <a:schemeClr val="accent1"/>
+          </a:fillRef>
+          <a:effectRef idx="0">
+            <a:schemeClr val="accent1"/>
+          </a:effectRef>
+          <a:fontRef idx="minor">
+            <a:schemeClr val="lt1"/>
+          </a:fontRef>
+        </p:style>
+        <p:txBody>
+          <a:bodyPr rtlCol="0" anchor="ctr"/>
+          <a:lstStyle/>
+          <a:p>
+            <a:pPr algn="ctr"/>
+            <a:endParaRPr lang="en-US"/>
+          </a:p>
+        </p:txBody>
+      </p:sp>
+      <p:sp>
+        <p:nvSpPr>
+          <p:cNvPr id="5" name="Rectangle 4">
+            <a:extLst>
+              <a:ext uri="{FF2B5EF4-FFF2-40B4-BE49-F238E27FC236}">
+                <a16:creationId xmlns:a16="http://schemas.microsoft.com/office/drawing/2014/main" id="{917B52BD-C470-4A39-80DE-36BB9A090EEE}"/>
+              </a:ext>
+            </a:extLst>
+          </p:cNvPr>
+          <p:cNvSpPr/>
+          <p:nvPr/>
+        </p:nvSpPr>
+        <p:spPr>
+          <a:xfrm>
+            <a:off x="0" y="-1"/>
+            <a:ext cx="9115200" cy="209427"/>
+          </a:xfrm>
+          <a:prstGeom prst="rect">
+            <a:avLst/>
+          </a:prstGeom>
+          <a:solidFill>
+            <a:schemeClr val="accent4">
+              <a:lumMod val="60000"/>
+              <a:lumOff val="40000"/>
+            </a:schemeClr>
+          </a:solidFill>
+          <a:ln>
+            <a:noFill/>
+          </a:ln>
+        </p:spPr>
+        <p:style>
+          <a:lnRef idx="2">
+            <a:schemeClr val="accent1">
+              <a:shade val="50000"/>
+            </a:schemeClr>
+          </a:lnRef>
+          <a:fillRef idx="1">
+            <a:schemeClr val="accent1"/>
+          </a:fillRef>
+          <a:effectRef idx="0">
+            <a:schemeClr val="accent1"/>
+          </a:effectRef>
+          <a:fontRef idx="minor">
+            <a:schemeClr val="lt1"/>
+          </a:fontRef>
+        </p:style>
+        <p:txBody>
+          <a:bodyPr rtlCol="0" anchor="ctr"/>
+          <a:lstStyle/>
+          <a:p>
+            <a:pPr algn="ctr"/>
+            <a:endParaRPr lang="en-US"/>
+          </a:p>
+        </p:txBody>
+      </p:sp>
     </p:spTree>
     <p:extLst>
       <p:ext uri="{BB962C8B-B14F-4D97-AF65-F5344CB8AC3E}">
@@ -4630,8 +5286,8 @@
           </a:p>
         </p:txBody>
       </p:sp>
-      <mc:AlternateContent xmlns:mc="http://schemas.openxmlformats.org/markup-compatibility/2006">
-        <mc:Choice xmlns:a14="http://schemas.microsoft.com/office/drawing/2010/main" Requires="a14">
+      <mc:AlternateContent xmlns:mc="http://schemas.openxmlformats.org/markup-compatibility/2006" xmlns:a14="http://schemas.microsoft.com/office/drawing/2010/main">
+        <mc:Choice Requires="a14">
           <p:sp>
             <p:nvSpPr>
               <p:cNvPr id="3" name="Content Placeholder 2">
@@ -5008,7 +5664,7 @@
             </p:txBody>
           </p:sp>
         </mc:Choice>
-        <mc:Fallback>
+        <mc:Fallback xmlns="">
           <p:sp>
             <p:nvSpPr>
               <p:cNvPr id="3" name="Content Placeholder 2">
@@ -5453,6 +6109,116 @@
             <a:solidFill>
               <a:schemeClr val="bg1"/>
             </a:solidFill>
+          </a:ln>
+        </p:spPr>
+        <p:style>
+          <a:lnRef idx="2">
+            <a:schemeClr val="accent1">
+              <a:shade val="50000"/>
+            </a:schemeClr>
+          </a:lnRef>
+          <a:fillRef idx="1">
+            <a:schemeClr val="accent1"/>
+          </a:fillRef>
+          <a:effectRef idx="0">
+            <a:schemeClr val="accent1"/>
+          </a:effectRef>
+          <a:fontRef idx="minor">
+            <a:schemeClr val="lt1"/>
+          </a:fontRef>
+        </p:style>
+        <p:txBody>
+          <a:bodyPr rtlCol="0" anchor="ctr"/>
+          <a:lstStyle/>
+          <a:p>
+            <a:pPr algn="ctr"/>
+            <a:endParaRPr lang="en-US"/>
+          </a:p>
+        </p:txBody>
+      </p:sp>
+      <p:sp>
+        <p:nvSpPr>
+          <p:cNvPr id="12" name="Rectangle 11">
+            <a:extLst>
+              <a:ext uri="{FF2B5EF4-FFF2-40B4-BE49-F238E27FC236}">
+                <a16:creationId xmlns:a16="http://schemas.microsoft.com/office/drawing/2014/main" id="{BC0C376E-3806-406C-B8A4-A8ECD665E0DF}"/>
+              </a:ext>
+            </a:extLst>
+          </p:cNvPr>
+          <p:cNvSpPr/>
+          <p:nvPr/>
+        </p:nvSpPr>
+        <p:spPr>
+          <a:xfrm>
+            <a:off x="0" y="0"/>
+            <a:ext cx="12192000" cy="209427"/>
+          </a:xfrm>
+          <a:prstGeom prst="rect">
+            <a:avLst/>
+          </a:prstGeom>
+          <a:solidFill>
+            <a:schemeClr val="tx1">
+              <a:lumMod val="50000"/>
+              <a:lumOff val="50000"/>
+            </a:schemeClr>
+          </a:solidFill>
+          <a:ln>
+            <a:noFill/>
+          </a:ln>
+        </p:spPr>
+        <p:style>
+          <a:lnRef idx="2">
+            <a:schemeClr val="accent1">
+              <a:shade val="50000"/>
+            </a:schemeClr>
+          </a:lnRef>
+          <a:fillRef idx="1">
+            <a:schemeClr val="accent1"/>
+          </a:fillRef>
+          <a:effectRef idx="0">
+            <a:schemeClr val="accent1"/>
+          </a:effectRef>
+          <a:fontRef idx="minor">
+            <a:schemeClr val="lt1"/>
+          </a:fontRef>
+        </p:style>
+        <p:txBody>
+          <a:bodyPr rtlCol="0" anchor="ctr"/>
+          <a:lstStyle/>
+          <a:p>
+            <a:pPr algn="ctr"/>
+            <a:endParaRPr lang="en-US"/>
+          </a:p>
+        </p:txBody>
+      </p:sp>
+      <p:sp>
+        <p:nvSpPr>
+          <p:cNvPr id="13" name="Rectangle 12">
+            <a:extLst>
+              <a:ext uri="{FF2B5EF4-FFF2-40B4-BE49-F238E27FC236}">
+                <a16:creationId xmlns:a16="http://schemas.microsoft.com/office/drawing/2014/main" id="{7FCFE2CA-52F7-4FD5-97A9-1697E688BD9B}"/>
+              </a:ext>
+            </a:extLst>
+          </p:cNvPr>
+          <p:cNvSpPr/>
+          <p:nvPr/>
+        </p:nvSpPr>
+        <p:spPr>
+          <a:xfrm>
+            <a:off x="0" y="-1"/>
+            <a:ext cx="9874800" cy="209427"/>
+          </a:xfrm>
+          <a:prstGeom prst="rect">
+            <a:avLst/>
+          </a:prstGeom>
+          <a:solidFill>
+            <a:schemeClr val="accent4">
+              <a:lumMod val="60000"/>
+              <a:lumOff val="40000"/>
+            </a:schemeClr>
+          </a:solidFill>
+          <a:ln>
+            <a:noFill/>
           </a:ln>
         </p:spPr>
         <p:style>
@@ -5985,6 +6751,116 @@
           </a:p>
         </p:txBody>
       </p:sp>
+      <p:sp>
+        <p:nvSpPr>
+          <p:cNvPr id="4" name="Rectangle 3">
+            <a:extLst>
+              <a:ext uri="{FF2B5EF4-FFF2-40B4-BE49-F238E27FC236}">
+                <a16:creationId xmlns:a16="http://schemas.microsoft.com/office/drawing/2014/main" id="{2CA176BB-4BF9-4AC0-A4E2-6DCDF1904979}"/>
+              </a:ext>
+            </a:extLst>
+          </p:cNvPr>
+          <p:cNvSpPr/>
+          <p:nvPr/>
+        </p:nvSpPr>
+        <p:spPr>
+          <a:xfrm>
+            <a:off x="0" y="0"/>
+            <a:ext cx="12192000" cy="209427"/>
+          </a:xfrm>
+          <a:prstGeom prst="rect">
+            <a:avLst/>
+          </a:prstGeom>
+          <a:solidFill>
+            <a:schemeClr val="tx1">
+              <a:lumMod val="50000"/>
+              <a:lumOff val="50000"/>
+            </a:schemeClr>
+          </a:solidFill>
+          <a:ln>
+            <a:noFill/>
+          </a:ln>
+        </p:spPr>
+        <p:style>
+          <a:lnRef idx="2">
+            <a:schemeClr val="accent1">
+              <a:shade val="50000"/>
+            </a:schemeClr>
+          </a:lnRef>
+          <a:fillRef idx="1">
+            <a:schemeClr val="accent1"/>
+          </a:fillRef>
+          <a:effectRef idx="0">
+            <a:schemeClr val="accent1"/>
+          </a:effectRef>
+          <a:fontRef idx="minor">
+            <a:schemeClr val="lt1"/>
+          </a:fontRef>
+        </p:style>
+        <p:txBody>
+          <a:bodyPr rtlCol="0" anchor="ctr"/>
+          <a:lstStyle/>
+          <a:p>
+            <a:pPr algn="ctr"/>
+            <a:endParaRPr lang="en-US"/>
+          </a:p>
+        </p:txBody>
+      </p:sp>
+      <p:sp>
+        <p:nvSpPr>
+          <p:cNvPr id="5" name="Rectangle 4">
+            <a:extLst>
+              <a:ext uri="{FF2B5EF4-FFF2-40B4-BE49-F238E27FC236}">
+                <a16:creationId xmlns:a16="http://schemas.microsoft.com/office/drawing/2014/main" id="{CEFAD346-F6C1-49C8-9D21-D71AFC7C71E4}"/>
+              </a:ext>
+            </a:extLst>
+          </p:cNvPr>
+          <p:cNvSpPr/>
+          <p:nvPr/>
+        </p:nvSpPr>
+        <p:spPr>
+          <a:xfrm>
+            <a:off x="0" y="-1"/>
+            <a:ext cx="10634400" cy="209427"/>
+          </a:xfrm>
+          <a:prstGeom prst="rect">
+            <a:avLst/>
+          </a:prstGeom>
+          <a:solidFill>
+            <a:schemeClr val="accent4">
+              <a:lumMod val="60000"/>
+              <a:lumOff val="40000"/>
+            </a:schemeClr>
+          </a:solidFill>
+          <a:ln>
+            <a:noFill/>
+          </a:ln>
+        </p:spPr>
+        <p:style>
+          <a:lnRef idx="2">
+            <a:schemeClr val="accent1">
+              <a:shade val="50000"/>
+            </a:schemeClr>
+          </a:lnRef>
+          <a:fillRef idx="1">
+            <a:schemeClr val="accent1"/>
+          </a:fillRef>
+          <a:effectRef idx="0">
+            <a:schemeClr val="accent1"/>
+          </a:effectRef>
+          <a:fontRef idx="minor">
+            <a:schemeClr val="lt1"/>
+          </a:fontRef>
+        </p:style>
+        <p:txBody>
+          <a:bodyPr rtlCol="0" anchor="ctr"/>
+          <a:lstStyle/>
+          <a:p>
+            <a:pPr algn="ctr"/>
+            <a:endParaRPr lang="en-US"/>
+          </a:p>
+        </p:txBody>
+      </p:sp>
     </p:spTree>
     <p:extLst>
       <p:ext uri="{BB962C8B-B14F-4D97-AF65-F5344CB8AC3E}">
@@ -5995,6 +6871,183 @@
   <p:clrMapOvr>
     <a:masterClrMapping/>
   </p:clrMapOvr>
+  <p:timing>
+    <p:tnLst>
+      <p:par>
+        <p:cTn id="1" dur="indefinite" restart="never" nodeType="tmRoot">
+          <p:childTnLst>
+            <p:seq concurrent="1" nextAc="seek">
+              <p:cTn id="2" dur="indefinite" nodeType="mainSeq">
+                <p:childTnLst>
+                  <p:par>
+                    <p:cTn id="3" fill="hold">
+                      <p:stCondLst>
+                        <p:cond delay="indefinite"/>
+                      </p:stCondLst>
+                      <p:childTnLst>
+                        <p:par>
+                          <p:cTn id="4" fill="hold">
+                            <p:stCondLst>
+                              <p:cond delay="0"/>
+                            </p:stCondLst>
+                            <p:childTnLst>
+                              <p:par>
+                                <p:cTn id="5" presetID="1" presetClass="entr" presetSubtype="0" fill="hold" nodeType="clickEffect">
+                                  <p:stCondLst>
+                                    <p:cond delay="0"/>
+                                  </p:stCondLst>
+                                  <p:childTnLst>
+                                    <p:set>
+                                      <p:cBhvr>
+                                        <p:cTn id="6" dur="1" fill="hold">
+                                          <p:stCondLst>
+                                            <p:cond delay="0"/>
+                                          </p:stCondLst>
+                                        </p:cTn>
+                                        <p:tgtEl>
+                                          <p:spTgt spid="3">
+                                            <p:txEl>
+                                              <p:pRg st="1" end="1"/>
+                                            </p:txEl>
+                                          </p:spTgt>
+                                        </p:tgtEl>
+                                        <p:attrNameLst>
+                                          <p:attrName>style.visibility</p:attrName>
+                                        </p:attrNameLst>
+                                      </p:cBhvr>
+                                      <p:to>
+                                        <p:strVal val="visible"/>
+                                      </p:to>
+                                    </p:set>
+                                  </p:childTnLst>
+                                </p:cTn>
+                              </p:par>
+                            </p:childTnLst>
+                          </p:cTn>
+                        </p:par>
+                      </p:childTnLst>
+                    </p:cTn>
+                  </p:par>
+                  <p:par>
+                    <p:cTn id="7" fill="hold">
+                      <p:stCondLst>
+                        <p:cond delay="indefinite"/>
+                      </p:stCondLst>
+                      <p:childTnLst>
+                        <p:par>
+                          <p:cTn id="8" fill="hold">
+                            <p:stCondLst>
+                              <p:cond delay="0"/>
+                            </p:stCondLst>
+                            <p:childTnLst>
+                              <p:par>
+                                <p:cTn id="9" presetID="1" presetClass="entr" presetSubtype="0" fill="hold" nodeType="clickEffect">
+                                  <p:stCondLst>
+                                    <p:cond delay="0"/>
+                                  </p:stCondLst>
+                                  <p:childTnLst>
+                                    <p:set>
+                                      <p:cBhvr>
+                                        <p:cTn id="10" dur="1" fill="hold">
+                                          <p:stCondLst>
+                                            <p:cond delay="0"/>
+                                          </p:stCondLst>
+                                        </p:cTn>
+                                        <p:tgtEl>
+                                          <p:spTgt spid="3">
+                                            <p:txEl>
+                                              <p:pRg st="2" end="2"/>
+                                            </p:txEl>
+                                          </p:spTgt>
+                                        </p:tgtEl>
+                                        <p:attrNameLst>
+                                          <p:attrName>style.visibility</p:attrName>
+                                        </p:attrNameLst>
+                                      </p:cBhvr>
+                                      <p:to>
+                                        <p:strVal val="visible"/>
+                                      </p:to>
+                                    </p:set>
+                                  </p:childTnLst>
+                                </p:cTn>
+                              </p:par>
+                            </p:childTnLst>
+                          </p:cTn>
+                        </p:par>
+                      </p:childTnLst>
+                    </p:cTn>
+                  </p:par>
+                  <p:par>
+                    <p:cTn id="11" fill="hold">
+                      <p:stCondLst>
+                        <p:cond delay="indefinite"/>
+                      </p:stCondLst>
+                      <p:childTnLst>
+                        <p:par>
+                          <p:cTn id="12" fill="hold">
+                            <p:stCondLst>
+                              <p:cond delay="0"/>
+                            </p:stCondLst>
+                            <p:childTnLst>
+                              <p:par>
+                                <p:cTn id="13" presetID="1" presetClass="entr" presetSubtype="0" fill="hold" nodeType="clickEffect">
+                                  <p:stCondLst>
+                                    <p:cond delay="0"/>
+                                  </p:stCondLst>
+                                  <p:childTnLst>
+                                    <p:set>
+                                      <p:cBhvr>
+                                        <p:cTn id="14" dur="1" fill="hold">
+                                          <p:stCondLst>
+                                            <p:cond delay="0"/>
+                                          </p:stCondLst>
+                                        </p:cTn>
+                                        <p:tgtEl>
+                                          <p:spTgt spid="3">
+                                            <p:txEl>
+                                              <p:pRg st="3" end="3"/>
+                                            </p:txEl>
+                                          </p:spTgt>
+                                        </p:tgtEl>
+                                        <p:attrNameLst>
+                                          <p:attrName>style.visibility</p:attrName>
+                                        </p:attrNameLst>
+                                      </p:cBhvr>
+                                      <p:to>
+                                        <p:strVal val="visible"/>
+                                      </p:to>
+                                    </p:set>
+                                  </p:childTnLst>
+                                </p:cTn>
+                              </p:par>
+                            </p:childTnLst>
+                          </p:cTn>
+                        </p:par>
+                      </p:childTnLst>
+                    </p:cTn>
+                  </p:par>
+                </p:childTnLst>
+              </p:cTn>
+              <p:prevCondLst>
+                <p:cond evt="onPrev" delay="0">
+                  <p:tgtEl>
+                    <p:sldTgt/>
+                  </p:tgtEl>
+                </p:cond>
+              </p:prevCondLst>
+              <p:nextCondLst>
+                <p:cond evt="onNext" delay="0">
+                  <p:tgtEl>
+                    <p:sldTgt/>
+                  </p:tgtEl>
+                </p:cond>
+              </p:nextCondLst>
+            </p:seq>
+          </p:childTnLst>
+        </p:cTn>
+      </p:par>
+    </p:tnLst>
+  </p:timing>
 </p:sld>
 </file>
 
@@ -6073,17 +7126,127 @@
           <a:p>
             <a:r>
               <a:rPr lang="en-CH" dirty="0"/>
+              <a:t>What is the perfect entropy source?</a:t>
+            </a:r>
+          </a:p>
+          <a:p>
+            <a:r>
+              <a:rPr lang="en-CH" dirty="0"/>
               <a:t>Entropy source samples can be officially validated</a:t>
             </a:r>
           </a:p>
           <a:p>
-            <a:r>
-              <a:rPr lang="en-CH" dirty="0"/>
-              <a:t>What is the perfect entropy source?</a:t>
-            </a:r>
-          </a:p>
-          <a:p>
             <a:endParaRPr lang="en-CH" dirty="0"/>
+          </a:p>
+        </p:txBody>
+      </p:sp>
+      <p:sp>
+        <p:nvSpPr>
+          <p:cNvPr id="4" name="Rectangle 3">
+            <a:extLst>
+              <a:ext uri="{FF2B5EF4-FFF2-40B4-BE49-F238E27FC236}">
+                <a16:creationId xmlns:a16="http://schemas.microsoft.com/office/drawing/2014/main" id="{2DC0993F-7180-4DE6-B85A-5249793B4F06}"/>
+              </a:ext>
+            </a:extLst>
+          </p:cNvPr>
+          <p:cNvSpPr/>
+          <p:nvPr/>
+        </p:nvSpPr>
+        <p:spPr>
+          <a:xfrm>
+            <a:off x="0" y="0"/>
+            <a:ext cx="12192000" cy="209427"/>
+          </a:xfrm>
+          <a:prstGeom prst="rect">
+            <a:avLst/>
+          </a:prstGeom>
+          <a:solidFill>
+            <a:schemeClr val="tx1">
+              <a:lumMod val="50000"/>
+              <a:lumOff val="50000"/>
+            </a:schemeClr>
+          </a:solidFill>
+          <a:ln>
+            <a:noFill/>
+          </a:ln>
+        </p:spPr>
+        <p:style>
+          <a:lnRef idx="2">
+            <a:schemeClr val="accent1">
+              <a:shade val="50000"/>
+            </a:schemeClr>
+          </a:lnRef>
+          <a:fillRef idx="1">
+            <a:schemeClr val="accent1"/>
+          </a:fillRef>
+          <a:effectRef idx="0">
+            <a:schemeClr val="accent1"/>
+          </a:effectRef>
+          <a:fontRef idx="minor">
+            <a:schemeClr val="lt1"/>
+          </a:fontRef>
+        </p:style>
+        <p:txBody>
+          <a:bodyPr rtlCol="0" anchor="ctr"/>
+          <a:lstStyle/>
+          <a:p>
+            <a:pPr algn="ctr"/>
+            <a:endParaRPr lang="en-US"/>
+          </a:p>
+        </p:txBody>
+      </p:sp>
+      <p:sp>
+        <p:nvSpPr>
+          <p:cNvPr id="5" name="Rectangle 4">
+            <a:extLst>
+              <a:ext uri="{FF2B5EF4-FFF2-40B4-BE49-F238E27FC236}">
+                <a16:creationId xmlns:a16="http://schemas.microsoft.com/office/drawing/2014/main" id="{FC2DD4F5-78B7-4367-8F1D-6558320495D4}"/>
+              </a:ext>
+            </a:extLst>
+          </p:cNvPr>
+          <p:cNvSpPr/>
+          <p:nvPr/>
+        </p:nvSpPr>
+        <p:spPr>
+          <a:xfrm>
+            <a:off x="0" y="-1"/>
+            <a:ext cx="11394000" cy="209427"/>
+          </a:xfrm>
+          <a:prstGeom prst="rect">
+            <a:avLst/>
+          </a:prstGeom>
+          <a:solidFill>
+            <a:schemeClr val="accent4">
+              <a:lumMod val="60000"/>
+              <a:lumOff val="40000"/>
+            </a:schemeClr>
+          </a:solidFill>
+          <a:ln>
+            <a:noFill/>
+          </a:ln>
+        </p:spPr>
+        <p:style>
+          <a:lnRef idx="2">
+            <a:schemeClr val="accent1">
+              <a:shade val="50000"/>
+            </a:schemeClr>
+          </a:lnRef>
+          <a:fillRef idx="1">
+            <a:schemeClr val="accent1"/>
+          </a:fillRef>
+          <a:effectRef idx="0">
+            <a:schemeClr val="accent1"/>
+          </a:effectRef>
+          <a:fontRef idx="minor">
+            <a:schemeClr val="lt1"/>
+          </a:fontRef>
+        </p:style>
+        <p:txBody>
+          <a:bodyPr rtlCol="0" anchor="ctr"/>
+          <a:lstStyle/>
+          <a:p>
+            <a:pPr algn="ctr"/>
+            <a:endParaRPr lang="en-US"/>
           </a:p>
         </p:txBody>
       </p:sp>
@@ -6097,6 +7260,134 @@
   <p:clrMapOvr>
     <a:masterClrMapping/>
   </p:clrMapOvr>
+  <p:timing>
+    <p:tnLst>
+      <p:par>
+        <p:cTn id="1" dur="indefinite" restart="never" nodeType="tmRoot">
+          <p:childTnLst>
+            <p:seq concurrent="1" nextAc="seek">
+              <p:cTn id="2" dur="indefinite" nodeType="mainSeq">
+                <p:childTnLst>
+                  <p:par>
+                    <p:cTn id="3" fill="hold">
+                      <p:stCondLst>
+                        <p:cond delay="indefinite"/>
+                      </p:stCondLst>
+                      <p:childTnLst>
+                        <p:par>
+                          <p:cTn id="4" fill="hold">
+                            <p:stCondLst>
+                              <p:cond delay="0"/>
+                            </p:stCondLst>
+                            <p:childTnLst>
+                              <p:par>
+                                <p:cTn id="5" presetID="1" presetClass="entr" presetSubtype="0" fill="hold" nodeType="clickEffect">
+                                  <p:stCondLst>
+                                    <p:cond delay="0"/>
+                                  </p:stCondLst>
+                                  <p:childTnLst>
+                                    <p:set>
+                                      <p:cBhvr>
+                                        <p:cTn id="6" dur="1" fill="hold">
+                                          <p:stCondLst>
+                                            <p:cond delay="0"/>
+                                          </p:stCondLst>
+                                        </p:cTn>
+                                        <p:tgtEl>
+                                          <p:spTgt spid="3">
+                                            <p:txEl>
+                                              <p:pRg st="1" end="1"/>
+                                            </p:txEl>
+                                          </p:spTgt>
+                                        </p:tgtEl>
+                                        <p:attrNameLst>
+                                          <p:attrName>style.visibility</p:attrName>
+                                        </p:attrNameLst>
+                                      </p:cBhvr>
+                                      <p:to>
+                                        <p:strVal val="visible"/>
+                                      </p:to>
+                                    </p:set>
+                                  </p:childTnLst>
+                                </p:cTn>
+                              </p:par>
+                            </p:childTnLst>
+                          </p:cTn>
+                        </p:par>
+                      </p:childTnLst>
+                    </p:cTn>
+                  </p:par>
+                  <p:par>
+                    <p:cTn id="7" fill="hold">
+                      <p:stCondLst>
+                        <p:cond delay="indefinite"/>
+                      </p:stCondLst>
+                      <p:childTnLst>
+                        <p:par>
+                          <p:cTn id="8" fill="hold">
+                            <p:stCondLst>
+                              <p:cond delay="0"/>
+                            </p:stCondLst>
+                            <p:childTnLst>
+                              <p:par>
+                                <p:cTn id="9" presetID="1" presetClass="entr" presetSubtype="0" fill="hold" nodeType="clickEffect">
+                                  <p:stCondLst>
+                                    <p:cond delay="0"/>
+                                  </p:stCondLst>
+                                  <p:childTnLst>
+                                    <p:set>
+                                      <p:cBhvr>
+                                        <p:cTn id="10" dur="1" fill="hold">
+                                          <p:stCondLst>
+                                            <p:cond delay="0"/>
+                                          </p:stCondLst>
+                                        </p:cTn>
+                                        <p:tgtEl>
+                                          <p:spTgt spid="3">
+                                            <p:txEl>
+                                              <p:pRg st="2" end="2"/>
+                                            </p:txEl>
+                                          </p:spTgt>
+                                        </p:tgtEl>
+                                        <p:attrNameLst>
+                                          <p:attrName>style.visibility</p:attrName>
+                                        </p:attrNameLst>
+                                      </p:cBhvr>
+                                      <p:to>
+                                        <p:strVal val="visible"/>
+                                      </p:to>
+                                    </p:set>
+                                  </p:childTnLst>
+                                </p:cTn>
+                              </p:par>
+                            </p:childTnLst>
+                          </p:cTn>
+                        </p:par>
+                      </p:childTnLst>
+                    </p:cTn>
+                  </p:par>
+                </p:childTnLst>
+              </p:cTn>
+              <p:prevCondLst>
+                <p:cond evt="onPrev" delay="0">
+                  <p:tgtEl>
+                    <p:sldTgt/>
+                  </p:tgtEl>
+                </p:cond>
+              </p:prevCondLst>
+              <p:nextCondLst>
+                <p:cond evt="onNext" delay="0">
+                  <p:tgtEl>
+                    <p:sldTgt/>
+                  </p:tgtEl>
+                </p:cond>
+              </p:nextCondLst>
+            </p:seq>
+          </p:childTnLst>
+        </p:cTn>
+      </p:par>
+    </p:tnLst>
+  </p:timing>
 </p:sld>
 </file>
 
@@ -6218,6 +7509,116 @@
               <a:buNone/>
             </a:pPr>
             <a:endParaRPr lang="en-US" dirty="0"/>
+          </a:p>
+        </p:txBody>
+      </p:sp>
+      <p:sp>
+        <p:nvSpPr>
+          <p:cNvPr id="4" name="Rectangle 3">
+            <a:extLst>
+              <a:ext uri="{FF2B5EF4-FFF2-40B4-BE49-F238E27FC236}">
+                <a16:creationId xmlns:a16="http://schemas.microsoft.com/office/drawing/2014/main" id="{1B8576C4-DB6E-4C8D-B94A-549CD8F5506F}"/>
+              </a:ext>
+            </a:extLst>
+          </p:cNvPr>
+          <p:cNvSpPr/>
+          <p:nvPr/>
+        </p:nvSpPr>
+        <p:spPr>
+          <a:xfrm>
+            <a:off x="0" y="0"/>
+            <a:ext cx="12192000" cy="209427"/>
+          </a:xfrm>
+          <a:prstGeom prst="rect">
+            <a:avLst/>
+          </a:prstGeom>
+          <a:solidFill>
+            <a:schemeClr val="tx1">
+              <a:lumMod val="50000"/>
+              <a:lumOff val="50000"/>
+            </a:schemeClr>
+          </a:solidFill>
+          <a:ln>
+            <a:noFill/>
+          </a:ln>
+        </p:spPr>
+        <p:style>
+          <a:lnRef idx="2">
+            <a:schemeClr val="accent1">
+              <a:shade val="50000"/>
+            </a:schemeClr>
+          </a:lnRef>
+          <a:fillRef idx="1">
+            <a:schemeClr val="accent1"/>
+          </a:fillRef>
+          <a:effectRef idx="0">
+            <a:schemeClr val="accent1"/>
+          </a:effectRef>
+          <a:fontRef idx="minor">
+            <a:schemeClr val="lt1"/>
+          </a:fontRef>
+        </p:style>
+        <p:txBody>
+          <a:bodyPr rtlCol="0" anchor="ctr"/>
+          <a:lstStyle/>
+          <a:p>
+            <a:pPr algn="ctr"/>
+            <a:endParaRPr lang="en-US"/>
+          </a:p>
+        </p:txBody>
+      </p:sp>
+      <p:sp>
+        <p:nvSpPr>
+          <p:cNvPr id="5" name="Rectangle 4">
+            <a:extLst>
+              <a:ext uri="{FF2B5EF4-FFF2-40B4-BE49-F238E27FC236}">
+                <a16:creationId xmlns:a16="http://schemas.microsoft.com/office/drawing/2014/main" id="{92EA710F-4D21-4C26-A6B0-B9351F761CC5}"/>
+              </a:ext>
+            </a:extLst>
+          </p:cNvPr>
+          <p:cNvSpPr/>
+          <p:nvPr/>
+        </p:nvSpPr>
+        <p:spPr>
+          <a:xfrm>
+            <a:off x="0" y="-1"/>
+            <a:ext cx="759600" cy="209427"/>
+          </a:xfrm>
+          <a:prstGeom prst="rect">
+            <a:avLst/>
+          </a:prstGeom>
+          <a:solidFill>
+            <a:schemeClr val="accent4">
+              <a:lumMod val="60000"/>
+              <a:lumOff val="40000"/>
+            </a:schemeClr>
+          </a:solidFill>
+          <a:ln>
+            <a:noFill/>
+          </a:ln>
+        </p:spPr>
+        <p:style>
+          <a:lnRef idx="2">
+            <a:schemeClr val="accent1">
+              <a:shade val="50000"/>
+            </a:schemeClr>
+          </a:lnRef>
+          <a:fillRef idx="1">
+            <a:schemeClr val="accent1"/>
+          </a:fillRef>
+          <a:effectRef idx="0">
+            <a:schemeClr val="accent1"/>
+          </a:effectRef>
+          <a:fontRef idx="minor">
+            <a:schemeClr val="lt1"/>
+          </a:fontRef>
+        </p:style>
+        <p:txBody>
+          <a:bodyPr rtlCol="0" anchor="ctr"/>
+          <a:lstStyle/>
+          <a:p>
+            <a:pPr algn="ctr"/>
+            <a:endParaRPr lang="en-US"/>
           </a:p>
         </p:txBody>
       </p:sp>
@@ -6592,6 +7993,116 @@
           </a:p>
         </p:txBody>
       </p:sp>
+      <p:sp>
+        <p:nvSpPr>
+          <p:cNvPr id="6" name="Rectangle 5">
+            <a:extLst>
+              <a:ext uri="{FF2B5EF4-FFF2-40B4-BE49-F238E27FC236}">
+                <a16:creationId xmlns:a16="http://schemas.microsoft.com/office/drawing/2014/main" id="{44435AC5-A53E-48A4-A653-A5EB99CF6AC3}"/>
+              </a:ext>
+            </a:extLst>
+          </p:cNvPr>
+          <p:cNvSpPr/>
+          <p:nvPr/>
+        </p:nvSpPr>
+        <p:spPr>
+          <a:xfrm>
+            <a:off x="0" y="0"/>
+            <a:ext cx="12192000" cy="209427"/>
+          </a:xfrm>
+          <a:prstGeom prst="rect">
+            <a:avLst/>
+          </a:prstGeom>
+          <a:solidFill>
+            <a:schemeClr val="tx1">
+              <a:lumMod val="50000"/>
+              <a:lumOff val="50000"/>
+            </a:schemeClr>
+          </a:solidFill>
+          <a:ln>
+            <a:noFill/>
+          </a:ln>
+        </p:spPr>
+        <p:style>
+          <a:lnRef idx="2">
+            <a:schemeClr val="accent1">
+              <a:shade val="50000"/>
+            </a:schemeClr>
+          </a:lnRef>
+          <a:fillRef idx="1">
+            <a:schemeClr val="accent1"/>
+          </a:fillRef>
+          <a:effectRef idx="0">
+            <a:schemeClr val="accent1"/>
+          </a:effectRef>
+          <a:fontRef idx="minor">
+            <a:schemeClr val="lt1"/>
+          </a:fontRef>
+        </p:style>
+        <p:txBody>
+          <a:bodyPr rtlCol="0" anchor="ctr"/>
+          <a:lstStyle/>
+          <a:p>
+            <a:pPr algn="ctr"/>
+            <a:endParaRPr lang="en-US"/>
+          </a:p>
+        </p:txBody>
+      </p:sp>
+      <p:sp>
+        <p:nvSpPr>
+          <p:cNvPr id="7" name="Rectangle 6">
+            <a:extLst>
+              <a:ext uri="{FF2B5EF4-FFF2-40B4-BE49-F238E27FC236}">
+                <a16:creationId xmlns:a16="http://schemas.microsoft.com/office/drawing/2014/main" id="{22C03464-5D29-4DAA-9CAB-C5B462B084BA}"/>
+              </a:ext>
+            </a:extLst>
+          </p:cNvPr>
+          <p:cNvSpPr/>
+          <p:nvPr/>
+        </p:nvSpPr>
+        <p:spPr>
+          <a:xfrm>
+            <a:off x="0" y="-1"/>
+            <a:ext cx="1519200" cy="209427"/>
+          </a:xfrm>
+          <a:prstGeom prst="rect">
+            <a:avLst/>
+          </a:prstGeom>
+          <a:solidFill>
+            <a:schemeClr val="accent4">
+              <a:lumMod val="60000"/>
+              <a:lumOff val="40000"/>
+            </a:schemeClr>
+          </a:solidFill>
+          <a:ln>
+            <a:noFill/>
+          </a:ln>
+        </p:spPr>
+        <p:style>
+          <a:lnRef idx="2">
+            <a:schemeClr val="accent1">
+              <a:shade val="50000"/>
+            </a:schemeClr>
+          </a:lnRef>
+          <a:fillRef idx="1">
+            <a:schemeClr val="accent1"/>
+          </a:fillRef>
+          <a:effectRef idx="0">
+            <a:schemeClr val="accent1"/>
+          </a:effectRef>
+          <a:fontRef idx="minor">
+            <a:schemeClr val="lt1"/>
+          </a:fontRef>
+        </p:style>
+        <p:txBody>
+          <a:bodyPr rtlCol="0" anchor="ctr"/>
+          <a:lstStyle/>
+          <a:p>
+            <a:pPr algn="ctr"/>
+            <a:endParaRPr lang="en-US"/>
+          </a:p>
+        </p:txBody>
+      </p:sp>
     </p:spTree>
     <p:extLst>
       <p:ext uri="{BB962C8B-B14F-4D97-AF65-F5344CB8AC3E}">
@@ -6602,6 +8113,232 @@
   <p:clrMapOvr>
     <a:masterClrMapping/>
   </p:clrMapOvr>
+  <p:timing>
+    <p:tnLst>
+      <p:par>
+        <p:cTn id="1" dur="indefinite" restart="never" nodeType="tmRoot">
+          <p:childTnLst>
+            <p:seq concurrent="1" nextAc="seek">
+              <p:cTn id="2" dur="indefinite" nodeType="mainSeq">
+                <p:childTnLst>
+                  <p:par>
+                    <p:cTn id="3" fill="hold">
+                      <p:stCondLst>
+                        <p:cond delay="indefinite"/>
+                      </p:stCondLst>
+                      <p:childTnLst>
+                        <p:par>
+                          <p:cTn id="4" fill="hold">
+                            <p:stCondLst>
+                              <p:cond delay="0"/>
+                            </p:stCondLst>
+                            <p:childTnLst>
+                              <p:par>
+                                <p:cTn id="5" presetID="1" presetClass="entr" presetSubtype="0" fill="hold" nodeType="clickEffect">
+                                  <p:stCondLst>
+                                    <p:cond delay="0"/>
+                                  </p:stCondLst>
+                                  <p:childTnLst>
+                                    <p:set>
+                                      <p:cBhvr>
+                                        <p:cTn id="6" dur="1" fill="hold">
+                                          <p:stCondLst>
+                                            <p:cond delay="0"/>
+                                          </p:stCondLst>
+                                        </p:cTn>
+                                        <p:tgtEl>
+                                          <p:spTgt spid="3">
+                                            <p:txEl>
+                                              <p:pRg st="1" end="1"/>
+                                            </p:txEl>
+                                          </p:spTgt>
+                                        </p:tgtEl>
+                                        <p:attrNameLst>
+                                          <p:attrName>style.visibility</p:attrName>
+                                        </p:attrNameLst>
+                                      </p:cBhvr>
+                                      <p:to>
+                                        <p:strVal val="visible"/>
+                                      </p:to>
+                                    </p:set>
+                                  </p:childTnLst>
+                                </p:cTn>
+                              </p:par>
+                            </p:childTnLst>
+                          </p:cTn>
+                        </p:par>
+                      </p:childTnLst>
+                    </p:cTn>
+                  </p:par>
+                  <p:par>
+                    <p:cTn id="7" fill="hold">
+                      <p:stCondLst>
+                        <p:cond delay="indefinite"/>
+                      </p:stCondLst>
+                      <p:childTnLst>
+                        <p:par>
+                          <p:cTn id="8" fill="hold">
+                            <p:stCondLst>
+                              <p:cond delay="0"/>
+                            </p:stCondLst>
+                            <p:childTnLst>
+                              <p:par>
+                                <p:cTn id="9" presetID="1" presetClass="entr" presetSubtype="0" fill="hold" nodeType="clickEffect">
+                                  <p:stCondLst>
+                                    <p:cond delay="0"/>
+                                  </p:stCondLst>
+                                  <p:childTnLst>
+                                    <p:set>
+                                      <p:cBhvr>
+                                        <p:cTn id="10" dur="1" fill="hold">
+                                          <p:stCondLst>
+                                            <p:cond delay="0"/>
+                                          </p:stCondLst>
+                                        </p:cTn>
+                                        <p:tgtEl>
+                                          <p:spTgt spid="3">
+                                            <p:txEl>
+                                              <p:pRg st="2" end="2"/>
+                                            </p:txEl>
+                                          </p:spTgt>
+                                        </p:tgtEl>
+                                        <p:attrNameLst>
+                                          <p:attrName>style.visibility</p:attrName>
+                                        </p:attrNameLst>
+                                      </p:cBhvr>
+                                      <p:to>
+                                        <p:strVal val="visible"/>
+                                      </p:to>
+                                    </p:set>
+                                  </p:childTnLst>
+                                </p:cTn>
+                              </p:par>
+                            </p:childTnLst>
+                          </p:cTn>
+                        </p:par>
+                      </p:childTnLst>
+                    </p:cTn>
+                  </p:par>
+                  <p:par>
+                    <p:cTn id="11" fill="hold">
+                      <p:stCondLst>
+                        <p:cond delay="indefinite"/>
+                      </p:stCondLst>
+                      <p:childTnLst>
+                        <p:par>
+                          <p:cTn id="12" fill="hold">
+                            <p:stCondLst>
+                              <p:cond delay="0"/>
+                            </p:stCondLst>
+                            <p:childTnLst>
+                              <p:par>
+                                <p:cTn id="13" presetID="1" presetClass="entr" presetSubtype="0" fill="hold" nodeType="clickEffect">
+                                  <p:stCondLst>
+                                    <p:cond delay="0"/>
+                                  </p:stCondLst>
+                                  <p:childTnLst>
+                                    <p:set>
+                                      <p:cBhvr>
+                                        <p:cTn id="14" dur="1" fill="hold">
+                                          <p:stCondLst>
+                                            <p:cond delay="0"/>
+                                          </p:stCondLst>
+                                        </p:cTn>
+                                        <p:tgtEl>
+                                          <p:spTgt spid="5">
+                                            <p:txEl>
+                                              <p:pRg st="0" end="0"/>
+                                            </p:txEl>
+                                          </p:spTgt>
+                                        </p:tgtEl>
+                                        <p:attrNameLst>
+                                          <p:attrName>style.visibility</p:attrName>
+                                        </p:attrNameLst>
+                                      </p:cBhvr>
+                                      <p:to>
+                                        <p:strVal val="visible"/>
+                                      </p:to>
+                                    </p:set>
+                                  </p:childTnLst>
+                                </p:cTn>
+                              </p:par>
+                            </p:childTnLst>
+                          </p:cTn>
+                        </p:par>
+                      </p:childTnLst>
+                    </p:cTn>
+                  </p:par>
+                  <p:par>
+                    <p:cTn id="15" fill="hold">
+                      <p:stCondLst>
+                        <p:cond delay="indefinite"/>
+                      </p:stCondLst>
+                      <p:childTnLst>
+                        <p:par>
+                          <p:cTn id="16" fill="hold">
+                            <p:stCondLst>
+                              <p:cond delay="0"/>
+                            </p:stCondLst>
+                            <p:childTnLst>
+                              <p:par>
+                                <p:cTn id="17" presetID="1" presetClass="entr" presetSubtype="0" fill="hold" nodeType="clickEffect">
+                                  <p:stCondLst>
+                                    <p:cond delay="0"/>
+                                  </p:stCondLst>
+                                  <p:childTnLst>
+                                    <p:set>
+                                      <p:cBhvr>
+                                        <p:cTn id="18" dur="1" fill="hold">
+                                          <p:stCondLst>
+                                            <p:cond delay="0"/>
+                                          </p:stCondLst>
+                                        </p:cTn>
+                                        <p:tgtEl>
+                                          <p:spTgt spid="5">
+                                            <p:txEl>
+                                              <p:pRg st="1" end="1"/>
+                                            </p:txEl>
+                                          </p:spTgt>
+                                        </p:tgtEl>
+                                        <p:attrNameLst>
+                                          <p:attrName>style.visibility</p:attrName>
+                                        </p:attrNameLst>
+                                      </p:cBhvr>
+                                      <p:to>
+                                        <p:strVal val="visible"/>
+                                      </p:to>
+                                    </p:set>
+                                  </p:childTnLst>
+                                </p:cTn>
+                              </p:par>
+                            </p:childTnLst>
+                          </p:cTn>
+                        </p:par>
+                      </p:childTnLst>
+                    </p:cTn>
+                  </p:par>
+                </p:childTnLst>
+              </p:cTn>
+              <p:prevCondLst>
+                <p:cond evt="onPrev" delay="0">
+                  <p:tgtEl>
+                    <p:sldTgt/>
+                  </p:tgtEl>
+                </p:cond>
+              </p:prevCondLst>
+              <p:nextCondLst>
+                <p:cond evt="onNext" delay="0">
+                  <p:tgtEl>
+                    <p:sldTgt/>
+                  </p:tgtEl>
+                </p:cond>
+              </p:nextCondLst>
+            </p:seq>
+          </p:childTnLst>
+        </p:cTn>
+      </p:par>
+    </p:tnLst>
+  </p:timing>
 </p:sld>
 </file>
 
@@ -6697,6 +8434,116 @@
               <a:t>Min-entropy</a:t>
             </a:r>
             <a:endParaRPr lang="en-US" dirty="0"/>
+          </a:p>
+        </p:txBody>
+      </p:sp>
+      <p:sp>
+        <p:nvSpPr>
+          <p:cNvPr id="4" name="Rectangle 3">
+            <a:extLst>
+              <a:ext uri="{FF2B5EF4-FFF2-40B4-BE49-F238E27FC236}">
+                <a16:creationId xmlns:a16="http://schemas.microsoft.com/office/drawing/2014/main" id="{351E3A62-42E2-4E24-AC0D-49F3F5B53031}"/>
+              </a:ext>
+            </a:extLst>
+          </p:cNvPr>
+          <p:cNvSpPr/>
+          <p:nvPr/>
+        </p:nvSpPr>
+        <p:spPr>
+          <a:xfrm>
+            <a:off x="0" y="0"/>
+            <a:ext cx="12192000" cy="209427"/>
+          </a:xfrm>
+          <a:prstGeom prst="rect">
+            <a:avLst/>
+          </a:prstGeom>
+          <a:solidFill>
+            <a:schemeClr val="tx1">
+              <a:lumMod val="50000"/>
+              <a:lumOff val="50000"/>
+            </a:schemeClr>
+          </a:solidFill>
+          <a:ln>
+            <a:noFill/>
+          </a:ln>
+        </p:spPr>
+        <p:style>
+          <a:lnRef idx="2">
+            <a:schemeClr val="accent1">
+              <a:shade val="50000"/>
+            </a:schemeClr>
+          </a:lnRef>
+          <a:fillRef idx="1">
+            <a:schemeClr val="accent1"/>
+          </a:fillRef>
+          <a:effectRef idx="0">
+            <a:schemeClr val="accent1"/>
+          </a:effectRef>
+          <a:fontRef idx="minor">
+            <a:schemeClr val="lt1"/>
+          </a:fontRef>
+        </p:style>
+        <p:txBody>
+          <a:bodyPr rtlCol="0" anchor="ctr"/>
+          <a:lstStyle/>
+          <a:p>
+            <a:pPr algn="ctr"/>
+            <a:endParaRPr lang="en-US"/>
+          </a:p>
+        </p:txBody>
+      </p:sp>
+      <p:sp>
+        <p:nvSpPr>
+          <p:cNvPr id="5" name="Rectangle 4">
+            <a:extLst>
+              <a:ext uri="{FF2B5EF4-FFF2-40B4-BE49-F238E27FC236}">
+                <a16:creationId xmlns:a16="http://schemas.microsoft.com/office/drawing/2014/main" id="{0B7AF364-9C33-4370-B5CA-6AA72E56C8FA}"/>
+              </a:ext>
+            </a:extLst>
+          </p:cNvPr>
+          <p:cNvSpPr/>
+          <p:nvPr/>
+        </p:nvSpPr>
+        <p:spPr>
+          <a:xfrm>
+            <a:off x="0" y="-1"/>
+            <a:ext cx="2278800" cy="209427"/>
+          </a:xfrm>
+          <a:prstGeom prst="rect">
+            <a:avLst/>
+          </a:prstGeom>
+          <a:solidFill>
+            <a:schemeClr val="accent4">
+              <a:lumMod val="60000"/>
+              <a:lumOff val="40000"/>
+            </a:schemeClr>
+          </a:solidFill>
+          <a:ln>
+            <a:noFill/>
+          </a:ln>
+        </p:spPr>
+        <p:style>
+          <a:lnRef idx="2">
+            <a:schemeClr val="accent1">
+              <a:shade val="50000"/>
+            </a:schemeClr>
+          </a:lnRef>
+          <a:fillRef idx="1">
+            <a:schemeClr val="accent1"/>
+          </a:fillRef>
+          <a:effectRef idx="0">
+            <a:schemeClr val="accent1"/>
+          </a:effectRef>
+          <a:fontRef idx="minor">
+            <a:schemeClr val="lt1"/>
+          </a:fontRef>
+        </p:style>
+        <p:txBody>
+          <a:bodyPr rtlCol="0" anchor="ctr"/>
+          <a:lstStyle/>
+          <a:p>
+            <a:pPr algn="ctr"/>
+            <a:endParaRPr lang="en-US"/>
           </a:p>
         </p:txBody>
       </p:sp>
@@ -7042,6 +8889,116 @@
           </a:extLst>
         </p:spPr>
       </p:pic>
+      <p:sp>
+        <p:nvSpPr>
+          <p:cNvPr id="13" name="Rectangle 12">
+            <a:extLst>
+              <a:ext uri="{FF2B5EF4-FFF2-40B4-BE49-F238E27FC236}">
+                <a16:creationId xmlns:a16="http://schemas.microsoft.com/office/drawing/2014/main" id="{1BFC80B4-D3F1-425F-86EE-8B15D048D6C6}"/>
+              </a:ext>
+            </a:extLst>
+          </p:cNvPr>
+          <p:cNvSpPr/>
+          <p:nvPr/>
+        </p:nvSpPr>
+        <p:spPr>
+          <a:xfrm>
+            <a:off x="0" y="0"/>
+            <a:ext cx="12192000" cy="209427"/>
+          </a:xfrm>
+          <a:prstGeom prst="rect">
+            <a:avLst/>
+          </a:prstGeom>
+          <a:solidFill>
+            <a:schemeClr val="tx1">
+              <a:lumMod val="50000"/>
+              <a:lumOff val="50000"/>
+            </a:schemeClr>
+          </a:solidFill>
+          <a:ln>
+            <a:noFill/>
+          </a:ln>
+        </p:spPr>
+        <p:style>
+          <a:lnRef idx="2">
+            <a:schemeClr val="accent1">
+              <a:shade val="50000"/>
+            </a:schemeClr>
+          </a:lnRef>
+          <a:fillRef idx="1">
+            <a:schemeClr val="accent1"/>
+          </a:fillRef>
+          <a:effectRef idx="0">
+            <a:schemeClr val="accent1"/>
+          </a:effectRef>
+          <a:fontRef idx="minor">
+            <a:schemeClr val="lt1"/>
+          </a:fontRef>
+        </p:style>
+        <p:txBody>
+          <a:bodyPr rtlCol="0" anchor="ctr"/>
+          <a:lstStyle/>
+          <a:p>
+            <a:pPr algn="ctr"/>
+            <a:endParaRPr lang="en-US"/>
+          </a:p>
+        </p:txBody>
+      </p:sp>
+      <p:sp>
+        <p:nvSpPr>
+          <p:cNvPr id="15" name="Rectangle 14">
+            <a:extLst>
+              <a:ext uri="{FF2B5EF4-FFF2-40B4-BE49-F238E27FC236}">
+                <a16:creationId xmlns:a16="http://schemas.microsoft.com/office/drawing/2014/main" id="{77E171C0-8930-4813-AB7B-5C792B2193A3}"/>
+              </a:ext>
+            </a:extLst>
+          </p:cNvPr>
+          <p:cNvSpPr/>
+          <p:nvPr/>
+        </p:nvSpPr>
+        <p:spPr>
+          <a:xfrm>
+            <a:off x="0" y="-1"/>
+            <a:ext cx="3038400" cy="209427"/>
+          </a:xfrm>
+          <a:prstGeom prst="rect">
+            <a:avLst/>
+          </a:prstGeom>
+          <a:solidFill>
+            <a:schemeClr val="accent4">
+              <a:lumMod val="60000"/>
+              <a:lumOff val="40000"/>
+            </a:schemeClr>
+          </a:solidFill>
+          <a:ln>
+            <a:noFill/>
+          </a:ln>
+        </p:spPr>
+        <p:style>
+          <a:lnRef idx="2">
+            <a:schemeClr val="accent1">
+              <a:shade val="50000"/>
+            </a:schemeClr>
+          </a:lnRef>
+          <a:fillRef idx="1">
+            <a:schemeClr val="accent1"/>
+          </a:fillRef>
+          <a:effectRef idx="0">
+            <a:schemeClr val="accent1"/>
+          </a:effectRef>
+          <a:fontRef idx="minor">
+            <a:schemeClr val="lt1"/>
+          </a:fontRef>
+        </p:style>
+        <p:txBody>
+          <a:bodyPr rtlCol="0" anchor="ctr"/>
+          <a:lstStyle/>
+          <a:p>
+            <a:pPr algn="ctr"/>
+            <a:endParaRPr lang="en-US"/>
+          </a:p>
+        </p:txBody>
+      </p:sp>
     </p:spTree>
     <p:extLst>
       <p:ext uri="{BB962C8B-B14F-4D97-AF65-F5344CB8AC3E}">
@@ -7407,6 +9364,116 @@
           </a:extLst>
         </p:spPr>
       </p:pic>
+      <p:sp>
+        <p:nvSpPr>
+          <p:cNvPr id="8" name="Rectangle 7">
+            <a:extLst>
+              <a:ext uri="{FF2B5EF4-FFF2-40B4-BE49-F238E27FC236}">
+                <a16:creationId xmlns:a16="http://schemas.microsoft.com/office/drawing/2014/main" id="{199CFFBC-B709-42A3-8EB2-96820CC8F397}"/>
+              </a:ext>
+            </a:extLst>
+          </p:cNvPr>
+          <p:cNvSpPr/>
+          <p:nvPr/>
+        </p:nvSpPr>
+        <p:spPr>
+          <a:xfrm>
+            <a:off x="0" y="0"/>
+            <a:ext cx="12192000" cy="209427"/>
+          </a:xfrm>
+          <a:prstGeom prst="rect">
+            <a:avLst/>
+          </a:prstGeom>
+          <a:solidFill>
+            <a:schemeClr val="tx1">
+              <a:lumMod val="50000"/>
+              <a:lumOff val="50000"/>
+            </a:schemeClr>
+          </a:solidFill>
+          <a:ln>
+            <a:noFill/>
+          </a:ln>
+        </p:spPr>
+        <p:style>
+          <a:lnRef idx="2">
+            <a:schemeClr val="accent1">
+              <a:shade val="50000"/>
+            </a:schemeClr>
+          </a:lnRef>
+          <a:fillRef idx="1">
+            <a:schemeClr val="accent1"/>
+          </a:fillRef>
+          <a:effectRef idx="0">
+            <a:schemeClr val="accent1"/>
+          </a:effectRef>
+          <a:fontRef idx="minor">
+            <a:schemeClr val="lt1"/>
+          </a:fontRef>
+        </p:style>
+        <p:txBody>
+          <a:bodyPr rtlCol="0" anchor="ctr"/>
+          <a:lstStyle/>
+          <a:p>
+            <a:pPr algn="ctr"/>
+            <a:endParaRPr lang="en-US"/>
+          </a:p>
+        </p:txBody>
+      </p:sp>
+      <p:sp>
+        <p:nvSpPr>
+          <p:cNvPr id="9" name="Rectangle 8">
+            <a:extLst>
+              <a:ext uri="{FF2B5EF4-FFF2-40B4-BE49-F238E27FC236}">
+                <a16:creationId xmlns:a16="http://schemas.microsoft.com/office/drawing/2014/main" id="{92A770CA-7A52-410E-B362-B5489180DE66}"/>
+              </a:ext>
+            </a:extLst>
+          </p:cNvPr>
+          <p:cNvSpPr/>
+          <p:nvPr/>
+        </p:nvSpPr>
+        <p:spPr>
+          <a:xfrm>
+            <a:off x="0" y="-1"/>
+            <a:ext cx="3798000" cy="209427"/>
+          </a:xfrm>
+          <a:prstGeom prst="rect">
+            <a:avLst/>
+          </a:prstGeom>
+          <a:solidFill>
+            <a:schemeClr val="accent4">
+              <a:lumMod val="60000"/>
+              <a:lumOff val="40000"/>
+            </a:schemeClr>
+          </a:solidFill>
+          <a:ln>
+            <a:noFill/>
+          </a:ln>
+        </p:spPr>
+        <p:style>
+          <a:lnRef idx="2">
+            <a:schemeClr val="accent1">
+              <a:shade val="50000"/>
+            </a:schemeClr>
+          </a:lnRef>
+          <a:fillRef idx="1">
+            <a:schemeClr val="accent1"/>
+          </a:fillRef>
+          <a:effectRef idx="0">
+            <a:schemeClr val="accent1"/>
+          </a:effectRef>
+          <a:fontRef idx="minor">
+            <a:schemeClr val="lt1"/>
+          </a:fontRef>
+        </p:style>
+        <p:txBody>
+          <a:bodyPr rtlCol="0" anchor="ctr"/>
+          <a:lstStyle/>
+          <a:p>
+            <a:pPr algn="ctr"/>
+            <a:endParaRPr lang="en-US"/>
+          </a:p>
+        </p:txBody>
+      </p:sp>
     </p:spTree>
     <p:extLst>
       <p:ext uri="{BB962C8B-B14F-4D97-AF65-F5344CB8AC3E}">
@@ -7576,6 +9643,116 @@
           </a:xfrm>
         </p:spPr>
       </p:pic>
+      <p:sp>
+        <p:nvSpPr>
+          <p:cNvPr id="4" name="Rectangle 3">
+            <a:extLst>
+              <a:ext uri="{FF2B5EF4-FFF2-40B4-BE49-F238E27FC236}">
+                <a16:creationId xmlns:a16="http://schemas.microsoft.com/office/drawing/2014/main" id="{E1836DF3-F8D3-4FC0-80D5-76EB2720C9D6}"/>
+              </a:ext>
+            </a:extLst>
+          </p:cNvPr>
+          <p:cNvSpPr/>
+          <p:nvPr/>
+        </p:nvSpPr>
+        <p:spPr>
+          <a:xfrm>
+            <a:off x="0" y="0"/>
+            <a:ext cx="12192000" cy="209427"/>
+          </a:xfrm>
+          <a:prstGeom prst="rect">
+            <a:avLst/>
+          </a:prstGeom>
+          <a:solidFill>
+            <a:schemeClr val="tx1">
+              <a:lumMod val="50000"/>
+              <a:lumOff val="50000"/>
+            </a:schemeClr>
+          </a:solidFill>
+          <a:ln>
+            <a:noFill/>
+          </a:ln>
+        </p:spPr>
+        <p:style>
+          <a:lnRef idx="2">
+            <a:schemeClr val="accent1">
+              <a:shade val="50000"/>
+            </a:schemeClr>
+          </a:lnRef>
+          <a:fillRef idx="1">
+            <a:schemeClr val="accent1"/>
+          </a:fillRef>
+          <a:effectRef idx="0">
+            <a:schemeClr val="accent1"/>
+          </a:effectRef>
+          <a:fontRef idx="minor">
+            <a:schemeClr val="lt1"/>
+          </a:fontRef>
+        </p:style>
+        <p:txBody>
+          <a:bodyPr rtlCol="0" anchor="ctr"/>
+          <a:lstStyle/>
+          <a:p>
+            <a:pPr algn="ctr"/>
+            <a:endParaRPr lang="en-US"/>
+          </a:p>
+        </p:txBody>
+      </p:sp>
+      <p:sp>
+        <p:nvSpPr>
+          <p:cNvPr id="5" name="Rectangle 4">
+            <a:extLst>
+              <a:ext uri="{FF2B5EF4-FFF2-40B4-BE49-F238E27FC236}">
+                <a16:creationId xmlns:a16="http://schemas.microsoft.com/office/drawing/2014/main" id="{F5D29DB7-26C0-4022-BC98-672331B71A0E}"/>
+              </a:ext>
+            </a:extLst>
+          </p:cNvPr>
+          <p:cNvSpPr/>
+          <p:nvPr/>
+        </p:nvSpPr>
+        <p:spPr>
+          <a:xfrm>
+            <a:off x="0" y="-1"/>
+            <a:ext cx="4557600" cy="209427"/>
+          </a:xfrm>
+          <a:prstGeom prst="rect">
+            <a:avLst/>
+          </a:prstGeom>
+          <a:solidFill>
+            <a:schemeClr val="accent4">
+              <a:lumMod val="60000"/>
+              <a:lumOff val="40000"/>
+            </a:schemeClr>
+          </a:solidFill>
+          <a:ln>
+            <a:noFill/>
+          </a:ln>
+        </p:spPr>
+        <p:style>
+          <a:lnRef idx="2">
+            <a:schemeClr val="accent1">
+              <a:shade val="50000"/>
+            </a:schemeClr>
+          </a:lnRef>
+          <a:fillRef idx="1">
+            <a:schemeClr val="accent1"/>
+          </a:fillRef>
+          <a:effectRef idx="0">
+            <a:schemeClr val="accent1"/>
+          </a:effectRef>
+          <a:fontRef idx="minor">
+            <a:schemeClr val="lt1"/>
+          </a:fontRef>
+        </p:style>
+        <p:txBody>
+          <a:bodyPr rtlCol="0" anchor="ctr"/>
+          <a:lstStyle/>
+          <a:p>
+            <a:pPr algn="ctr"/>
+            <a:endParaRPr lang="en-US"/>
+          </a:p>
+        </p:txBody>
+      </p:sp>
     </p:spTree>
     <p:extLst>
       <p:ext uri="{BB962C8B-B14F-4D97-AF65-F5344CB8AC3E}">
@@ -7715,6 +9892,116 @@
           </a:p>
         </p:txBody>
       </p:sp>
+      <p:sp>
+        <p:nvSpPr>
+          <p:cNvPr id="4" name="Rectangle 3">
+            <a:extLst>
+              <a:ext uri="{FF2B5EF4-FFF2-40B4-BE49-F238E27FC236}">
+                <a16:creationId xmlns:a16="http://schemas.microsoft.com/office/drawing/2014/main" id="{6611A406-ADD7-4A36-9957-186425E459C6}"/>
+              </a:ext>
+            </a:extLst>
+          </p:cNvPr>
+          <p:cNvSpPr/>
+          <p:nvPr/>
+        </p:nvSpPr>
+        <p:spPr>
+          <a:xfrm>
+            <a:off x="0" y="0"/>
+            <a:ext cx="12192000" cy="209427"/>
+          </a:xfrm>
+          <a:prstGeom prst="rect">
+            <a:avLst/>
+          </a:prstGeom>
+          <a:solidFill>
+            <a:schemeClr val="tx1">
+              <a:lumMod val="50000"/>
+              <a:lumOff val="50000"/>
+            </a:schemeClr>
+          </a:solidFill>
+          <a:ln>
+            <a:noFill/>
+          </a:ln>
+        </p:spPr>
+        <p:style>
+          <a:lnRef idx="2">
+            <a:schemeClr val="accent1">
+              <a:shade val="50000"/>
+            </a:schemeClr>
+          </a:lnRef>
+          <a:fillRef idx="1">
+            <a:schemeClr val="accent1"/>
+          </a:fillRef>
+          <a:effectRef idx="0">
+            <a:schemeClr val="accent1"/>
+          </a:effectRef>
+          <a:fontRef idx="minor">
+            <a:schemeClr val="lt1"/>
+          </a:fontRef>
+        </p:style>
+        <p:txBody>
+          <a:bodyPr rtlCol="0" anchor="ctr"/>
+          <a:lstStyle/>
+          <a:p>
+            <a:pPr algn="ctr"/>
+            <a:endParaRPr lang="en-US"/>
+          </a:p>
+        </p:txBody>
+      </p:sp>
+      <p:sp>
+        <p:nvSpPr>
+          <p:cNvPr id="5" name="Rectangle 4">
+            <a:extLst>
+              <a:ext uri="{FF2B5EF4-FFF2-40B4-BE49-F238E27FC236}">
+                <a16:creationId xmlns:a16="http://schemas.microsoft.com/office/drawing/2014/main" id="{79B3B79A-FB21-4117-B449-0CAB8FED93D4}"/>
+              </a:ext>
+            </a:extLst>
+          </p:cNvPr>
+          <p:cNvSpPr/>
+          <p:nvPr/>
+        </p:nvSpPr>
+        <p:spPr>
+          <a:xfrm>
+            <a:off x="0" y="-1"/>
+            <a:ext cx="5317200" cy="209427"/>
+          </a:xfrm>
+          <a:prstGeom prst="rect">
+            <a:avLst/>
+          </a:prstGeom>
+          <a:solidFill>
+            <a:schemeClr val="accent4">
+              <a:lumMod val="60000"/>
+              <a:lumOff val="40000"/>
+            </a:schemeClr>
+          </a:solidFill>
+          <a:ln>
+            <a:noFill/>
+          </a:ln>
+        </p:spPr>
+        <p:style>
+          <a:lnRef idx="2">
+            <a:schemeClr val="accent1">
+              <a:shade val="50000"/>
+            </a:schemeClr>
+          </a:lnRef>
+          <a:fillRef idx="1">
+            <a:schemeClr val="accent1"/>
+          </a:fillRef>
+          <a:effectRef idx="0">
+            <a:schemeClr val="accent1"/>
+          </a:effectRef>
+          <a:fontRef idx="minor">
+            <a:schemeClr val="lt1"/>
+          </a:fontRef>
+        </p:style>
+        <p:txBody>
+          <a:bodyPr rtlCol="0" anchor="ctr"/>
+          <a:lstStyle/>
+          <a:p>
+            <a:pPr algn="ctr"/>
+            <a:endParaRPr lang="en-US"/>
+          </a:p>
+        </p:txBody>
+      </p:sp>
     </p:spTree>
     <p:extLst>
       <p:ext uri="{BB962C8B-B14F-4D97-AF65-F5344CB8AC3E}">
@@ -7725,6 +10012,214 @@
   <p:clrMapOvr>
     <a:masterClrMapping/>
   </p:clrMapOvr>
+  <p:timing>
+    <p:tnLst>
+      <p:par>
+        <p:cTn id="1" dur="indefinite" restart="never" nodeType="tmRoot">
+          <p:childTnLst>
+            <p:seq concurrent="1" nextAc="seek">
+              <p:cTn id="2" dur="indefinite" nodeType="mainSeq">
+                <p:childTnLst>
+                  <p:par>
+                    <p:cTn id="3" fill="hold">
+                      <p:stCondLst>
+                        <p:cond delay="indefinite"/>
+                      </p:stCondLst>
+                      <p:childTnLst>
+                        <p:par>
+                          <p:cTn id="4" fill="hold">
+                            <p:stCondLst>
+                              <p:cond delay="0"/>
+                            </p:stCondLst>
+                            <p:childTnLst>
+                              <p:par>
+                                <p:cTn id="5" presetID="1" presetClass="entr" presetSubtype="0" fill="hold" nodeType="clickEffect">
+                                  <p:stCondLst>
+                                    <p:cond delay="0"/>
+                                  </p:stCondLst>
+                                  <p:childTnLst>
+                                    <p:set>
+                                      <p:cBhvr>
+                                        <p:cTn id="6" dur="1" fill="hold">
+                                          <p:stCondLst>
+                                            <p:cond delay="0"/>
+                                          </p:stCondLst>
+                                        </p:cTn>
+                                        <p:tgtEl>
+                                          <p:spTgt spid="3">
+                                            <p:txEl>
+                                              <p:pRg st="3" end="3"/>
+                                            </p:txEl>
+                                          </p:spTgt>
+                                        </p:tgtEl>
+                                        <p:attrNameLst>
+                                          <p:attrName>style.visibility</p:attrName>
+                                        </p:attrNameLst>
+                                      </p:cBhvr>
+                                      <p:to>
+                                        <p:strVal val="visible"/>
+                                      </p:to>
+                                    </p:set>
+                                  </p:childTnLst>
+                                </p:cTn>
+                              </p:par>
+                              <p:par>
+                                <p:cTn id="7" presetID="1" presetClass="entr" presetSubtype="0" fill="hold" nodeType="withEffect">
+                                  <p:stCondLst>
+                                    <p:cond delay="0"/>
+                                  </p:stCondLst>
+                                  <p:childTnLst>
+                                    <p:set>
+                                      <p:cBhvr>
+                                        <p:cTn id="8" dur="1" fill="hold">
+                                          <p:stCondLst>
+                                            <p:cond delay="0"/>
+                                          </p:stCondLst>
+                                        </p:cTn>
+                                        <p:tgtEl>
+                                          <p:spTgt spid="3">
+                                            <p:txEl>
+                                              <p:pRg st="4" end="4"/>
+                                            </p:txEl>
+                                          </p:spTgt>
+                                        </p:tgtEl>
+                                        <p:attrNameLst>
+                                          <p:attrName>style.visibility</p:attrName>
+                                        </p:attrNameLst>
+                                      </p:cBhvr>
+                                      <p:to>
+                                        <p:strVal val="visible"/>
+                                      </p:to>
+                                    </p:set>
+                                  </p:childTnLst>
+                                </p:cTn>
+                              </p:par>
+                            </p:childTnLst>
+                          </p:cTn>
+                        </p:par>
+                      </p:childTnLst>
+                    </p:cTn>
+                  </p:par>
+                  <p:par>
+                    <p:cTn id="9" fill="hold">
+                      <p:stCondLst>
+                        <p:cond delay="indefinite"/>
+                      </p:stCondLst>
+                      <p:childTnLst>
+                        <p:par>
+                          <p:cTn id="10" fill="hold">
+                            <p:stCondLst>
+                              <p:cond delay="0"/>
+                            </p:stCondLst>
+                            <p:childTnLst>
+                              <p:par>
+                                <p:cTn id="11" presetID="1" presetClass="entr" presetSubtype="0" fill="hold" nodeType="clickEffect">
+                                  <p:stCondLst>
+                                    <p:cond delay="0"/>
+                                  </p:stCondLst>
+                                  <p:childTnLst>
+                                    <p:set>
+                                      <p:cBhvr>
+                                        <p:cTn id="12" dur="1" fill="hold">
+                                          <p:stCondLst>
+                                            <p:cond delay="0"/>
+                                          </p:stCondLst>
+                                        </p:cTn>
+                                        <p:tgtEl>
+                                          <p:spTgt spid="3">
+                                            <p:txEl>
+                                              <p:pRg st="5" end="5"/>
+                                            </p:txEl>
+                                          </p:spTgt>
+                                        </p:tgtEl>
+                                        <p:attrNameLst>
+                                          <p:attrName>style.visibility</p:attrName>
+                                        </p:attrNameLst>
+                                      </p:cBhvr>
+                                      <p:to>
+                                        <p:strVal val="visible"/>
+                                      </p:to>
+                                    </p:set>
+                                  </p:childTnLst>
+                                </p:cTn>
+                              </p:par>
+                            </p:childTnLst>
+                          </p:cTn>
+                        </p:par>
+                      </p:childTnLst>
+                    </p:cTn>
+                  </p:par>
+                  <p:par>
+                    <p:cTn id="13" fill="hold">
+                      <p:stCondLst>
+                        <p:cond delay="indefinite"/>
+                      </p:stCondLst>
+                      <p:childTnLst>
+                        <p:par>
+                          <p:cTn id="14" fill="hold">
+                            <p:stCondLst>
+                              <p:cond delay="0"/>
+                            </p:stCondLst>
+                            <p:childTnLst>
+                              <p:par>
+                                <p:cTn id="15" presetID="1" presetClass="entr" presetSubtype="0" fill="hold" nodeType="clickEffect">
+                                  <p:stCondLst>
+                                    <p:cond delay="0"/>
+                                  </p:stCondLst>
+                                  <p:childTnLst>
+                                    <p:set>
+                                      <p:cBhvr>
+                                        <p:cTn id="16" dur="1" fill="hold">
+                                          <p:stCondLst>
+                                            <p:cond delay="0"/>
+                                          </p:stCondLst>
+                                        </p:cTn>
+                                        <p:tgtEl>
+                                          <p:spTgt spid="3">
+                                            <p:txEl>
+                                              <p:pRg st="6" end="6"/>
+                                            </p:txEl>
+                                          </p:spTgt>
+                                        </p:tgtEl>
+                                        <p:attrNameLst>
+                                          <p:attrName>style.visibility</p:attrName>
+                                        </p:attrNameLst>
+                                      </p:cBhvr>
+                                      <p:to>
+                                        <p:strVal val="visible"/>
+                                      </p:to>
+                                    </p:set>
+                                  </p:childTnLst>
+                                </p:cTn>
+                              </p:par>
+                            </p:childTnLst>
+                          </p:cTn>
+                        </p:par>
+                      </p:childTnLst>
+                    </p:cTn>
+                  </p:par>
+                </p:childTnLst>
+              </p:cTn>
+              <p:prevCondLst>
+                <p:cond evt="onPrev" delay="0">
+                  <p:tgtEl>
+                    <p:sldTgt/>
+                  </p:tgtEl>
+                </p:cond>
+              </p:prevCondLst>
+              <p:nextCondLst>
+                <p:cond evt="onNext" delay="0">
+                  <p:tgtEl>
+                    <p:sldTgt/>
+                  </p:tgtEl>
+                </p:cond>
+              </p:nextCondLst>
+            </p:seq>
+          </p:childTnLst>
+        </p:cTn>
+      </p:par>
+    </p:tnLst>
+  </p:timing>
 </p:sld>
 </file>
 
@@ -7815,6 +10310,116 @@
           </a:p>
         </p:txBody>
       </p:sp>
+      <p:sp>
+        <p:nvSpPr>
+          <p:cNvPr id="4" name="Rectangle 3">
+            <a:extLst>
+              <a:ext uri="{FF2B5EF4-FFF2-40B4-BE49-F238E27FC236}">
+                <a16:creationId xmlns:a16="http://schemas.microsoft.com/office/drawing/2014/main" id="{DED2339F-2EC2-42B6-9076-8FD3D3F34BB2}"/>
+              </a:ext>
+            </a:extLst>
+          </p:cNvPr>
+          <p:cNvSpPr/>
+          <p:nvPr/>
+        </p:nvSpPr>
+        <p:spPr>
+          <a:xfrm>
+            <a:off x="0" y="0"/>
+            <a:ext cx="12192000" cy="209427"/>
+          </a:xfrm>
+          <a:prstGeom prst="rect">
+            <a:avLst/>
+          </a:prstGeom>
+          <a:solidFill>
+            <a:schemeClr val="tx1">
+              <a:lumMod val="50000"/>
+              <a:lumOff val="50000"/>
+            </a:schemeClr>
+          </a:solidFill>
+          <a:ln>
+            <a:noFill/>
+          </a:ln>
+        </p:spPr>
+        <p:style>
+          <a:lnRef idx="2">
+            <a:schemeClr val="accent1">
+              <a:shade val="50000"/>
+            </a:schemeClr>
+          </a:lnRef>
+          <a:fillRef idx="1">
+            <a:schemeClr val="accent1"/>
+          </a:fillRef>
+          <a:effectRef idx="0">
+            <a:schemeClr val="accent1"/>
+          </a:effectRef>
+          <a:fontRef idx="minor">
+            <a:schemeClr val="lt1"/>
+          </a:fontRef>
+        </p:style>
+        <p:txBody>
+          <a:bodyPr rtlCol="0" anchor="ctr"/>
+          <a:lstStyle/>
+          <a:p>
+            <a:pPr algn="ctr"/>
+            <a:endParaRPr lang="en-US"/>
+          </a:p>
+        </p:txBody>
+      </p:sp>
+      <p:sp>
+        <p:nvSpPr>
+          <p:cNvPr id="5" name="Rectangle 4">
+            <a:extLst>
+              <a:ext uri="{FF2B5EF4-FFF2-40B4-BE49-F238E27FC236}">
+                <a16:creationId xmlns:a16="http://schemas.microsoft.com/office/drawing/2014/main" id="{EC74E874-035B-4C82-9315-F45B861BB80C}"/>
+              </a:ext>
+            </a:extLst>
+          </p:cNvPr>
+          <p:cNvSpPr/>
+          <p:nvPr/>
+        </p:nvSpPr>
+        <p:spPr>
+          <a:xfrm>
+            <a:off x="0" y="-1"/>
+            <a:ext cx="6076800" cy="209427"/>
+          </a:xfrm>
+          <a:prstGeom prst="rect">
+            <a:avLst/>
+          </a:prstGeom>
+          <a:solidFill>
+            <a:schemeClr val="accent4">
+              <a:lumMod val="60000"/>
+              <a:lumOff val="40000"/>
+            </a:schemeClr>
+          </a:solidFill>
+          <a:ln>
+            <a:noFill/>
+          </a:ln>
+        </p:spPr>
+        <p:style>
+          <a:lnRef idx="2">
+            <a:schemeClr val="accent1">
+              <a:shade val="50000"/>
+            </a:schemeClr>
+          </a:lnRef>
+          <a:fillRef idx="1">
+            <a:schemeClr val="accent1"/>
+          </a:fillRef>
+          <a:effectRef idx="0">
+            <a:schemeClr val="accent1"/>
+          </a:effectRef>
+          <a:fontRef idx="minor">
+            <a:schemeClr val="lt1"/>
+          </a:fontRef>
+        </p:style>
+        <p:txBody>
+          <a:bodyPr rtlCol="0" anchor="ctr"/>
+          <a:lstStyle/>
+          <a:p>
+            <a:pPr algn="ctr"/>
+            <a:endParaRPr lang="en-US"/>
+          </a:p>
+        </p:txBody>
+      </p:sp>
     </p:spTree>
     <p:extLst>
       <p:ext uri="{BB962C8B-B14F-4D97-AF65-F5344CB8AC3E}">
@@ -7825,6 +10430,134 @@
   <p:clrMapOvr>
     <a:masterClrMapping/>
   </p:clrMapOvr>
+  <p:timing>
+    <p:tnLst>
+      <p:par>
+        <p:cTn id="1" dur="indefinite" restart="never" nodeType="tmRoot">
+          <p:childTnLst>
+            <p:seq concurrent="1" nextAc="seek">
+              <p:cTn id="2" dur="indefinite" nodeType="mainSeq">
+                <p:childTnLst>
+                  <p:par>
+                    <p:cTn id="3" fill="hold">
+                      <p:stCondLst>
+                        <p:cond delay="indefinite"/>
+                      </p:stCondLst>
+                      <p:childTnLst>
+                        <p:par>
+                          <p:cTn id="4" fill="hold">
+                            <p:stCondLst>
+                              <p:cond delay="0"/>
+                            </p:stCondLst>
+                            <p:childTnLst>
+                              <p:par>
+                                <p:cTn id="5" presetID="1" presetClass="entr" presetSubtype="0" fill="hold" nodeType="clickEffect">
+                                  <p:stCondLst>
+                                    <p:cond delay="0"/>
+                                  </p:stCondLst>
+                                  <p:childTnLst>
+                                    <p:set>
+                                      <p:cBhvr>
+                                        <p:cTn id="6" dur="1" fill="hold">
+                                          <p:stCondLst>
+                                            <p:cond delay="0"/>
+                                          </p:stCondLst>
+                                        </p:cTn>
+                                        <p:tgtEl>
+                                          <p:spTgt spid="3">
+                                            <p:txEl>
+                                              <p:pRg st="1" end="1"/>
+                                            </p:txEl>
+                                          </p:spTgt>
+                                        </p:tgtEl>
+                                        <p:attrNameLst>
+                                          <p:attrName>style.visibility</p:attrName>
+                                        </p:attrNameLst>
+                                      </p:cBhvr>
+                                      <p:to>
+                                        <p:strVal val="visible"/>
+                                      </p:to>
+                                    </p:set>
+                                  </p:childTnLst>
+                                </p:cTn>
+                              </p:par>
+                            </p:childTnLst>
+                          </p:cTn>
+                        </p:par>
+                      </p:childTnLst>
+                    </p:cTn>
+                  </p:par>
+                  <p:par>
+                    <p:cTn id="7" fill="hold">
+                      <p:stCondLst>
+                        <p:cond delay="indefinite"/>
+                      </p:stCondLst>
+                      <p:childTnLst>
+                        <p:par>
+                          <p:cTn id="8" fill="hold">
+                            <p:stCondLst>
+                              <p:cond delay="0"/>
+                            </p:stCondLst>
+                            <p:childTnLst>
+                              <p:par>
+                                <p:cTn id="9" presetID="1" presetClass="entr" presetSubtype="0" fill="hold" nodeType="clickEffect">
+                                  <p:stCondLst>
+                                    <p:cond delay="0"/>
+                                  </p:stCondLst>
+                                  <p:childTnLst>
+                                    <p:set>
+                                      <p:cBhvr>
+                                        <p:cTn id="10" dur="1" fill="hold">
+                                          <p:stCondLst>
+                                            <p:cond delay="0"/>
+                                          </p:stCondLst>
+                                        </p:cTn>
+                                        <p:tgtEl>
+                                          <p:spTgt spid="3">
+                                            <p:txEl>
+                                              <p:pRg st="2" end="2"/>
+                                            </p:txEl>
+                                          </p:spTgt>
+                                        </p:tgtEl>
+                                        <p:attrNameLst>
+                                          <p:attrName>style.visibility</p:attrName>
+                                        </p:attrNameLst>
+                                      </p:cBhvr>
+                                      <p:to>
+                                        <p:strVal val="visible"/>
+                                      </p:to>
+                                    </p:set>
+                                  </p:childTnLst>
+                                </p:cTn>
+                              </p:par>
+                            </p:childTnLst>
+                          </p:cTn>
+                        </p:par>
+                      </p:childTnLst>
+                    </p:cTn>
+                  </p:par>
+                </p:childTnLst>
+              </p:cTn>
+              <p:prevCondLst>
+                <p:cond evt="onPrev" delay="0">
+                  <p:tgtEl>
+                    <p:sldTgt/>
+                  </p:tgtEl>
+                </p:cond>
+              </p:prevCondLst>
+              <p:nextCondLst>
+                <p:cond evt="onNext" delay="0">
+                  <p:tgtEl>
+                    <p:sldTgt/>
+                  </p:tgtEl>
+                </p:cond>
+              </p:nextCondLst>
+            </p:seq>
+          </p:childTnLst>
+        </p:cTn>
+      </p:par>
+    </p:tnLst>
+  </p:timing>
 </p:sld>
 </file>
 

--- a/presentation/presentation.pptx
+++ b/presentation/presentation.pptx
@@ -7120,7 +7120,13 @@
           <a:p>
             <a:r>
               <a:rPr lang="en-CH" dirty="0"/>
-              <a:t>Ongoing research topic</a:t>
+              <a:t>Unfamiliar topics</a:t>
+            </a:r>
+          </a:p>
+          <a:p>
+            <a:r>
+              <a:rPr lang="en-CH" dirty="0"/>
+              <a:t>Sometimes shied away from security/cryptography aspects</a:t>
             </a:r>
           </a:p>
           <a:p>
@@ -7132,11 +7138,8 @@
           <a:p>
             <a:r>
               <a:rPr lang="en-CH" dirty="0"/>
-              <a:t>Entropy source samples can be officially validated</a:t>
-            </a:r>
-          </a:p>
-          <a:p>
-            <a:endParaRPr lang="en-CH" dirty="0"/>
+              <a:t>Best use for PRNG in cryptography?</a:t>
+            </a:r>
           </a:p>
         </p:txBody>
       </p:sp>
@@ -7345,7 +7348,105 @@
                                         <p:tgtEl>
                                           <p:spTgt spid="3">
                                             <p:txEl>
+                                              <p:pRg st="0" end="0"/>
+                                            </p:txEl>
+                                          </p:spTgt>
+                                        </p:tgtEl>
+                                        <p:attrNameLst>
+                                          <p:attrName>style.visibility</p:attrName>
+                                        </p:attrNameLst>
+                                      </p:cBhvr>
+                                      <p:to>
+                                        <p:strVal val="visible"/>
+                                      </p:to>
+                                    </p:set>
+                                  </p:childTnLst>
+                                </p:cTn>
+                              </p:par>
+                            </p:childTnLst>
+                          </p:cTn>
+                        </p:par>
+                      </p:childTnLst>
+                    </p:cTn>
+                  </p:par>
+                  <p:par>
+                    <p:cTn id="11" fill="hold">
+                      <p:stCondLst>
+                        <p:cond delay="indefinite"/>
+                      </p:stCondLst>
+                      <p:childTnLst>
+                        <p:par>
+                          <p:cTn id="12" fill="hold">
+                            <p:stCondLst>
+                              <p:cond delay="0"/>
+                            </p:stCondLst>
+                            <p:childTnLst>
+                              <p:par>
+                                <p:cTn id="13" presetID="1" presetClass="entr" presetSubtype="0" fill="hold" nodeType="clickEffect">
+                                  <p:stCondLst>
+                                    <p:cond delay="0"/>
+                                  </p:stCondLst>
+                                  <p:childTnLst>
+                                    <p:set>
+                                      <p:cBhvr>
+                                        <p:cTn id="14" dur="1" fill="hold">
+                                          <p:stCondLst>
+                                            <p:cond delay="0"/>
+                                          </p:stCondLst>
+                                        </p:cTn>
+                                        <p:tgtEl>
+                                          <p:spTgt spid="3">
+                                            <p:txEl>
                                               <p:pRg st="2" end="2"/>
+                                            </p:txEl>
+                                          </p:spTgt>
+                                        </p:tgtEl>
+                                        <p:attrNameLst>
+                                          <p:attrName>style.visibility</p:attrName>
+                                        </p:attrNameLst>
+                                      </p:cBhvr>
+                                      <p:to>
+                                        <p:strVal val="visible"/>
+                                      </p:to>
+                                    </p:set>
+                                  </p:childTnLst>
+                                </p:cTn>
+                              </p:par>
+                            </p:childTnLst>
+                          </p:cTn>
+                        </p:par>
+                      </p:childTnLst>
+                    </p:cTn>
+                  </p:par>
+                  <p:par>
+                    <p:cTn id="15" fill="hold">
+                      <p:stCondLst>
+                        <p:cond delay="indefinite"/>
+                      </p:stCondLst>
+                      <p:childTnLst>
+                        <p:par>
+                          <p:cTn id="16" fill="hold">
+                            <p:stCondLst>
+                              <p:cond delay="0"/>
+                            </p:stCondLst>
+                            <p:childTnLst>
+                              <p:par>
+                                <p:cTn id="17" presetID="1" presetClass="entr" presetSubtype="0" fill="hold" nodeType="clickEffect">
+                                  <p:stCondLst>
+                                    <p:cond delay="0"/>
+                                  </p:stCondLst>
+                                  <p:childTnLst>
+                                    <p:set>
+                                      <p:cBhvr>
+                                        <p:cTn id="18" dur="1" fill="hold">
+                                          <p:stCondLst>
+                                            <p:cond delay="0"/>
+                                          </p:stCondLst>
+                                        </p:cTn>
+                                        <p:tgtEl>
+                                          <p:spTgt spid="3">
+                                            <p:txEl>
+                                              <p:pRg st="3" end="3"/>
                                             </p:txEl>
                                           </p:spTgt>
                                         </p:tgtEl>
@@ -9853,16 +9954,8 @@
           <a:p>
             <a:pPr lvl="1"/>
             <a:r>
-              <a:rPr lang="en-US" dirty="0"/>
-              <a:t>K</a:t>
-            </a:r>
-            <a:r>
-              <a:rPr lang="en-CH" dirty="0" err="1"/>
-              <a:t>eyboard</a:t>
-            </a:r>
-            <a:r>
               <a:rPr lang="en-CH" dirty="0"/>
-              <a:t> stroke timings</a:t>
+              <a:t>Keyboard stroke timings</a:t>
             </a:r>
           </a:p>
           <a:p>
